--- a/images/images.pptx
+++ b/images/images.pptx
@@ -874,7 +874,7 @@
       </dgm:t>
     </dgm:pt>
     <dgm:pt modelId="{918C2ECB-A45D-7F48-AC68-7265CF8B4E4D}">
-      <dgm:prSet phldrT="[Text]"/>
+      <dgm:prSet phldrT="[Text]" custT="1"/>
       <dgm:spPr>
         <a:solidFill>
           <a:srgbClr val="4472C4">
@@ -891,7 +891,7 @@
         <a:p>
           <a:pPr algn="ctr"/>
           <a:r>
-            <a:rPr lang="en-US" b="1" dirty="0">
+            <a:rPr lang="en-US" sz="1600" b="1" dirty="0">
               <a:solidFill>
                 <a:sysClr val="windowText" lastClr="000000"/>
               </a:solidFill>
@@ -903,7 +903,7 @@
         <a:p>
           <a:pPr algn="l"/>
           <a:r>
-            <a:rPr lang="en-US" dirty="0">
+            <a:rPr lang="en-US" sz="1600" dirty="0">
               <a:solidFill>
                 <a:sysClr val="windowText" lastClr="000000"/>
               </a:solidFill>
@@ -916,7 +916,7 @@
         <a:p>
           <a:pPr algn="l"/>
           <a:r>
-            <a:rPr lang="en-US" dirty="0">
+            <a:rPr lang="en-US" sz="1600" dirty="0">
               <a:solidFill>
                 <a:sysClr val="windowText" lastClr="000000"/>
               </a:solidFill>
@@ -929,7 +929,7 @@
         <a:p>
           <a:pPr algn="l"/>
           <a:r>
-            <a:rPr lang="en-US" dirty="0">
+            <a:rPr lang="en-US" sz="1600" dirty="0">
               <a:solidFill>
                 <a:sysClr val="windowText" lastClr="000000"/>
               </a:solidFill>
@@ -942,7 +942,7 @@
         <a:p>
           <a:pPr algn="l"/>
           <a:r>
-            <a:rPr lang="en-US" dirty="0">
+            <a:rPr lang="en-US" sz="1600" dirty="0">
               <a:solidFill>
                 <a:sysClr val="windowText" lastClr="000000"/>
               </a:solidFill>
@@ -955,14 +955,14 @@
         <a:p>
           <a:pPr algn="l"/>
           <a:r>
-            <a:rPr lang="en-US" dirty="0">
+            <a:rPr lang="en-US" sz="1600" dirty="0">
               <a:solidFill>
                 <a:sysClr val="windowText" lastClr="000000"/>
               </a:solidFill>
               <a:latin typeface="Roboto" panose="02000000000000000000" pitchFamily="2" charset="0"/>
               <a:ea typeface="Roboto" panose="02000000000000000000" pitchFamily="2" charset="0"/>
             </a:rPr>
-            <a:t>- Labeled or unlabeled alternatives</a:t>
+            <a:t>- Labeled or unlabeled design?</a:t>
           </a:r>
         </a:p>
       </dgm:t>
@@ -990,7 +990,7 @@
       </dgm:t>
     </dgm:pt>
     <dgm:pt modelId="{8F7FED3C-13F2-2849-8CF7-B78B9CED650C}">
-      <dgm:prSet phldrT="[Text]"/>
+      <dgm:prSet phldrT="[Text]" custT="1"/>
       <dgm:spPr>
         <a:solidFill>
           <a:srgbClr val="4472C4">
@@ -1007,7 +1007,7 @@
         <a:p>
           <a:pPr algn="ctr"/>
           <a:r>
-            <a:rPr lang="en-US" b="1" dirty="0">
+            <a:rPr lang="en-US" sz="1600" b="1" dirty="0">
               <a:solidFill>
                 <a:sysClr val="windowText" lastClr="000000"/>
               </a:solidFill>
@@ -1019,7 +1019,7 @@
         <a:p>
           <a:pPr algn="l"/>
           <a:r>
-            <a:rPr lang="en-US" dirty="0">
+            <a:rPr lang="en-US" sz="1600" dirty="0">
               <a:solidFill>
                 <a:sysClr val="windowText" lastClr="000000"/>
               </a:solidFill>
@@ -1032,7 +1032,7 @@
         <a:p>
           <a:pPr algn="l"/>
           <a:r>
-            <a:rPr lang="en-US" dirty="0">
+            <a:rPr lang="en-US" sz="1600" dirty="0">
               <a:solidFill>
                 <a:sysClr val="windowText" lastClr="000000"/>
               </a:solidFill>
@@ -1067,7 +1067,7 @@
       </dgm:t>
     </dgm:pt>
     <dgm:pt modelId="{A5B38A22-1B1B-B848-805F-DEF2122280A8}">
-      <dgm:prSet phldrT="[Text]"/>
+      <dgm:prSet phldrT="[Text]" custT="1"/>
       <dgm:spPr>
         <a:solidFill>
           <a:srgbClr val="4472C4">
@@ -1084,7 +1084,7 @@
         <a:p>
           <a:pPr algn="ctr"/>
           <a:r>
-            <a:rPr lang="en-US" b="1" dirty="0">
+            <a:rPr lang="en-US" sz="1600" b="1" dirty="0">
               <a:solidFill>
                 <a:sysClr val="windowText" lastClr="000000"/>
               </a:solidFill>
@@ -1096,7 +1096,7 @@
         <a:p>
           <a:pPr algn="l"/>
           <a:r>
-            <a:rPr lang="en-US" dirty="0">
+            <a:rPr lang="en-US" sz="1600" dirty="0">
               <a:solidFill>
                 <a:sysClr val="windowText" lastClr="000000"/>
               </a:solidFill>
@@ -1109,7 +1109,7 @@
         <a:p>
           <a:pPr algn="l"/>
           <a:r>
-            <a:rPr lang="en-US" dirty="0">
+            <a:rPr lang="en-US" sz="1600" dirty="0">
               <a:solidFill>
                 <a:sysClr val="windowText" lastClr="000000"/>
               </a:solidFill>
@@ -1122,7 +1122,7 @@
         <a:p>
           <a:pPr algn="l"/>
           <a:r>
-            <a:rPr lang="en-US" dirty="0">
+            <a:rPr lang="en-US" sz="1600" dirty="0">
               <a:solidFill>
                 <a:sysClr val="windowText" lastClr="000000"/>
               </a:solidFill>
@@ -1166,7 +1166,7 @@
       <dgm:spPr/>
     </dgm:pt>
     <dgm:pt modelId="{39E60B63-D252-154A-943C-D2E7FEE44D88}" type="pres">
-      <dgm:prSet presAssocID="{918C2ECB-A45D-7F48-AC68-7265CF8B4E4D}" presName="node" presStyleLbl="node1" presStyleIdx="0" presStyleCnt="3" custRadScaleRad="43073" custRadScaleInc="-4870">
+      <dgm:prSet presAssocID="{918C2ECB-A45D-7F48-AC68-7265CF8B4E4D}" presName="node" presStyleLbl="node1" presStyleIdx="0" presStyleCnt="3" custScaleX="115183" custScaleY="123252" custRadScaleRad="43073" custRadScaleInc="-4870">
         <dgm:presLayoutVars>
           <dgm:bulletEnabled val="1"/>
         </dgm:presLayoutVars>
@@ -1182,7 +1182,7 @@
       <dgm:spPr/>
     </dgm:pt>
     <dgm:pt modelId="{4DF3D7A2-C581-C94D-9ED1-3A0682547041}" type="pres">
-      <dgm:prSet presAssocID="{8F7FED3C-13F2-2849-8CF7-B78B9CED650C}" presName="node" presStyleLbl="node1" presStyleIdx="1" presStyleCnt="3">
+      <dgm:prSet presAssocID="{8F7FED3C-13F2-2849-8CF7-B78B9CED650C}" presName="node" presStyleLbl="node1" presStyleIdx="1" presStyleCnt="3" custScaleX="83776" custScaleY="87837">
         <dgm:presLayoutVars>
           <dgm:bulletEnabled val="1"/>
         </dgm:presLayoutVars>
@@ -1198,7 +1198,7 @@
       <dgm:spPr/>
     </dgm:pt>
     <dgm:pt modelId="{A4267CB1-B060-E64A-A138-16A78B86008F}" type="pres">
-      <dgm:prSet presAssocID="{A5B38A22-1B1B-B848-805F-DEF2122280A8}" presName="node" presStyleLbl="node1" presStyleIdx="2" presStyleCnt="3">
+      <dgm:prSet presAssocID="{A5B38A22-1B1B-B848-805F-DEF2122280A8}" presName="node" presStyleLbl="node1" presStyleIdx="2" presStyleCnt="3" custScaleX="84630" custScaleY="89383">
         <dgm:presLayoutVars>
           <dgm:bulletEnabled val="1"/>
         </dgm:presLayoutVars>
@@ -1263,8 +1263,8 @@
       </dsp:nvSpPr>
       <dsp:spPr>
         <a:xfrm>
-          <a:off x="3322720" y="1780579"/>
-          <a:ext cx="3275855" cy="1637927"/>
+          <a:off x="3206902" y="1728841"/>
+          <a:ext cx="3773229" cy="2018778"/>
         </a:xfrm>
         <a:prstGeom prst="roundRect">
           <a:avLst>
@@ -1298,12 +1298,12 @@
         </a:fontRef>
       </dsp:style>
       <dsp:txBody>
-        <a:bodyPr spcFirstLastPara="0" vert="horz" wrap="square" lIns="49530" tIns="49530" rIns="49530" bIns="49530" numCol="1" spcCol="1270" anchor="ctr" anchorCtr="0">
+        <a:bodyPr spcFirstLastPara="0" vert="horz" wrap="square" lIns="60960" tIns="60960" rIns="60960" bIns="60960" numCol="1" spcCol="1270" anchor="ctr" anchorCtr="0">
           <a:noAutofit/>
         </a:bodyPr>
         <a:lstStyle/>
         <a:p>
-          <a:pPr marL="0" lvl="0" indent="0" algn="ctr" defTabSz="577850">
+          <a:pPr marL="0" lvl="0" indent="0" algn="ctr" defTabSz="711200">
             <a:lnSpc>
               <a:spcPct val="90000"/>
             </a:lnSpc>
@@ -1316,7 +1316,7 @@
             <a:buNone/>
           </a:pPr>
           <a:r>
-            <a:rPr lang="en-US" sz="1300" b="1" kern="1200" dirty="0">
+            <a:rPr lang="en-US" sz="1600" b="1" kern="1200" dirty="0">
               <a:solidFill>
                 <a:sysClr val="windowText" lastClr="000000"/>
               </a:solidFill>
@@ -1326,7 +1326,7 @@
           </a:r>
         </a:p>
         <a:p>
-          <a:pPr marL="0" lvl="0" indent="0" algn="l" defTabSz="577850">
+          <a:pPr marL="0" lvl="0" indent="0" algn="l" defTabSz="711200">
             <a:lnSpc>
               <a:spcPct val="90000"/>
             </a:lnSpc>
@@ -1339,7 +1339,7 @@
             <a:buNone/>
           </a:pPr>
           <a:r>
-            <a:rPr lang="en-US" sz="1300" kern="1200" dirty="0">
+            <a:rPr lang="en-US" sz="1600" kern="1200" dirty="0">
               <a:solidFill>
                 <a:sysClr val="windowText" lastClr="000000"/>
               </a:solidFill>
@@ -1350,7 +1350,7 @@
           </a:r>
         </a:p>
         <a:p>
-          <a:pPr marL="0" lvl="0" indent="0" algn="l" defTabSz="577850">
+          <a:pPr marL="0" lvl="0" indent="0" algn="l" defTabSz="711200">
             <a:lnSpc>
               <a:spcPct val="90000"/>
             </a:lnSpc>
@@ -1363,7 +1363,7 @@
             <a:buNone/>
           </a:pPr>
           <a:r>
-            <a:rPr lang="en-US" sz="1300" kern="1200" dirty="0">
+            <a:rPr lang="en-US" sz="1600" kern="1200" dirty="0">
               <a:solidFill>
                 <a:sysClr val="windowText" lastClr="000000"/>
               </a:solidFill>
@@ -1374,7 +1374,7 @@
           </a:r>
         </a:p>
         <a:p>
-          <a:pPr marL="0" lvl="0" indent="0" algn="l" defTabSz="577850">
+          <a:pPr marL="0" lvl="0" indent="0" algn="l" defTabSz="711200">
             <a:lnSpc>
               <a:spcPct val="90000"/>
             </a:lnSpc>
@@ -1387,7 +1387,7 @@
             <a:buNone/>
           </a:pPr>
           <a:r>
-            <a:rPr lang="en-US" sz="1300" kern="1200" dirty="0">
+            <a:rPr lang="en-US" sz="1600" kern="1200" dirty="0">
               <a:solidFill>
                 <a:sysClr val="windowText" lastClr="000000"/>
               </a:solidFill>
@@ -1398,7 +1398,7 @@
           </a:r>
         </a:p>
         <a:p>
-          <a:pPr marL="0" lvl="0" indent="0" algn="l" defTabSz="577850">
+          <a:pPr marL="0" lvl="0" indent="0" algn="l" defTabSz="711200">
             <a:lnSpc>
               <a:spcPct val="90000"/>
             </a:lnSpc>
@@ -1411,7 +1411,7 @@
             <a:buNone/>
           </a:pPr>
           <a:r>
-            <a:rPr lang="en-US" sz="1300" kern="1200" dirty="0">
+            <a:rPr lang="en-US" sz="1600" kern="1200" dirty="0">
               <a:solidFill>
                 <a:sysClr val="windowText" lastClr="000000"/>
               </a:solidFill>
@@ -1422,7 +1422,7 @@
           </a:r>
         </a:p>
         <a:p>
-          <a:pPr marL="0" lvl="0" indent="0" algn="l" defTabSz="577850">
+          <a:pPr marL="0" lvl="0" indent="0" algn="l" defTabSz="711200">
             <a:lnSpc>
               <a:spcPct val="90000"/>
             </a:lnSpc>
@@ -1435,20 +1435,20 @@
             <a:buNone/>
           </a:pPr>
           <a:r>
-            <a:rPr lang="en-US" sz="1300" kern="1200" dirty="0">
+            <a:rPr lang="en-US" sz="1600" kern="1200" dirty="0">
               <a:solidFill>
                 <a:sysClr val="windowText" lastClr="000000"/>
               </a:solidFill>
               <a:latin typeface="Roboto" panose="02000000000000000000" pitchFamily="2" charset="0"/>
               <a:ea typeface="Roboto" panose="02000000000000000000" pitchFamily="2" charset="0"/>
             </a:rPr>
-            <a:t>- Labeled or unlabeled alternatives</a:t>
+            <a:t>- Labeled or unlabeled design?</a:t>
           </a:r>
         </a:p>
       </dsp:txBody>
       <dsp:txXfrm>
-        <a:off x="3370693" y="1828552"/>
-        <a:ext cx="3179909" cy="1541981"/>
+        <a:off x="3266030" y="1787969"/>
+        <a:ext cx="3654973" cy="1900522"/>
       </dsp:txXfrm>
     </dsp:sp>
     <dsp:sp modelId="{D19C33DD-EC77-E642-89CA-7584F27B594D}">
@@ -1458,8 +1458,8 @@
       </dsp:nvSpPr>
       <dsp:spPr>
         <a:xfrm rot="2779753">
-          <a:off x="5662933" y="3764945"/>
-          <a:ext cx="1367794" cy="573274"/>
+          <a:off x="5990134" y="4048650"/>
+          <a:ext cx="1256011" cy="573274"/>
         </a:xfrm>
         <a:prstGeom prst="leftRightArrow">
           <a:avLst>
@@ -1501,7 +1501,7 @@
         </a:bodyPr>
         <a:lstStyle/>
         <a:p>
-          <a:pPr marL="0" lvl="0" indent="0" algn="ctr" defTabSz="488950">
+          <a:pPr marL="0" lvl="0" indent="0" algn="ctr" defTabSz="1066800">
             <a:lnSpc>
               <a:spcPct val="90000"/>
             </a:lnSpc>
@@ -1513,12 +1513,12 @@
             </a:spcAft>
             <a:buNone/>
           </a:pPr>
-          <a:endParaRPr lang="en-US" sz="1100" kern="1200"/>
+          <a:endParaRPr lang="en-US" sz="2400" kern="1200"/>
         </a:p>
       </dsp:txBody>
       <dsp:txXfrm>
-        <a:off x="5834915" y="3879600"/>
-        <a:ext cx="1023830" cy="343964"/>
+        <a:off x="6162116" y="4163305"/>
+        <a:ext cx="912047" cy="343964"/>
       </dsp:txXfrm>
     </dsp:sp>
     <dsp:sp modelId="{4DF3D7A2-C581-C94D-9ED1-3A0682547041}">
@@ -1528,8 +1528,8 @@
       </dsp:nvSpPr>
       <dsp:spPr>
         <a:xfrm>
-          <a:off x="6095085" y="4684657"/>
-          <a:ext cx="3275855" cy="1637927"/>
+          <a:off x="6493691" y="4922955"/>
+          <a:ext cx="2744381" cy="1438706"/>
         </a:xfrm>
         <a:prstGeom prst="roundRect">
           <a:avLst>
@@ -1563,12 +1563,12 @@
         </a:fontRef>
       </dsp:style>
       <dsp:txBody>
-        <a:bodyPr spcFirstLastPara="0" vert="horz" wrap="square" lIns="49530" tIns="49530" rIns="49530" bIns="49530" numCol="1" spcCol="1270" anchor="ctr" anchorCtr="0">
+        <a:bodyPr spcFirstLastPara="0" vert="horz" wrap="square" lIns="60960" tIns="60960" rIns="60960" bIns="60960" numCol="1" spcCol="1270" anchor="ctr" anchorCtr="0">
           <a:noAutofit/>
         </a:bodyPr>
         <a:lstStyle/>
         <a:p>
-          <a:pPr marL="0" lvl="0" indent="0" algn="ctr" defTabSz="577850">
+          <a:pPr marL="0" lvl="0" indent="0" algn="ctr" defTabSz="711200">
             <a:lnSpc>
               <a:spcPct val="90000"/>
             </a:lnSpc>
@@ -1581,7 +1581,7 @@
             <a:buNone/>
           </a:pPr>
           <a:r>
-            <a:rPr lang="en-US" sz="1300" b="1" kern="1200" dirty="0">
+            <a:rPr lang="en-US" sz="1600" b="1" kern="1200" dirty="0">
               <a:solidFill>
                 <a:sysClr val="windowText" lastClr="000000"/>
               </a:solidFill>
@@ -1591,7 +1591,7 @@
           </a:r>
         </a:p>
         <a:p>
-          <a:pPr marL="0" lvl="0" indent="0" algn="l" defTabSz="577850">
+          <a:pPr marL="0" lvl="0" indent="0" algn="l" defTabSz="711200">
             <a:lnSpc>
               <a:spcPct val="90000"/>
             </a:lnSpc>
@@ -1604,7 +1604,7 @@
             <a:buNone/>
           </a:pPr>
           <a:r>
-            <a:rPr lang="en-US" sz="1300" kern="1200" dirty="0">
+            <a:rPr lang="en-US" sz="1600" kern="1200" dirty="0">
               <a:solidFill>
                 <a:sysClr val="windowText" lastClr="000000"/>
               </a:solidFill>
@@ -1615,7 +1615,7 @@
           </a:r>
         </a:p>
         <a:p>
-          <a:pPr marL="0" lvl="0" indent="0" algn="l" defTabSz="577850">
+          <a:pPr marL="0" lvl="0" indent="0" algn="l" defTabSz="711200">
             <a:lnSpc>
               <a:spcPct val="90000"/>
             </a:lnSpc>
@@ -1628,7 +1628,7 @@
             <a:buNone/>
           </a:pPr>
           <a:r>
-            <a:rPr lang="en-US" sz="1300" kern="1200" dirty="0">
+            <a:rPr lang="en-US" sz="1600" kern="1200" dirty="0">
               <a:solidFill>
                 <a:sysClr val="windowText" lastClr="000000"/>
               </a:solidFill>
@@ -1640,8 +1640,8 @@
         </a:p>
       </dsp:txBody>
       <dsp:txXfrm>
-        <a:off x="6143058" y="4732630"/>
-        <a:ext cx="3179909" cy="1541981"/>
+        <a:off x="6535829" y="4965093"/>
+        <a:ext cx="2660105" cy="1354430"/>
       </dsp:txXfrm>
     </dsp:sp>
     <dsp:sp modelId="{B0F1B12B-5BAB-0940-B41E-2B304AD3D657}">
@@ -1651,8 +1651,8 @@
       </dsp:nvSpPr>
       <dsp:spPr>
         <a:xfrm rot="10800000">
-          <a:off x="4345302" y="5216984"/>
-          <a:ext cx="1367794" cy="573274"/>
+          <a:off x="4541057" y="5355671"/>
+          <a:ext cx="1256011" cy="573274"/>
         </a:xfrm>
         <a:prstGeom prst="leftRightArrow">
           <a:avLst>
@@ -1694,7 +1694,7 @@
         </a:bodyPr>
         <a:lstStyle/>
         <a:p>
-          <a:pPr marL="0" lvl="0" indent="0" algn="ctr" defTabSz="488950">
+          <a:pPr marL="0" lvl="0" indent="0" algn="ctr" defTabSz="1066800">
             <a:lnSpc>
               <a:spcPct val="90000"/>
             </a:lnSpc>
@@ -1706,12 +1706,12 @@
             </a:spcAft>
             <a:buNone/>
           </a:pPr>
-          <a:endParaRPr lang="en-US" sz="1100" kern="1200"/>
+          <a:endParaRPr lang="en-US" sz="2400" kern="1200"/>
         </a:p>
       </dsp:txBody>
       <dsp:txXfrm rot="10800000">
-        <a:off x="4517284" y="5331639"/>
-        <a:ext cx="1023830" cy="343964"/>
+        <a:off x="4713039" y="5470326"/>
+        <a:ext cx="912047" cy="343964"/>
       </dsp:txXfrm>
     </dsp:sp>
     <dsp:sp modelId="{A4267CB1-B060-E64A-A138-16A78B86008F}">
@@ -1721,8 +1721,8 @@
       </dsp:nvSpPr>
       <dsp:spPr>
         <a:xfrm>
-          <a:off x="687459" y="4684657"/>
-          <a:ext cx="3275855" cy="1637927"/>
+          <a:off x="1072077" y="4910294"/>
+          <a:ext cx="2772356" cy="1464029"/>
         </a:xfrm>
         <a:prstGeom prst="roundRect">
           <a:avLst>
@@ -1756,12 +1756,12 @@
         </a:fontRef>
       </dsp:style>
       <dsp:txBody>
-        <a:bodyPr spcFirstLastPara="0" vert="horz" wrap="square" lIns="49530" tIns="49530" rIns="49530" bIns="49530" numCol="1" spcCol="1270" anchor="ctr" anchorCtr="0">
+        <a:bodyPr spcFirstLastPara="0" vert="horz" wrap="square" lIns="60960" tIns="60960" rIns="60960" bIns="60960" numCol="1" spcCol="1270" anchor="ctr" anchorCtr="0">
           <a:noAutofit/>
         </a:bodyPr>
         <a:lstStyle/>
         <a:p>
-          <a:pPr marL="0" lvl="0" indent="0" algn="ctr" defTabSz="577850">
+          <a:pPr marL="0" lvl="0" indent="0" algn="ctr" defTabSz="711200">
             <a:lnSpc>
               <a:spcPct val="90000"/>
             </a:lnSpc>
@@ -1774,7 +1774,7 @@
             <a:buNone/>
           </a:pPr>
           <a:r>
-            <a:rPr lang="en-US" sz="1300" b="1" kern="1200" dirty="0">
+            <a:rPr lang="en-US" sz="1600" b="1" kern="1200" dirty="0">
               <a:solidFill>
                 <a:sysClr val="windowText" lastClr="000000"/>
               </a:solidFill>
@@ -1784,7 +1784,7 @@
           </a:r>
         </a:p>
         <a:p>
-          <a:pPr marL="0" lvl="0" indent="0" algn="l" defTabSz="577850">
+          <a:pPr marL="0" lvl="0" indent="0" algn="l" defTabSz="711200">
             <a:lnSpc>
               <a:spcPct val="90000"/>
             </a:lnSpc>
@@ -1797,7 +1797,7 @@
             <a:buNone/>
           </a:pPr>
           <a:r>
-            <a:rPr lang="en-US" sz="1300" kern="1200" dirty="0">
+            <a:rPr lang="en-US" sz="1600" kern="1200" dirty="0">
               <a:solidFill>
                 <a:sysClr val="windowText" lastClr="000000"/>
               </a:solidFill>
@@ -1808,7 +1808,7 @@
           </a:r>
         </a:p>
         <a:p>
-          <a:pPr marL="0" lvl="0" indent="0" algn="l" defTabSz="577850">
+          <a:pPr marL="0" lvl="0" indent="0" algn="l" defTabSz="711200">
             <a:lnSpc>
               <a:spcPct val="90000"/>
             </a:lnSpc>
@@ -1821,7 +1821,7 @@
             <a:buNone/>
           </a:pPr>
           <a:r>
-            <a:rPr lang="en-US" sz="1300" kern="1200" dirty="0">
+            <a:rPr lang="en-US" sz="1600" kern="1200" dirty="0">
               <a:solidFill>
                 <a:sysClr val="windowText" lastClr="000000"/>
               </a:solidFill>
@@ -1832,7 +1832,7 @@
           </a:r>
         </a:p>
         <a:p>
-          <a:pPr marL="0" lvl="0" indent="0" algn="l" defTabSz="577850">
+          <a:pPr marL="0" lvl="0" indent="0" algn="l" defTabSz="711200">
             <a:lnSpc>
               <a:spcPct val="90000"/>
             </a:lnSpc>
@@ -1845,7 +1845,7 @@
             <a:buNone/>
           </a:pPr>
           <a:r>
-            <a:rPr lang="en-US" sz="1300" kern="1200" dirty="0">
+            <a:rPr lang="en-US" sz="1600" kern="1200" dirty="0">
               <a:solidFill>
                 <a:sysClr val="windowText" lastClr="000000"/>
               </a:solidFill>
@@ -1857,8 +1857,8 @@
         </a:p>
       </dsp:txBody>
       <dsp:txXfrm>
-        <a:off x="735432" y="4732630"/>
-        <a:ext cx="3179909" cy="1541981"/>
+        <a:off x="1114957" y="4953174"/>
+        <a:ext cx="2686596" cy="1378269"/>
       </dsp:txXfrm>
     </dsp:sp>
     <dsp:sp modelId="{E06156B5-0E14-964C-8CF6-711A02ADFA2C}">
@@ -1868,8 +1868,8 @@
       </dsp:nvSpPr>
       <dsp:spPr>
         <a:xfrm rot="18733301">
-          <a:off x="2959120" y="3764945"/>
-          <a:ext cx="1367794" cy="573274"/>
+          <a:off x="3022030" y="4042320"/>
+          <a:ext cx="1256011" cy="573274"/>
         </a:xfrm>
         <a:prstGeom prst="leftRightArrow">
           <a:avLst>
@@ -1911,7 +1911,7 @@
         </a:bodyPr>
         <a:lstStyle/>
         <a:p>
-          <a:pPr marL="0" lvl="0" indent="0" algn="ctr" defTabSz="488950">
+          <a:pPr marL="0" lvl="0" indent="0" algn="ctr" defTabSz="1066800">
             <a:lnSpc>
               <a:spcPct val="90000"/>
             </a:lnSpc>
@@ -1923,12 +1923,12 @@
             </a:spcAft>
             <a:buNone/>
           </a:pPr>
-          <a:endParaRPr lang="en-US" sz="1100" kern="1200"/>
+          <a:endParaRPr lang="en-US" sz="2400" kern="1200"/>
         </a:p>
       </dsp:txBody>
       <dsp:txXfrm>
-        <a:off x="3131102" y="3879600"/>
-        <a:ext cx="1023830" cy="343964"/>
+        <a:off x="3194012" y="4156975"/>
+        <a:ext cx="912047" cy="343964"/>
       </dsp:txXfrm>
     </dsp:sp>
   </dsp:spTree>
@@ -3304,7 +3304,7 @@
           <a:p>
             <a:fld id="{0B201FFA-8DAC-5943-9932-6BFC72B1E870}" type="datetimeFigureOut">
               <a:rPr lang="en-US" smtClean="0"/>
-              <a:t>3/8/22</a:t>
+              <a:t>3/10/22</a:t>
             </a:fld>
             <a:endParaRPr lang="en-US"/>
           </a:p>
@@ -3502,7 +3502,7 @@
           <a:p>
             <a:fld id="{0B201FFA-8DAC-5943-9932-6BFC72B1E870}" type="datetimeFigureOut">
               <a:rPr lang="en-US" smtClean="0"/>
-              <a:t>3/8/22</a:t>
+              <a:t>3/10/22</a:t>
             </a:fld>
             <a:endParaRPr lang="en-US"/>
           </a:p>
@@ -3710,7 +3710,7 @@
           <a:p>
             <a:fld id="{0B201FFA-8DAC-5943-9932-6BFC72B1E870}" type="datetimeFigureOut">
               <a:rPr lang="en-US" smtClean="0"/>
-              <a:t>3/8/22</a:t>
+              <a:t>3/10/22</a:t>
             </a:fld>
             <a:endParaRPr lang="en-US"/>
           </a:p>
@@ -3908,7 +3908,7 @@
           <a:p>
             <a:fld id="{0B201FFA-8DAC-5943-9932-6BFC72B1E870}" type="datetimeFigureOut">
               <a:rPr lang="en-US" smtClean="0"/>
-              <a:t>3/8/22</a:t>
+              <a:t>3/10/22</a:t>
             </a:fld>
             <a:endParaRPr lang="en-US"/>
           </a:p>
@@ -4183,7 +4183,7 @@
           <a:p>
             <a:fld id="{0B201FFA-8DAC-5943-9932-6BFC72B1E870}" type="datetimeFigureOut">
               <a:rPr lang="en-US" smtClean="0"/>
-              <a:t>3/8/22</a:t>
+              <a:t>3/10/22</a:t>
             </a:fld>
             <a:endParaRPr lang="en-US"/>
           </a:p>
@@ -4448,7 +4448,7 @@
           <a:p>
             <a:fld id="{0B201FFA-8DAC-5943-9932-6BFC72B1E870}" type="datetimeFigureOut">
               <a:rPr lang="en-US" smtClean="0"/>
-              <a:t>3/8/22</a:t>
+              <a:t>3/10/22</a:t>
             </a:fld>
             <a:endParaRPr lang="en-US"/>
           </a:p>
@@ -4860,7 +4860,7 @@
           <a:p>
             <a:fld id="{0B201FFA-8DAC-5943-9932-6BFC72B1E870}" type="datetimeFigureOut">
               <a:rPr lang="en-US" smtClean="0"/>
-              <a:t>3/8/22</a:t>
+              <a:t>3/10/22</a:t>
             </a:fld>
             <a:endParaRPr lang="en-US"/>
           </a:p>
@@ -5001,7 +5001,7 @@
           <a:p>
             <a:fld id="{0B201FFA-8DAC-5943-9932-6BFC72B1E870}" type="datetimeFigureOut">
               <a:rPr lang="en-US" smtClean="0"/>
-              <a:t>3/8/22</a:t>
+              <a:t>3/10/22</a:t>
             </a:fld>
             <a:endParaRPr lang="en-US"/>
           </a:p>
@@ -5114,7 +5114,7 @@
           <a:p>
             <a:fld id="{0B201FFA-8DAC-5943-9932-6BFC72B1E870}" type="datetimeFigureOut">
               <a:rPr lang="en-US" smtClean="0"/>
-              <a:t>3/8/22</a:t>
+              <a:t>3/10/22</a:t>
             </a:fld>
             <a:endParaRPr lang="en-US"/>
           </a:p>
@@ -5425,7 +5425,7 @@
           <a:p>
             <a:fld id="{0B201FFA-8DAC-5943-9932-6BFC72B1E870}" type="datetimeFigureOut">
               <a:rPr lang="en-US" smtClean="0"/>
-              <a:t>3/8/22</a:t>
+              <a:t>3/10/22</a:t>
             </a:fld>
             <a:endParaRPr lang="en-US"/>
           </a:p>
@@ -5713,7 +5713,7 @@
           <a:p>
             <a:fld id="{0B201FFA-8DAC-5943-9932-6BFC72B1E870}" type="datetimeFigureOut">
               <a:rPr lang="en-US" smtClean="0"/>
-              <a:t>3/8/22</a:t>
+              <a:t>3/10/22</a:t>
             </a:fld>
             <a:endParaRPr lang="en-US"/>
           </a:p>
@@ -5954,7 +5954,7 @@
           <a:p>
             <a:fld id="{0B201FFA-8DAC-5943-9932-6BFC72B1E870}" type="datetimeFigureOut">
               <a:rPr lang="en-US" smtClean="0"/>
-              <a:t>3/8/22</a:t>
+              <a:t>3/10/22</a:t>
             </a:fld>
             <a:endParaRPr lang="en-US"/>
           </a:p>
@@ -6384,7 +6384,7 @@
           <p:nvPr>
             <p:extLst>
               <p:ext uri="{D42A27DB-BD31-4B8C-83A1-F6EECF244321}">
-                <p14:modId xmlns:p14="http://schemas.microsoft.com/office/powerpoint/2010/main" val="2009023397"/>
+                <p14:modId xmlns:p14="http://schemas.microsoft.com/office/powerpoint/2010/main" val="3092405709"/>
               </p:ext>
             </p:extLst>
           </p:nvPr>

--- a/images/images.pptx
+++ b/images/images.pptx
@@ -5,7 +5,7 @@
     <p:sldMasterId id="2147483648" r:id="rId1"/>
   </p:sldMasterIdLst>
   <p:notesMasterIdLst>
-    <p:notesMasterId r:id="rId11"/>
+    <p:notesMasterId r:id="rId13"/>
   </p:notesMasterIdLst>
   <p:sldIdLst>
     <p:sldId id="256" r:id="rId2"/>
@@ -17,6 +17,8 @@
     <p:sldId id="261" r:id="rId8"/>
     <p:sldId id="262" r:id="rId9"/>
     <p:sldId id="263" r:id="rId10"/>
+    <p:sldId id="265" r:id="rId11"/>
+    <p:sldId id="266" r:id="rId12"/>
   </p:sldIdLst>
   <p:sldSz cx="12192000" cy="6858000"/>
   <p:notesSz cx="6858000" cy="9144000"/>
@@ -124,6 +126,1500 @@
 </file>
 
 <file path=ppt/diagrams/colors1.xml><?xml version="1.0" encoding="utf-8"?>
+<dgm:colorsDef xmlns:dgm="http://schemas.openxmlformats.org/drawingml/2006/diagram" xmlns:a="http://schemas.openxmlformats.org/drawingml/2006/main" uniqueId="urn:microsoft.com/office/officeart/2005/8/colors/accent1_2">
+  <dgm:title val=""/>
+  <dgm:desc val=""/>
+  <dgm:catLst>
+    <dgm:cat type="accent1" pri="11200"/>
+  </dgm:catLst>
+  <dgm:styleLbl name="node0">
+    <dgm:fillClrLst meth="repeat">
+      <a:schemeClr val="accent1"/>
+    </dgm:fillClrLst>
+    <dgm:linClrLst meth="repeat">
+      <a:schemeClr val="lt1"/>
+    </dgm:linClrLst>
+    <dgm:effectClrLst/>
+    <dgm:txLinClrLst/>
+    <dgm:txFillClrLst/>
+    <dgm:txEffectClrLst/>
+  </dgm:styleLbl>
+  <dgm:styleLbl name="alignNode1">
+    <dgm:fillClrLst meth="repeat">
+      <a:schemeClr val="accent1"/>
+    </dgm:fillClrLst>
+    <dgm:linClrLst meth="repeat">
+      <a:schemeClr val="accent1"/>
+    </dgm:linClrLst>
+    <dgm:effectClrLst/>
+    <dgm:txLinClrLst/>
+    <dgm:txFillClrLst/>
+    <dgm:txEffectClrLst/>
+  </dgm:styleLbl>
+  <dgm:styleLbl name="node1">
+    <dgm:fillClrLst meth="repeat">
+      <a:schemeClr val="accent1"/>
+    </dgm:fillClrLst>
+    <dgm:linClrLst meth="repeat">
+      <a:schemeClr val="lt1"/>
+    </dgm:linClrLst>
+    <dgm:effectClrLst/>
+    <dgm:txLinClrLst/>
+    <dgm:txFillClrLst/>
+    <dgm:txEffectClrLst/>
+  </dgm:styleLbl>
+  <dgm:styleLbl name="lnNode1">
+    <dgm:fillClrLst meth="repeat">
+      <a:schemeClr val="accent1"/>
+    </dgm:fillClrLst>
+    <dgm:linClrLst meth="repeat">
+      <a:schemeClr val="lt1"/>
+    </dgm:linClrLst>
+    <dgm:effectClrLst/>
+    <dgm:txLinClrLst/>
+    <dgm:txFillClrLst/>
+    <dgm:txEffectClrLst/>
+  </dgm:styleLbl>
+  <dgm:styleLbl name="vennNode1">
+    <dgm:fillClrLst meth="repeat">
+      <a:schemeClr val="accent1">
+        <a:alpha val="50000"/>
+      </a:schemeClr>
+    </dgm:fillClrLst>
+    <dgm:linClrLst meth="repeat">
+      <a:schemeClr val="lt1"/>
+    </dgm:linClrLst>
+    <dgm:effectClrLst/>
+    <dgm:txLinClrLst/>
+    <dgm:txFillClrLst/>
+    <dgm:txEffectClrLst/>
+  </dgm:styleLbl>
+  <dgm:styleLbl name="node2">
+    <dgm:fillClrLst meth="repeat">
+      <a:schemeClr val="accent1"/>
+    </dgm:fillClrLst>
+    <dgm:linClrLst meth="repeat">
+      <a:schemeClr val="lt1"/>
+    </dgm:linClrLst>
+    <dgm:effectClrLst/>
+    <dgm:txLinClrLst/>
+    <dgm:txFillClrLst/>
+    <dgm:txEffectClrLst/>
+  </dgm:styleLbl>
+  <dgm:styleLbl name="node3">
+    <dgm:fillClrLst meth="repeat">
+      <a:schemeClr val="accent1"/>
+    </dgm:fillClrLst>
+    <dgm:linClrLst meth="repeat">
+      <a:schemeClr val="lt1"/>
+    </dgm:linClrLst>
+    <dgm:effectClrLst/>
+    <dgm:txLinClrLst/>
+    <dgm:txFillClrLst/>
+    <dgm:txEffectClrLst/>
+  </dgm:styleLbl>
+  <dgm:styleLbl name="node4">
+    <dgm:fillClrLst meth="repeat">
+      <a:schemeClr val="accent1"/>
+    </dgm:fillClrLst>
+    <dgm:linClrLst meth="repeat">
+      <a:schemeClr val="lt1"/>
+    </dgm:linClrLst>
+    <dgm:effectClrLst/>
+    <dgm:txLinClrLst/>
+    <dgm:txFillClrLst/>
+    <dgm:txEffectClrLst/>
+  </dgm:styleLbl>
+  <dgm:styleLbl name="fgImgPlace1">
+    <dgm:fillClrLst meth="repeat">
+      <a:schemeClr val="accent1">
+        <a:tint val="50000"/>
+      </a:schemeClr>
+    </dgm:fillClrLst>
+    <dgm:linClrLst meth="repeat">
+      <a:schemeClr val="lt1"/>
+    </dgm:linClrLst>
+    <dgm:effectClrLst/>
+    <dgm:txLinClrLst/>
+    <dgm:txFillClrLst meth="repeat">
+      <a:schemeClr val="lt1"/>
+    </dgm:txFillClrLst>
+    <dgm:txEffectClrLst/>
+  </dgm:styleLbl>
+  <dgm:styleLbl name="alignImgPlace1">
+    <dgm:fillClrLst meth="repeat">
+      <a:schemeClr val="accent1">
+        <a:tint val="50000"/>
+      </a:schemeClr>
+    </dgm:fillClrLst>
+    <dgm:linClrLst meth="repeat">
+      <a:schemeClr val="lt1"/>
+    </dgm:linClrLst>
+    <dgm:effectClrLst/>
+    <dgm:txLinClrLst/>
+    <dgm:txFillClrLst meth="repeat">
+      <a:schemeClr val="lt1"/>
+    </dgm:txFillClrLst>
+    <dgm:txEffectClrLst/>
+  </dgm:styleLbl>
+  <dgm:styleLbl name="bgImgPlace1">
+    <dgm:fillClrLst meth="repeat">
+      <a:schemeClr val="accent1">
+        <a:tint val="50000"/>
+      </a:schemeClr>
+    </dgm:fillClrLst>
+    <dgm:linClrLst meth="repeat">
+      <a:schemeClr val="lt1"/>
+    </dgm:linClrLst>
+    <dgm:effectClrLst/>
+    <dgm:txLinClrLst/>
+    <dgm:txFillClrLst meth="repeat">
+      <a:schemeClr val="lt1"/>
+    </dgm:txFillClrLst>
+    <dgm:txEffectClrLst/>
+  </dgm:styleLbl>
+  <dgm:styleLbl name="sibTrans2D1">
+    <dgm:fillClrLst meth="repeat">
+      <a:schemeClr val="accent1">
+        <a:tint val="60000"/>
+      </a:schemeClr>
+    </dgm:fillClrLst>
+    <dgm:linClrLst meth="repeat">
+      <a:schemeClr val="accent1">
+        <a:tint val="60000"/>
+      </a:schemeClr>
+    </dgm:linClrLst>
+    <dgm:effectClrLst/>
+    <dgm:txLinClrLst/>
+    <dgm:txFillClrLst/>
+    <dgm:txEffectClrLst/>
+  </dgm:styleLbl>
+  <dgm:styleLbl name="fgSibTrans2D1">
+    <dgm:fillClrLst meth="repeat">
+      <a:schemeClr val="accent1">
+        <a:tint val="60000"/>
+      </a:schemeClr>
+    </dgm:fillClrLst>
+    <dgm:linClrLst meth="repeat">
+      <a:schemeClr val="accent1">
+        <a:tint val="60000"/>
+      </a:schemeClr>
+    </dgm:linClrLst>
+    <dgm:effectClrLst/>
+    <dgm:txLinClrLst/>
+    <dgm:txFillClrLst/>
+    <dgm:txEffectClrLst/>
+  </dgm:styleLbl>
+  <dgm:styleLbl name="bgSibTrans2D1">
+    <dgm:fillClrLst meth="repeat">
+      <a:schemeClr val="accent1">
+        <a:tint val="60000"/>
+      </a:schemeClr>
+    </dgm:fillClrLst>
+    <dgm:linClrLst meth="repeat">
+      <a:schemeClr val="accent1">
+        <a:tint val="60000"/>
+      </a:schemeClr>
+    </dgm:linClrLst>
+    <dgm:effectClrLst/>
+    <dgm:txLinClrLst/>
+    <dgm:txFillClrLst/>
+    <dgm:txEffectClrLst/>
+  </dgm:styleLbl>
+  <dgm:styleLbl name="sibTrans1D1">
+    <dgm:fillClrLst meth="repeat">
+      <a:schemeClr val="accent1"/>
+    </dgm:fillClrLst>
+    <dgm:linClrLst meth="repeat">
+      <a:schemeClr val="accent1"/>
+    </dgm:linClrLst>
+    <dgm:effectClrLst/>
+    <dgm:txLinClrLst/>
+    <dgm:txFillClrLst meth="repeat">
+      <a:schemeClr val="tx1"/>
+    </dgm:txFillClrLst>
+    <dgm:txEffectClrLst/>
+  </dgm:styleLbl>
+  <dgm:styleLbl name="callout">
+    <dgm:fillClrLst meth="repeat">
+      <a:schemeClr val="accent1"/>
+    </dgm:fillClrLst>
+    <dgm:linClrLst meth="repeat">
+      <a:schemeClr val="accent1">
+        <a:tint val="50000"/>
+      </a:schemeClr>
+    </dgm:linClrLst>
+    <dgm:effectClrLst/>
+    <dgm:txLinClrLst/>
+    <dgm:txFillClrLst meth="repeat">
+      <a:schemeClr val="tx1"/>
+    </dgm:txFillClrLst>
+    <dgm:txEffectClrLst/>
+  </dgm:styleLbl>
+  <dgm:styleLbl name="asst0">
+    <dgm:fillClrLst meth="repeat">
+      <a:schemeClr val="accent1"/>
+    </dgm:fillClrLst>
+    <dgm:linClrLst meth="repeat">
+      <a:schemeClr val="lt1"/>
+    </dgm:linClrLst>
+    <dgm:effectClrLst/>
+    <dgm:txLinClrLst/>
+    <dgm:txFillClrLst/>
+    <dgm:txEffectClrLst/>
+  </dgm:styleLbl>
+  <dgm:styleLbl name="asst1">
+    <dgm:fillClrLst meth="repeat">
+      <a:schemeClr val="accent1"/>
+    </dgm:fillClrLst>
+    <dgm:linClrLst meth="repeat">
+      <a:schemeClr val="lt1"/>
+    </dgm:linClrLst>
+    <dgm:effectClrLst/>
+    <dgm:txLinClrLst/>
+    <dgm:txFillClrLst/>
+    <dgm:txEffectClrLst/>
+  </dgm:styleLbl>
+  <dgm:styleLbl name="asst2">
+    <dgm:fillClrLst meth="repeat">
+      <a:schemeClr val="accent1"/>
+    </dgm:fillClrLst>
+    <dgm:linClrLst meth="repeat">
+      <a:schemeClr val="lt1"/>
+    </dgm:linClrLst>
+    <dgm:effectClrLst/>
+    <dgm:txLinClrLst/>
+    <dgm:txFillClrLst/>
+    <dgm:txEffectClrLst/>
+  </dgm:styleLbl>
+  <dgm:styleLbl name="asst3">
+    <dgm:fillClrLst meth="repeat">
+      <a:schemeClr val="accent1"/>
+    </dgm:fillClrLst>
+    <dgm:linClrLst meth="repeat">
+      <a:schemeClr val="lt1"/>
+    </dgm:linClrLst>
+    <dgm:effectClrLst/>
+    <dgm:txLinClrLst/>
+    <dgm:txFillClrLst/>
+    <dgm:txEffectClrLst/>
+  </dgm:styleLbl>
+  <dgm:styleLbl name="asst4">
+    <dgm:fillClrLst meth="repeat">
+      <a:schemeClr val="accent1"/>
+    </dgm:fillClrLst>
+    <dgm:linClrLst meth="repeat">
+      <a:schemeClr val="lt1"/>
+    </dgm:linClrLst>
+    <dgm:effectClrLst/>
+    <dgm:txLinClrLst/>
+    <dgm:txFillClrLst/>
+    <dgm:txEffectClrLst/>
+  </dgm:styleLbl>
+  <dgm:styleLbl name="parChTrans2D1">
+    <dgm:fillClrLst meth="repeat">
+      <a:schemeClr val="accent1">
+        <a:tint val="60000"/>
+      </a:schemeClr>
+    </dgm:fillClrLst>
+    <dgm:linClrLst meth="repeat">
+      <a:schemeClr val="accent1">
+        <a:tint val="60000"/>
+      </a:schemeClr>
+    </dgm:linClrLst>
+    <dgm:effectClrLst/>
+    <dgm:txLinClrLst/>
+    <dgm:txFillClrLst meth="repeat">
+      <a:schemeClr val="lt1"/>
+    </dgm:txFillClrLst>
+    <dgm:txEffectClrLst/>
+  </dgm:styleLbl>
+  <dgm:styleLbl name="parChTrans2D2">
+    <dgm:fillClrLst meth="repeat">
+      <a:schemeClr val="accent1"/>
+    </dgm:fillClrLst>
+    <dgm:linClrLst meth="repeat">
+      <a:schemeClr val="accent1"/>
+    </dgm:linClrLst>
+    <dgm:effectClrLst/>
+    <dgm:txLinClrLst/>
+    <dgm:txFillClrLst meth="repeat">
+      <a:schemeClr val="lt1"/>
+    </dgm:txFillClrLst>
+    <dgm:txEffectClrLst/>
+  </dgm:styleLbl>
+  <dgm:styleLbl name="parChTrans2D3">
+    <dgm:fillClrLst meth="repeat">
+      <a:schemeClr val="accent1"/>
+    </dgm:fillClrLst>
+    <dgm:linClrLst meth="repeat">
+      <a:schemeClr val="accent1"/>
+    </dgm:linClrLst>
+    <dgm:effectClrLst/>
+    <dgm:txLinClrLst/>
+    <dgm:txFillClrLst meth="repeat">
+      <a:schemeClr val="lt1"/>
+    </dgm:txFillClrLst>
+    <dgm:txEffectClrLst/>
+  </dgm:styleLbl>
+  <dgm:styleLbl name="parChTrans2D4">
+    <dgm:fillClrLst meth="repeat">
+      <a:schemeClr val="accent1"/>
+    </dgm:fillClrLst>
+    <dgm:linClrLst meth="repeat">
+      <a:schemeClr val="accent1"/>
+    </dgm:linClrLst>
+    <dgm:effectClrLst/>
+    <dgm:txLinClrLst/>
+    <dgm:txFillClrLst meth="repeat">
+      <a:schemeClr val="lt1"/>
+    </dgm:txFillClrLst>
+    <dgm:txEffectClrLst/>
+  </dgm:styleLbl>
+  <dgm:styleLbl name="parChTrans1D1">
+    <dgm:fillClrLst meth="repeat">
+      <a:schemeClr val="accent1"/>
+    </dgm:fillClrLst>
+    <dgm:linClrLst meth="repeat">
+      <a:schemeClr val="accent1">
+        <a:shade val="60000"/>
+      </a:schemeClr>
+    </dgm:linClrLst>
+    <dgm:effectClrLst/>
+    <dgm:txLinClrLst/>
+    <dgm:txFillClrLst meth="repeat">
+      <a:schemeClr val="tx1"/>
+    </dgm:txFillClrLst>
+    <dgm:txEffectClrLst/>
+  </dgm:styleLbl>
+  <dgm:styleLbl name="parChTrans1D2">
+    <dgm:fillClrLst meth="repeat">
+      <a:schemeClr val="accent1"/>
+    </dgm:fillClrLst>
+    <dgm:linClrLst meth="repeat">
+      <a:schemeClr val="accent1">
+        <a:shade val="60000"/>
+      </a:schemeClr>
+    </dgm:linClrLst>
+    <dgm:effectClrLst/>
+    <dgm:txLinClrLst/>
+    <dgm:txFillClrLst meth="repeat">
+      <a:schemeClr val="tx1"/>
+    </dgm:txFillClrLst>
+    <dgm:txEffectClrLst/>
+  </dgm:styleLbl>
+  <dgm:styleLbl name="parChTrans1D3">
+    <dgm:fillClrLst meth="repeat">
+      <a:schemeClr val="accent1"/>
+    </dgm:fillClrLst>
+    <dgm:linClrLst meth="repeat">
+      <a:schemeClr val="accent1">
+        <a:shade val="80000"/>
+      </a:schemeClr>
+    </dgm:linClrLst>
+    <dgm:effectClrLst/>
+    <dgm:txLinClrLst/>
+    <dgm:txFillClrLst meth="repeat">
+      <a:schemeClr val="tx1"/>
+    </dgm:txFillClrLst>
+    <dgm:txEffectClrLst/>
+  </dgm:styleLbl>
+  <dgm:styleLbl name="parChTrans1D4">
+    <dgm:fillClrLst meth="repeat">
+      <a:schemeClr val="accent1"/>
+    </dgm:fillClrLst>
+    <dgm:linClrLst meth="repeat">
+      <a:schemeClr val="accent1">
+        <a:shade val="80000"/>
+      </a:schemeClr>
+    </dgm:linClrLst>
+    <dgm:effectClrLst/>
+    <dgm:txLinClrLst/>
+    <dgm:txFillClrLst meth="repeat">
+      <a:schemeClr val="tx1"/>
+    </dgm:txFillClrLst>
+    <dgm:txEffectClrLst/>
+  </dgm:styleLbl>
+  <dgm:styleLbl name="fgAcc1">
+    <dgm:fillClrLst meth="repeat">
+      <a:schemeClr val="lt1">
+        <a:alpha val="90000"/>
+      </a:schemeClr>
+    </dgm:fillClrLst>
+    <dgm:linClrLst meth="repeat">
+      <a:schemeClr val="accent1"/>
+    </dgm:linClrLst>
+    <dgm:effectClrLst/>
+    <dgm:txLinClrLst/>
+    <dgm:txFillClrLst meth="repeat">
+      <a:schemeClr val="dk1"/>
+    </dgm:txFillClrLst>
+    <dgm:txEffectClrLst/>
+  </dgm:styleLbl>
+  <dgm:styleLbl name="conFgAcc1">
+    <dgm:fillClrLst meth="repeat">
+      <a:schemeClr val="lt1">
+        <a:alpha val="90000"/>
+      </a:schemeClr>
+    </dgm:fillClrLst>
+    <dgm:linClrLst meth="repeat">
+      <a:schemeClr val="accent1"/>
+    </dgm:linClrLst>
+    <dgm:effectClrLst/>
+    <dgm:txLinClrLst/>
+    <dgm:txFillClrLst meth="repeat">
+      <a:schemeClr val="dk1"/>
+    </dgm:txFillClrLst>
+    <dgm:txEffectClrLst/>
+  </dgm:styleLbl>
+  <dgm:styleLbl name="alignAcc1">
+    <dgm:fillClrLst meth="repeat">
+      <a:schemeClr val="lt1">
+        <a:alpha val="90000"/>
+      </a:schemeClr>
+    </dgm:fillClrLst>
+    <dgm:linClrLst meth="repeat">
+      <a:schemeClr val="accent1"/>
+    </dgm:linClrLst>
+    <dgm:effectClrLst/>
+    <dgm:txLinClrLst/>
+    <dgm:txFillClrLst meth="repeat">
+      <a:schemeClr val="dk1"/>
+    </dgm:txFillClrLst>
+    <dgm:txEffectClrLst/>
+  </dgm:styleLbl>
+  <dgm:styleLbl name="trAlignAcc1">
+    <dgm:fillClrLst meth="repeat">
+      <a:schemeClr val="lt1">
+        <a:alpha val="40000"/>
+      </a:schemeClr>
+    </dgm:fillClrLst>
+    <dgm:linClrLst meth="repeat">
+      <a:schemeClr val="accent1"/>
+    </dgm:linClrLst>
+    <dgm:effectClrLst/>
+    <dgm:txLinClrLst/>
+    <dgm:txFillClrLst meth="repeat">
+      <a:schemeClr val="dk1"/>
+    </dgm:txFillClrLst>
+    <dgm:txEffectClrLst/>
+  </dgm:styleLbl>
+  <dgm:styleLbl name="bgAcc1">
+    <dgm:fillClrLst meth="repeat">
+      <a:schemeClr val="lt1">
+        <a:alpha val="90000"/>
+      </a:schemeClr>
+    </dgm:fillClrLst>
+    <dgm:linClrLst meth="repeat">
+      <a:schemeClr val="accent1"/>
+    </dgm:linClrLst>
+    <dgm:effectClrLst/>
+    <dgm:txLinClrLst/>
+    <dgm:txFillClrLst meth="repeat">
+      <a:schemeClr val="dk1"/>
+    </dgm:txFillClrLst>
+    <dgm:txEffectClrLst/>
+  </dgm:styleLbl>
+  <dgm:styleLbl name="solidFgAcc1">
+    <dgm:fillClrLst meth="repeat">
+      <a:schemeClr val="lt1"/>
+    </dgm:fillClrLst>
+    <dgm:linClrLst meth="repeat">
+      <a:schemeClr val="accent1"/>
+    </dgm:linClrLst>
+    <dgm:effectClrLst/>
+    <dgm:txLinClrLst/>
+    <dgm:txFillClrLst meth="repeat">
+      <a:schemeClr val="dk1"/>
+    </dgm:txFillClrLst>
+    <dgm:txEffectClrLst/>
+  </dgm:styleLbl>
+  <dgm:styleLbl name="solidAlignAcc1">
+    <dgm:fillClrLst meth="repeat">
+      <a:schemeClr val="lt1"/>
+    </dgm:fillClrLst>
+    <dgm:linClrLst meth="repeat">
+      <a:schemeClr val="accent1"/>
+    </dgm:linClrLst>
+    <dgm:effectClrLst/>
+    <dgm:txLinClrLst/>
+    <dgm:txFillClrLst meth="repeat">
+      <a:schemeClr val="dk1"/>
+    </dgm:txFillClrLst>
+    <dgm:txEffectClrLst/>
+  </dgm:styleLbl>
+  <dgm:styleLbl name="solidBgAcc1">
+    <dgm:fillClrLst meth="repeat">
+      <a:schemeClr val="lt1"/>
+    </dgm:fillClrLst>
+    <dgm:linClrLst meth="repeat">
+      <a:schemeClr val="accent1"/>
+    </dgm:linClrLst>
+    <dgm:effectClrLst/>
+    <dgm:txLinClrLst/>
+    <dgm:txFillClrLst meth="repeat">
+      <a:schemeClr val="dk1"/>
+    </dgm:txFillClrLst>
+    <dgm:txEffectClrLst/>
+  </dgm:styleLbl>
+  <dgm:styleLbl name="fgAccFollowNode1">
+    <dgm:fillClrLst meth="repeat">
+      <a:schemeClr val="accent1">
+        <a:alpha val="90000"/>
+        <a:tint val="40000"/>
+      </a:schemeClr>
+    </dgm:fillClrLst>
+    <dgm:linClrLst meth="repeat">
+      <a:schemeClr val="accent1">
+        <a:alpha val="90000"/>
+        <a:tint val="40000"/>
+      </a:schemeClr>
+    </dgm:linClrLst>
+    <dgm:effectClrLst/>
+    <dgm:txLinClrLst/>
+    <dgm:txFillClrLst meth="repeat">
+      <a:schemeClr val="dk1"/>
+    </dgm:txFillClrLst>
+    <dgm:txEffectClrLst/>
+  </dgm:styleLbl>
+  <dgm:styleLbl name="alignAccFollowNode1">
+    <dgm:fillClrLst meth="repeat">
+      <a:schemeClr val="accent1">
+        <a:alpha val="90000"/>
+        <a:tint val="40000"/>
+      </a:schemeClr>
+    </dgm:fillClrLst>
+    <dgm:linClrLst meth="repeat">
+      <a:schemeClr val="accent1">
+        <a:alpha val="90000"/>
+        <a:tint val="40000"/>
+      </a:schemeClr>
+    </dgm:linClrLst>
+    <dgm:effectClrLst/>
+    <dgm:txLinClrLst/>
+    <dgm:txFillClrLst meth="repeat">
+      <a:schemeClr val="dk1"/>
+    </dgm:txFillClrLst>
+    <dgm:txEffectClrLst/>
+  </dgm:styleLbl>
+  <dgm:styleLbl name="bgAccFollowNode1">
+    <dgm:fillClrLst meth="repeat">
+      <a:schemeClr val="accent1">
+        <a:alpha val="90000"/>
+        <a:tint val="40000"/>
+      </a:schemeClr>
+    </dgm:fillClrLst>
+    <dgm:linClrLst meth="repeat">
+      <a:schemeClr val="accent1">
+        <a:alpha val="90000"/>
+        <a:tint val="40000"/>
+      </a:schemeClr>
+    </dgm:linClrLst>
+    <dgm:effectClrLst/>
+    <dgm:txLinClrLst/>
+    <dgm:txFillClrLst meth="repeat">
+      <a:schemeClr val="dk1"/>
+    </dgm:txFillClrLst>
+    <dgm:txEffectClrLst/>
+  </dgm:styleLbl>
+  <dgm:styleLbl name="fgAcc0">
+    <dgm:fillClrLst meth="repeat">
+      <a:schemeClr val="lt1">
+        <a:alpha val="90000"/>
+      </a:schemeClr>
+    </dgm:fillClrLst>
+    <dgm:linClrLst meth="repeat">
+      <a:schemeClr val="accent1"/>
+    </dgm:linClrLst>
+    <dgm:effectClrLst/>
+    <dgm:txLinClrLst/>
+    <dgm:txFillClrLst meth="repeat">
+      <a:schemeClr val="dk1"/>
+    </dgm:txFillClrLst>
+    <dgm:txEffectClrLst/>
+  </dgm:styleLbl>
+  <dgm:styleLbl name="fgAcc2">
+    <dgm:fillClrLst meth="repeat">
+      <a:schemeClr val="lt1">
+        <a:alpha val="90000"/>
+      </a:schemeClr>
+    </dgm:fillClrLst>
+    <dgm:linClrLst meth="repeat">
+      <a:schemeClr val="accent1"/>
+    </dgm:linClrLst>
+    <dgm:effectClrLst/>
+    <dgm:txLinClrLst/>
+    <dgm:txFillClrLst meth="repeat">
+      <a:schemeClr val="dk1"/>
+    </dgm:txFillClrLst>
+    <dgm:txEffectClrLst/>
+  </dgm:styleLbl>
+  <dgm:styleLbl name="fgAcc3">
+    <dgm:fillClrLst meth="repeat">
+      <a:schemeClr val="lt1">
+        <a:alpha val="90000"/>
+      </a:schemeClr>
+    </dgm:fillClrLst>
+    <dgm:linClrLst meth="repeat">
+      <a:schemeClr val="accent1"/>
+    </dgm:linClrLst>
+    <dgm:effectClrLst/>
+    <dgm:txLinClrLst/>
+    <dgm:txFillClrLst meth="repeat">
+      <a:schemeClr val="dk1"/>
+    </dgm:txFillClrLst>
+    <dgm:txEffectClrLst/>
+  </dgm:styleLbl>
+  <dgm:styleLbl name="fgAcc4">
+    <dgm:fillClrLst meth="repeat">
+      <a:schemeClr val="lt1">
+        <a:alpha val="90000"/>
+      </a:schemeClr>
+    </dgm:fillClrLst>
+    <dgm:linClrLst meth="repeat">
+      <a:schemeClr val="accent1"/>
+    </dgm:linClrLst>
+    <dgm:effectClrLst/>
+    <dgm:txLinClrLst/>
+    <dgm:txFillClrLst meth="repeat">
+      <a:schemeClr val="dk1"/>
+    </dgm:txFillClrLst>
+    <dgm:txEffectClrLst/>
+  </dgm:styleLbl>
+  <dgm:styleLbl name="bgShp">
+    <dgm:fillClrLst meth="repeat">
+      <a:schemeClr val="accent1">
+        <a:tint val="40000"/>
+      </a:schemeClr>
+    </dgm:fillClrLst>
+    <dgm:linClrLst meth="repeat">
+      <a:schemeClr val="accent1"/>
+    </dgm:linClrLst>
+    <dgm:effectClrLst/>
+    <dgm:txLinClrLst/>
+    <dgm:txFillClrLst meth="repeat">
+      <a:schemeClr val="dk1"/>
+    </dgm:txFillClrLst>
+    <dgm:txEffectClrLst/>
+  </dgm:styleLbl>
+  <dgm:styleLbl name="dkBgShp">
+    <dgm:fillClrLst meth="repeat">
+      <a:schemeClr val="accent1">
+        <a:shade val="80000"/>
+      </a:schemeClr>
+    </dgm:fillClrLst>
+    <dgm:linClrLst meth="repeat">
+      <a:schemeClr val="accent1"/>
+    </dgm:linClrLst>
+    <dgm:effectClrLst/>
+    <dgm:txLinClrLst/>
+    <dgm:txFillClrLst meth="repeat">
+      <a:schemeClr val="lt1"/>
+    </dgm:txFillClrLst>
+    <dgm:txEffectClrLst/>
+  </dgm:styleLbl>
+  <dgm:styleLbl name="trBgShp">
+    <dgm:fillClrLst meth="repeat">
+      <a:schemeClr val="accent1">
+        <a:tint val="50000"/>
+        <a:alpha val="40000"/>
+      </a:schemeClr>
+    </dgm:fillClrLst>
+    <dgm:linClrLst meth="repeat">
+      <a:schemeClr val="accent1"/>
+    </dgm:linClrLst>
+    <dgm:effectClrLst/>
+    <dgm:txLinClrLst/>
+    <dgm:txFillClrLst meth="repeat">
+      <a:schemeClr val="lt1"/>
+    </dgm:txFillClrLst>
+    <dgm:txEffectClrLst/>
+  </dgm:styleLbl>
+  <dgm:styleLbl name="fgShp">
+    <dgm:fillClrLst meth="repeat">
+      <a:schemeClr val="accent1">
+        <a:tint val="60000"/>
+      </a:schemeClr>
+    </dgm:fillClrLst>
+    <dgm:linClrLst meth="repeat">
+      <a:schemeClr val="lt1"/>
+    </dgm:linClrLst>
+    <dgm:effectClrLst/>
+    <dgm:txLinClrLst/>
+    <dgm:txFillClrLst meth="repeat">
+      <a:schemeClr val="dk1"/>
+    </dgm:txFillClrLst>
+    <dgm:txEffectClrLst/>
+  </dgm:styleLbl>
+  <dgm:styleLbl name="revTx">
+    <dgm:fillClrLst meth="repeat">
+      <a:schemeClr val="lt1">
+        <a:alpha val="0"/>
+      </a:schemeClr>
+    </dgm:fillClrLst>
+    <dgm:linClrLst meth="repeat">
+      <a:schemeClr val="dk1">
+        <a:alpha val="0"/>
+      </a:schemeClr>
+    </dgm:linClrLst>
+    <dgm:effectClrLst/>
+    <dgm:txLinClrLst/>
+    <dgm:txFillClrLst meth="repeat">
+      <a:schemeClr val="tx1"/>
+    </dgm:txFillClrLst>
+    <dgm:txEffectClrLst/>
+  </dgm:styleLbl>
+</dgm:colorsDef>
+</file>
+
+<file path=ppt/diagrams/colors10.xml><?xml version="1.0" encoding="utf-8"?>
+<dgm:colorsDef xmlns:dgm="http://schemas.openxmlformats.org/drawingml/2006/diagram" xmlns:a="http://schemas.openxmlformats.org/drawingml/2006/main" uniqueId="urn:microsoft.com/office/officeart/2005/8/colors/accent1_2">
+  <dgm:title val=""/>
+  <dgm:desc val=""/>
+  <dgm:catLst>
+    <dgm:cat type="accent1" pri="11200"/>
+  </dgm:catLst>
+  <dgm:styleLbl name="node0">
+    <dgm:fillClrLst meth="repeat">
+      <a:schemeClr val="accent1"/>
+    </dgm:fillClrLst>
+    <dgm:linClrLst meth="repeat">
+      <a:schemeClr val="lt1"/>
+    </dgm:linClrLst>
+    <dgm:effectClrLst/>
+    <dgm:txLinClrLst/>
+    <dgm:txFillClrLst/>
+    <dgm:txEffectClrLst/>
+  </dgm:styleLbl>
+  <dgm:styleLbl name="alignNode1">
+    <dgm:fillClrLst meth="repeat">
+      <a:schemeClr val="accent1"/>
+    </dgm:fillClrLst>
+    <dgm:linClrLst meth="repeat">
+      <a:schemeClr val="accent1"/>
+    </dgm:linClrLst>
+    <dgm:effectClrLst/>
+    <dgm:txLinClrLst/>
+    <dgm:txFillClrLst/>
+    <dgm:txEffectClrLst/>
+  </dgm:styleLbl>
+  <dgm:styleLbl name="node1">
+    <dgm:fillClrLst meth="repeat">
+      <a:schemeClr val="accent1"/>
+    </dgm:fillClrLst>
+    <dgm:linClrLst meth="repeat">
+      <a:schemeClr val="lt1"/>
+    </dgm:linClrLst>
+    <dgm:effectClrLst/>
+    <dgm:txLinClrLst/>
+    <dgm:txFillClrLst/>
+    <dgm:txEffectClrLst/>
+  </dgm:styleLbl>
+  <dgm:styleLbl name="lnNode1">
+    <dgm:fillClrLst meth="repeat">
+      <a:schemeClr val="accent1"/>
+    </dgm:fillClrLst>
+    <dgm:linClrLst meth="repeat">
+      <a:schemeClr val="lt1"/>
+    </dgm:linClrLst>
+    <dgm:effectClrLst/>
+    <dgm:txLinClrLst/>
+    <dgm:txFillClrLst/>
+    <dgm:txEffectClrLst/>
+  </dgm:styleLbl>
+  <dgm:styleLbl name="vennNode1">
+    <dgm:fillClrLst meth="repeat">
+      <a:schemeClr val="accent1">
+        <a:alpha val="50000"/>
+      </a:schemeClr>
+    </dgm:fillClrLst>
+    <dgm:linClrLst meth="repeat">
+      <a:schemeClr val="lt1"/>
+    </dgm:linClrLst>
+    <dgm:effectClrLst/>
+    <dgm:txLinClrLst/>
+    <dgm:txFillClrLst/>
+    <dgm:txEffectClrLst/>
+  </dgm:styleLbl>
+  <dgm:styleLbl name="node2">
+    <dgm:fillClrLst meth="repeat">
+      <a:schemeClr val="accent1"/>
+    </dgm:fillClrLst>
+    <dgm:linClrLst meth="repeat">
+      <a:schemeClr val="lt1"/>
+    </dgm:linClrLst>
+    <dgm:effectClrLst/>
+    <dgm:txLinClrLst/>
+    <dgm:txFillClrLst/>
+    <dgm:txEffectClrLst/>
+  </dgm:styleLbl>
+  <dgm:styleLbl name="node3">
+    <dgm:fillClrLst meth="repeat">
+      <a:schemeClr val="accent1"/>
+    </dgm:fillClrLst>
+    <dgm:linClrLst meth="repeat">
+      <a:schemeClr val="lt1"/>
+    </dgm:linClrLst>
+    <dgm:effectClrLst/>
+    <dgm:txLinClrLst/>
+    <dgm:txFillClrLst/>
+    <dgm:txEffectClrLst/>
+  </dgm:styleLbl>
+  <dgm:styleLbl name="node4">
+    <dgm:fillClrLst meth="repeat">
+      <a:schemeClr val="accent1"/>
+    </dgm:fillClrLst>
+    <dgm:linClrLst meth="repeat">
+      <a:schemeClr val="lt1"/>
+    </dgm:linClrLst>
+    <dgm:effectClrLst/>
+    <dgm:txLinClrLst/>
+    <dgm:txFillClrLst/>
+    <dgm:txEffectClrLst/>
+  </dgm:styleLbl>
+  <dgm:styleLbl name="fgImgPlace1">
+    <dgm:fillClrLst meth="repeat">
+      <a:schemeClr val="accent1">
+        <a:tint val="50000"/>
+      </a:schemeClr>
+    </dgm:fillClrLst>
+    <dgm:linClrLst meth="repeat">
+      <a:schemeClr val="lt1"/>
+    </dgm:linClrLst>
+    <dgm:effectClrLst/>
+    <dgm:txLinClrLst/>
+    <dgm:txFillClrLst meth="repeat">
+      <a:schemeClr val="lt1"/>
+    </dgm:txFillClrLst>
+    <dgm:txEffectClrLst/>
+  </dgm:styleLbl>
+  <dgm:styleLbl name="alignImgPlace1">
+    <dgm:fillClrLst meth="repeat">
+      <a:schemeClr val="accent1">
+        <a:tint val="50000"/>
+      </a:schemeClr>
+    </dgm:fillClrLst>
+    <dgm:linClrLst meth="repeat">
+      <a:schemeClr val="lt1"/>
+    </dgm:linClrLst>
+    <dgm:effectClrLst/>
+    <dgm:txLinClrLst/>
+    <dgm:txFillClrLst meth="repeat">
+      <a:schemeClr val="lt1"/>
+    </dgm:txFillClrLst>
+    <dgm:txEffectClrLst/>
+  </dgm:styleLbl>
+  <dgm:styleLbl name="bgImgPlace1">
+    <dgm:fillClrLst meth="repeat">
+      <a:schemeClr val="accent1">
+        <a:tint val="50000"/>
+      </a:schemeClr>
+    </dgm:fillClrLst>
+    <dgm:linClrLst meth="repeat">
+      <a:schemeClr val="lt1"/>
+    </dgm:linClrLst>
+    <dgm:effectClrLst/>
+    <dgm:txLinClrLst/>
+    <dgm:txFillClrLst meth="repeat">
+      <a:schemeClr val="lt1"/>
+    </dgm:txFillClrLst>
+    <dgm:txEffectClrLst/>
+  </dgm:styleLbl>
+  <dgm:styleLbl name="sibTrans2D1">
+    <dgm:fillClrLst meth="repeat">
+      <a:schemeClr val="accent1">
+        <a:tint val="60000"/>
+      </a:schemeClr>
+    </dgm:fillClrLst>
+    <dgm:linClrLst meth="repeat">
+      <a:schemeClr val="accent1">
+        <a:tint val="60000"/>
+      </a:schemeClr>
+    </dgm:linClrLst>
+    <dgm:effectClrLst/>
+    <dgm:txLinClrLst/>
+    <dgm:txFillClrLst/>
+    <dgm:txEffectClrLst/>
+  </dgm:styleLbl>
+  <dgm:styleLbl name="fgSibTrans2D1">
+    <dgm:fillClrLst meth="repeat">
+      <a:schemeClr val="accent1">
+        <a:tint val="60000"/>
+      </a:schemeClr>
+    </dgm:fillClrLst>
+    <dgm:linClrLst meth="repeat">
+      <a:schemeClr val="accent1">
+        <a:tint val="60000"/>
+      </a:schemeClr>
+    </dgm:linClrLst>
+    <dgm:effectClrLst/>
+    <dgm:txLinClrLst/>
+    <dgm:txFillClrLst/>
+    <dgm:txEffectClrLst/>
+  </dgm:styleLbl>
+  <dgm:styleLbl name="bgSibTrans2D1">
+    <dgm:fillClrLst meth="repeat">
+      <a:schemeClr val="accent1">
+        <a:tint val="60000"/>
+      </a:schemeClr>
+    </dgm:fillClrLst>
+    <dgm:linClrLst meth="repeat">
+      <a:schemeClr val="accent1">
+        <a:tint val="60000"/>
+      </a:schemeClr>
+    </dgm:linClrLst>
+    <dgm:effectClrLst/>
+    <dgm:txLinClrLst/>
+    <dgm:txFillClrLst/>
+    <dgm:txEffectClrLst/>
+  </dgm:styleLbl>
+  <dgm:styleLbl name="sibTrans1D1">
+    <dgm:fillClrLst meth="repeat">
+      <a:schemeClr val="accent1"/>
+    </dgm:fillClrLst>
+    <dgm:linClrLst meth="repeat">
+      <a:schemeClr val="accent1"/>
+    </dgm:linClrLst>
+    <dgm:effectClrLst/>
+    <dgm:txLinClrLst/>
+    <dgm:txFillClrLst meth="repeat">
+      <a:schemeClr val="tx1"/>
+    </dgm:txFillClrLst>
+    <dgm:txEffectClrLst/>
+  </dgm:styleLbl>
+  <dgm:styleLbl name="callout">
+    <dgm:fillClrLst meth="repeat">
+      <a:schemeClr val="accent1"/>
+    </dgm:fillClrLst>
+    <dgm:linClrLst meth="repeat">
+      <a:schemeClr val="accent1">
+        <a:tint val="50000"/>
+      </a:schemeClr>
+    </dgm:linClrLst>
+    <dgm:effectClrLst/>
+    <dgm:txLinClrLst/>
+    <dgm:txFillClrLst meth="repeat">
+      <a:schemeClr val="tx1"/>
+    </dgm:txFillClrLst>
+    <dgm:txEffectClrLst/>
+  </dgm:styleLbl>
+  <dgm:styleLbl name="asst0">
+    <dgm:fillClrLst meth="repeat">
+      <a:schemeClr val="accent1"/>
+    </dgm:fillClrLst>
+    <dgm:linClrLst meth="repeat">
+      <a:schemeClr val="lt1"/>
+    </dgm:linClrLst>
+    <dgm:effectClrLst/>
+    <dgm:txLinClrLst/>
+    <dgm:txFillClrLst/>
+    <dgm:txEffectClrLst/>
+  </dgm:styleLbl>
+  <dgm:styleLbl name="asst1">
+    <dgm:fillClrLst meth="repeat">
+      <a:schemeClr val="accent1"/>
+    </dgm:fillClrLst>
+    <dgm:linClrLst meth="repeat">
+      <a:schemeClr val="lt1"/>
+    </dgm:linClrLst>
+    <dgm:effectClrLst/>
+    <dgm:txLinClrLst/>
+    <dgm:txFillClrLst/>
+    <dgm:txEffectClrLst/>
+  </dgm:styleLbl>
+  <dgm:styleLbl name="asst2">
+    <dgm:fillClrLst meth="repeat">
+      <a:schemeClr val="accent1"/>
+    </dgm:fillClrLst>
+    <dgm:linClrLst meth="repeat">
+      <a:schemeClr val="lt1"/>
+    </dgm:linClrLst>
+    <dgm:effectClrLst/>
+    <dgm:txLinClrLst/>
+    <dgm:txFillClrLst/>
+    <dgm:txEffectClrLst/>
+  </dgm:styleLbl>
+  <dgm:styleLbl name="asst3">
+    <dgm:fillClrLst meth="repeat">
+      <a:schemeClr val="accent1"/>
+    </dgm:fillClrLst>
+    <dgm:linClrLst meth="repeat">
+      <a:schemeClr val="lt1"/>
+    </dgm:linClrLst>
+    <dgm:effectClrLst/>
+    <dgm:txLinClrLst/>
+    <dgm:txFillClrLst/>
+    <dgm:txEffectClrLst/>
+  </dgm:styleLbl>
+  <dgm:styleLbl name="asst4">
+    <dgm:fillClrLst meth="repeat">
+      <a:schemeClr val="accent1"/>
+    </dgm:fillClrLst>
+    <dgm:linClrLst meth="repeat">
+      <a:schemeClr val="lt1"/>
+    </dgm:linClrLst>
+    <dgm:effectClrLst/>
+    <dgm:txLinClrLst/>
+    <dgm:txFillClrLst/>
+    <dgm:txEffectClrLst/>
+  </dgm:styleLbl>
+  <dgm:styleLbl name="parChTrans2D1">
+    <dgm:fillClrLst meth="repeat">
+      <a:schemeClr val="accent1">
+        <a:tint val="60000"/>
+      </a:schemeClr>
+    </dgm:fillClrLst>
+    <dgm:linClrLst meth="repeat">
+      <a:schemeClr val="accent1">
+        <a:tint val="60000"/>
+      </a:schemeClr>
+    </dgm:linClrLst>
+    <dgm:effectClrLst/>
+    <dgm:txLinClrLst/>
+    <dgm:txFillClrLst meth="repeat">
+      <a:schemeClr val="lt1"/>
+    </dgm:txFillClrLst>
+    <dgm:txEffectClrLst/>
+  </dgm:styleLbl>
+  <dgm:styleLbl name="parChTrans2D2">
+    <dgm:fillClrLst meth="repeat">
+      <a:schemeClr val="accent1"/>
+    </dgm:fillClrLst>
+    <dgm:linClrLst meth="repeat">
+      <a:schemeClr val="accent1"/>
+    </dgm:linClrLst>
+    <dgm:effectClrLst/>
+    <dgm:txLinClrLst/>
+    <dgm:txFillClrLst meth="repeat">
+      <a:schemeClr val="lt1"/>
+    </dgm:txFillClrLst>
+    <dgm:txEffectClrLst/>
+  </dgm:styleLbl>
+  <dgm:styleLbl name="parChTrans2D3">
+    <dgm:fillClrLst meth="repeat">
+      <a:schemeClr val="accent1"/>
+    </dgm:fillClrLst>
+    <dgm:linClrLst meth="repeat">
+      <a:schemeClr val="accent1"/>
+    </dgm:linClrLst>
+    <dgm:effectClrLst/>
+    <dgm:txLinClrLst/>
+    <dgm:txFillClrLst meth="repeat">
+      <a:schemeClr val="lt1"/>
+    </dgm:txFillClrLst>
+    <dgm:txEffectClrLst/>
+  </dgm:styleLbl>
+  <dgm:styleLbl name="parChTrans2D4">
+    <dgm:fillClrLst meth="repeat">
+      <a:schemeClr val="accent1"/>
+    </dgm:fillClrLst>
+    <dgm:linClrLst meth="repeat">
+      <a:schemeClr val="accent1"/>
+    </dgm:linClrLst>
+    <dgm:effectClrLst/>
+    <dgm:txLinClrLst/>
+    <dgm:txFillClrLst meth="repeat">
+      <a:schemeClr val="lt1"/>
+    </dgm:txFillClrLst>
+    <dgm:txEffectClrLst/>
+  </dgm:styleLbl>
+  <dgm:styleLbl name="parChTrans1D1">
+    <dgm:fillClrLst meth="repeat">
+      <a:schemeClr val="accent1"/>
+    </dgm:fillClrLst>
+    <dgm:linClrLst meth="repeat">
+      <a:schemeClr val="accent1">
+        <a:shade val="60000"/>
+      </a:schemeClr>
+    </dgm:linClrLst>
+    <dgm:effectClrLst/>
+    <dgm:txLinClrLst/>
+    <dgm:txFillClrLst meth="repeat">
+      <a:schemeClr val="tx1"/>
+    </dgm:txFillClrLst>
+    <dgm:txEffectClrLst/>
+  </dgm:styleLbl>
+  <dgm:styleLbl name="parChTrans1D2">
+    <dgm:fillClrLst meth="repeat">
+      <a:schemeClr val="accent1"/>
+    </dgm:fillClrLst>
+    <dgm:linClrLst meth="repeat">
+      <a:schemeClr val="accent1">
+        <a:shade val="60000"/>
+      </a:schemeClr>
+    </dgm:linClrLst>
+    <dgm:effectClrLst/>
+    <dgm:txLinClrLst/>
+    <dgm:txFillClrLst meth="repeat">
+      <a:schemeClr val="tx1"/>
+    </dgm:txFillClrLst>
+    <dgm:txEffectClrLst/>
+  </dgm:styleLbl>
+  <dgm:styleLbl name="parChTrans1D3">
+    <dgm:fillClrLst meth="repeat">
+      <a:schemeClr val="accent1"/>
+    </dgm:fillClrLst>
+    <dgm:linClrLst meth="repeat">
+      <a:schemeClr val="accent1">
+        <a:shade val="80000"/>
+      </a:schemeClr>
+    </dgm:linClrLst>
+    <dgm:effectClrLst/>
+    <dgm:txLinClrLst/>
+    <dgm:txFillClrLst meth="repeat">
+      <a:schemeClr val="tx1"/>
+    </dgm:txFillClrLst>
+    <dgm:txEffectClrLst/>
+  </dgm:styleLbl>
+  <dgm:styleLbl name="parChTrans1D4">
+    <dgm:fillClrLst meth="repeat">
+      <a:schemeClr val="accent1"/>
+    </dgm:fillClrLst>
+    <dgm:linClrLst meth="repeat">
+      <a:schemeClr val="accent1">
+        <a:shade val="80000"/>
+      </a:schemeClr>
+    </dgm:linClrLst>
+    <dgm:effectClrLst/>
+    <dgm:txLinClrLst/>
+    <dgm:txFillClrLst meth="repeat">
+      <a:schemeClr val="tx1"/>
+    </dgm:txFillClrLst>
+    <dgm:txEffectClrLst/>
+  </dgm:styleLbl>
+  <dgm:styleLbl name="fgAcc1">
+    <dgm:fillClrLst meth="repeat">
+      <a:schemeClr val="lt1">
+        <a:alpha val="90000"/>
+      </a:schemeClr>
+    </dgm:fillClrLst>
+    <dgm:linClrLst meth="repeat">
+      <a:schemeClr val="accent1"/>
+    </dgm:linClrLst>
+    <dgm:effectClrLst/>
+    <dgm:txLinClrLst/>
+    <dgm:txFillClrLst meth="repeat">
+      <a:schemeClr val="dk1"/>
+    </dgm:txFillClrLst>
+    <dgm:txEffectClrLst/>
+  </dgm:styleLbl>
+  <dgm:styleLbl name="conFgAcc1">
+    <dgm:fillClrLst meth="repeat">
+      <a:schemeClr val="lt1">
+        <a:alpha val="90000"/>
+      </a:schemeClr>
+    </dgm:fillClrLst>
+    <dgm:linClrLst meth="repeat">
+      <a:schemeClr val="accent1"/>
+    </dgm:linClrLst>
+    <dgm:effectClrLst/>
+    <dgm:txLinClrLst/>
+    <dgm:txFillClrLst meth="repeat">
+      <a:schemeClr val="dk1"/>
+    </dgm:txFillClrLst>
+    <dgm:txEffectClrLst/>
+  </dgm:styleLbl>
+  <dgm:styleLbl name="alignAcc1">
+    <dgm:fillClrLst meth="repeat">
+      <a:schemeClr val="lt1">
+        <a:alpha val="90000"/>
+      </a:schemeClr>
+    </dgm:fillClrLst>
+    <dgm:linClrLst meth="repeat">
+      <a:schemeClr val="accent1"/>
+    </dgm:linClrLst>
+    <dgm:effectClrLst/>
+    <dgm:txLinClrLst/>
+    <dgm:txFillClrLst meth="repeat">
+      <a:schemeClr val="dk1"/>
+    </dgm:txFillClrLst>
+    <dgm:txEffectClrLst/>
+  </dgm:styleLbl>
+  <dgm:styleLbl name="trAlignAcc1">
+    <dgm:fillClrLst meth="repeat">
+      <a:schemeClr val="lt1">
+        <a:alpha val="40000"/>
+      </a:schemeClr>
+    </dgm:fillClrLst>
+    <dgm:linClrLst meth="repeat">
+      <a:schemeClr val="accent1"/>
+    </dgm:linClrLst>
+    <dgm:effectClrLst/>
+    <dgm:txLinClrLst/>
+    <dgm:txFillClrLst meth="repeat">
+      <a:schemeClr val="dk1"/>
+    </dgm:txFillClrLst>
+    <dgm:txEffectClrLst/>
+  </dgm:styleLbl>
+  <dgm:styleLbl name="bgAcc1">
+    <dgm:fillClrLst meth="repeat">
+      <a:schemeClr val="lt1">
+        <a:alpha val="90000"/>
+      </a:schemeClr>
+    </dgm:fillClrLst>
+    <dgm:linClrLst meth="repeat">
+      <a:schemeClr val="accent1"/>
+    </dgm:linClrLst>
+    <dgm:effectClrLst/>
+    <dgm:txLinClrLst/>
+    <dgm:txFillClrLst meth="repeat">
+      <a:schemeClr val="dk1"/>
+    </dgm:txFillClrLst>
+    <dgm:txEffectClrLst/>
+  </dgm:styleLbl>
+  <dgm:styleLbl name="solidFgAcc1">
+    <dgm:fillClrLst meth="repeat">
+      <a:schemeClr val="lt1"/>
+    </dgm:fillClrLst>
+    <dgm:linClrLst meth="repeat">
+      <a:schemeClr val="accent1"/>
+    </dgm:linClrLst>
+    <dgm:effectClrLst/>
+    <dgm:txLinClrLst/>
+    <dgm:txFillClrLst meth="repeat">
+      <a:schemeClr val="dk1"/>
+    </dgm:txFillClrLst>
+    <dgm:txEffectClrLst/>
+  </dgm:styleLbl>
+  <dgm:styleLbl name="solidAlignAcc1">
+    <dgm:fillClrLst meth="repeat">
+      <a:schemeClr val="lt1"/>
+    </dgm:fillClrLst>
+    <dgm:linClrLst meth="repeat">
+      <a:schemeClr val="accent1"/>
+    </dgm:linClrLst>
+    <dgm:effectClrLst/>
+    <dgm:txLinClrLst/>
+    <dgm:txFillClrLst meth="repeat">
+      <a:schemeClr val="dk1"/>
+    </dgm:txFillClrLst>
+    <dgm:txEffectClrLst/>
+  </dgm:styleLbl>
+  <dgm:styleLbl name="solidBgAcc1">
+    <dgm:fillClrLst meth="repeat">
+      <a:schemeClr val="lt1"/>
+    </dgm:fillClrLst>
+    <dgm:linClrLst meth="repeat">
+      <a:schemeClr val="accent1"/>
+    </dgm:linClrLst>
+    <dgm:effectClrLst/>
+    <dgm:txLinClrLst/>
+    <dgm:txFillClrLst meth="repeat">
+      <a:schemeClr val="dk1"/>
+    </dgm:txFillClrLst>
+    <dgm:txEffectClrLst/>
+  </dgm:styleLbl>
+  <dgm:styleLbl name="fgAccFollowNode1">
+    <dgm:fillClrLst meth="repeat">
+      <a:schemeClr val="accent1">
+        <a:alpha val="90000"/>
+        <a:tint val="40000"/>
+      </a:schemeClr>
+    </dgm:fillClrLst>
+    <dgm:linClrLst meth="repeat">
+      <a:schemeClr val="accent1">
+        <a:alpha val="90000"/>
+        <a:tint val="40000"/>
+      </a:schemeClr>
+    </dgm:linClrLst>
+    <dgm:effectClrLst/>
+    <dgm:txLinClrLst/>
+    <dgm:txFillClrLst meth="repeat">
+      <a:schemeClr val="dk1"/>
+    </dgm:txFillClrLst>
+    <dgm:txEffectClrLst/>
+  </dgm:styleLbl>
+  <dgm:styleLbl name="alignAccFollowNode1">
+    <dgm:fillClrLst meth="repeat">
+      <a:schemeClr val="accent1">
+        <a:alpha val="90000"/>
+        <a:tint val="40000"/>
+      </a:schemeClr>
+    </dgm:fillClrLst>
+    <dgm:linClrLst meth="repeat">
+      <a:schemeClr val="accent1">
+        <a:alpha val="90000"/>
+        <a:tint val="40000"/>
+      </a:schemeClr>
+    </dgm:linClrLst>
+    <dgm:effectClrLst/>
+    <dgm:txLinClrLst/>
+    <dgm:txFillClrLst meth="repeat">
+      <a:schemeClr val="dk1"/>
+    </dgm:txFillClrLst>
+    <dgm:txEffectClrLst/>
+  </dgm:styleLbl>
+  <dgm:styleLbl name="bgAccFollowNode1">
+    <dgm:fillClrLst meth="repeat">
+      <a:schemeClr val="accent1">
+        <a:alpha val="90000"/>
+        <a:tint val="40000"/>
+      </a:schemeClr>
+    </dgm:fillClrLst>
+    <dgm:linClrLst meth="repeat">
+      <a:schemeClr val="accent1">
+        <a:alpha val="90000"/>
+        <a:tint val="40000"/>
+      </a:schemeClr>
+    </dgm:linClrLst>
+    <dgm:effectClrLst/>
+    <dgm:txLinClrLst/>
+    <dgm:txFillClrLst meth="repeat">
+      <a:schemeClr val="dk1"/>
+    </dgm:txFillClrLst>
+    <dgm:txEffectClrLst/>
+  </dgm:styleLbl>
+  <dgm:styleLbl name="fgAcc0">
+    <dgm:fillClrLst meth="repeat">
+      <a:schemeClr val="lt1">
+        <a:alpha val="90000"/>
+      </a:schemeClr>
+    </dgm:fillClrLst>
+    <dgm:linClrLst meth="repeat">
+      <a:schemeClr val="accent1"/>
+    </dgm:linClrLst>
+    <dgm:effectClrLst/>
+    <dgm:txLinClrLst/>
+    <dgm:txFillClrLst meth="repeat">
+      <a:schemeClr val="dk1"/>
+    </dgm:txFillClrLst>
+    <dgm:txEffectClrLst/>
+  </dgm:styleLbl>
+  <dgm:styleLbl name="fgAcc2">
+    <dgm:fillClrLst meth="repeat">
+      <a:schemeClr val="lt1">
+        <a:alpha val="90000"/>
+      </a:schemeClr>
+    </dgm:fillClrLst>
+    <dgm:linClrLst meth="repeat">
+      <a:schemeClr val="accent1"/>
+    </dgm:linClrLst>
+    <dgm:effectClrLst/>
+    <dgm:txLinClrLst/>
+    <dgm:txFillClrLst meth="repeat">
+      <a:schemeClr val="dk1"/>
+    </dgm:txFillClrLst>
+    <dgm:txEffectClrLst/>
+  </dgm:styleLbl>
+  <dgm:styleLbl name="fgAcc3">
+    <dgm:fillClrLst meth="repeat">
+      <a:schemeClr val="lt1">
+        <a:alpha val="90000"/>
+      </a:schemeClr>
+    </dgm:fillClrLst>
+    <dgm:linClrLst meth="repeat">
+      <a:schemeClr val="accent1"/>
+    </dgm:linClrLst>
+    <dgm:effectClrLst/>
+    <dgm:txLinClrLst/>
+    <dgm:txFillClrLst meth="repeat">
+      <a:schemeClr val="dk1"/>
+    </dgm:txFillClrLst>
+    <dgm:txEffectClrLst/>
+  </dgm:styleLbl>
+  <dgm:styleLbl name="fgAcc4">
+    <dgm:fillClrLst meth="repeat">
+      <a:schemeClr val="lt1">
+        <a:alpha val="90000"/>
+      </a:schemeClr>
+    </dgm:fillClrLst>
+    <dgm:linClrLst meth="repeat">
+      <a:schemeClr val="accent1"/>
+    </dgm:linClrLst>
+    <dgm:effectClrLst/>
+    <dgm:txLinClrLst/>
+    <dgm:txFillClrLst meth="repeat">
+      <a:schemeClr val="dk1"/>
+    </dgm:txFillClrLst>
+    <dgm:txEffectClrLst/>
+  </dgm:styleLbl>
+  <dgm:styleLbl name="bgShp">
+    <dgm:fillClrLst meth="repeat">
+      <a:schemeClr val="accent1">
+        <a:tint val="40000"/>
+      </a:schemeClr>
+    </dgm:fillClrLst>
+    <dgm:linClrLst meth="repeat">
+      <a:schemeClr val="accent1"/>
+    </dgm:linClrLst>
+    <dgm:effectClrLst/>
+    <dgm:txLinClrLst/>
+    <dgm:txFillClrLst meth="repeat">
+      <a:schemeClr val="dk1"/>
+    </dgm:txFillClrLst>
+    <dgm:txEffectClrLst/>
+  </dgm:styleLbl>
+  <dgm:styleLbl name="dkBgShp">
+    <dgm:fillClrLst meth="repeat">
+      <a:schemeClr val="accent1">
+        <a:shade val="80000"/>
+      </a:schemeClr>
+    </dgm:fillClrLst>
+    <dgm:linClrLst meth="repeat">
+      <a:schemeClr val="accent1"/>
+    </dgm:linClrLst>
+    <dgm:effectClrLst/>
+    <dgm:txLinClrLst/>
+    <dgm:txFillClrLst meth="repeat">
+      <a:schemeClr val="lt1"/>
+    </dgm:txFillClrLst>
+    <dgm:txEffectClrLst/>
+  </dgm:styleLbl>
+  <dgm:styleLbl name="trBgShp">
+    <dgm:fillClrLst meth="repeat">
+      <a:schemeClr val="accent1">
+        <a:tint val="50000"/>
+        <a:alpha val="40000"/>
+      </a:schemeClr>
+    </dgm:fillClrLst>
+    <dgm:linClrLst meth="repeat">
+      <a:schemeClr val="accent1"/>
+    </dgm:linClrLst>
+    <dgm:effectClrLst/>
+    <dgm:txLinClrLst/>
+    <dgm:txFillClrLst meth="repeat">
+      <a:schemeClr val="lt1"/>
+    </dgm:txFillClrLst>
+    <dgm:txEffectClrLst/>
+  </dgm:styleLbl>
+  <dgm:styleLbl name="fgShp">
+    <dgm:fillClrLst meth="repeat">
+      <a:schemeClr val="accent1">
+        <a:tint val="60000"/>
+      </a:schemeClr>
+    </dgm:fillClrLst>
+    <dgm:linClrLst meth="repeat">
+      <a:schemeClr val="lt1"/>
+    </dgm:linClrLst>
+    <dgm:effectClrLst/>
+    <dgm:txLinClrLst/>
+    <dgm:txFillClrLst meth="repeat">
+      <a:schemeClr val="dk1"/>
+    </dgm:txFillClrLst>
+    <dgm:txEffectClrLst/>
+  </dgm:styleLbl>
+  <dgm:styleLbl name="revTx">
+    <dgm:fillClrLst meth="repeat">
+      <a:schemeClr val="lt1">
+        <a:alpha val="0"/>
+      </a:schemeClr>
+    </dgm:fillClrLst>
+    <dgm:linClrLst meth="repeat">
+      <a:schemeClr val="dk1">
+        <a:alpha val="0"/>
+      </a:schemeClr>
+    </dgm:linClrLst>
+    <dgm:effectClrLst/>
+    <dgm:txLinClrLst/>
+    <dgm:txFillClrLst meth="repeat">
+      <a:schemeClr val="tx1"/>
+    </dgm:txFillClrLst>
+    <dgm:txEffectClrLst/>
+  </dgm:styleLbl>
+</dgm:colorsDef>
+</file>
+
+<file path=ppt/diagrams/colors11.xml><?xml version="1.0" encoding="utf-8"?>
 <dgm:colorsDef xmlns:dgm="http://schemas.openxmlformats.org/drawingml/2006/diagram" xmlns:a="http://schemas.openxmlformats.org/drawingml/2006/main" uniqueId="urn:microsoft.com/office/officeart/2005/8/colors/accent1_2">
   <dgm:title val=""/>
   <dgm:desc val=""/>
@@ -7230,6 +8726,832 @@
   <dgm:extLst>
     <a:ext uri="http://schemas.microsoft.com/office/drawing/2008/diagram">
       <dsp:dataModelExt xmlns:dsp="http://schemas.microsoft.com/office/drawing/2008/diagram" relId="rId6" minVer="http://schemas.openxmlformats.org/drawingml/2006/diagram"/>
+    </a:ext>
+  </dgm:extLst>
+</dgm:dataModel>
+</file>
+
+<file path=ppt/diagrams/data10.xml><?xml version="1.0" encoding="utf-8"?>
+<dgm:dataModel xmlns:dgm="http://schemas.openxmlformats.org/drawingml/2006/diagram" xmlns:a="http://schemas.openxmlformats.org/drawingml/2006/main">
+  <dgm:ptLst>
+    <dgm:pt modelId="{29BD3F7E-2630-E548-8A65-62FCBBF410AA}" type="doc">
+      <dgm:prSet loTypeId="urn:microsoft.com/office/officeart/2005/8/layout/chevron1" loCatId="" qsTypeId="urn:microsoft.com/office/officeart/2005/8/quickstyle/simple1" qsCatId="simple" csTypeId="urn:microsoft.com/office/officeart/2005/8/colors/accent1_2" csCatId="accent1" phldr="1"/>
+      <dgm:spPr/>
+    </dgm:pt>
+    <dgm:pt modelId="{C2862AA1-9EED-9A47-ACC9-73EB7BF82787}">
+      <dgm:prSet phldrT="[Text]"/>
+      <dgm:spPr>
+        <a:solidFill>
+          <a:srgbClr val="4472C4">
+            <a:alpha val="25098"/>
+          </a:srgbClr>
+        </a:solidFill>
+      </dgm:spPr>
+      <dgm:t>
+        <a:bodyPr/>
+        <a:lstStyle/>
+        <a:p>
+          <a:r>
+            <a:rPr lang="en-US" dirty="0">
+              <a:solidFill>
+                <a:sysClr val="windowText" lastClr="000000"/>
+              </a:solidFill>
+              <a:latin typeface="Fira Sans Condensed Medium" panose="020B0603050000020004" pitchFamily="34" charset="0"/>
+            </a:rPr>
+            <a:t>Attributes &amp; Levels </a:t>
+          </a:r>
+        </a:p>
+      </dgm:t>
+    </dgm:pt>
+    <dgm:pt modelId="{61806FA1-DD66-B048-BF9F-56E6B4C1EEF2}" type="parTrans" cxnId="{44BC8129-F7D7-CC41-9F6E-18056FFD9FD3}">
+      <dgm:prSet/>
+      <dgm:spPr/>
+      <dgm:t>
+        <a:bodyPr/>
+        <a:lstStyle/>
+        <a:p>
+          <a:endParaRPr lang="en-US"/>
+        </a:p>
+      </dgm:t>
+    </dgm:pt>
+    <dgm:pt modelId="{F2CFB00A-9F6C-8745-A38E-952BF2130689}" type="sibTrans" cxnId="{44BC8129-F7D7-CC41-9F6E-18056FFD9FD3}">
+      <dgm:prSet/>
+      <dgm:spPr/>
+      <dgm:t>
+        <a:bodyPr/>
+        <a:lstStyle/>
+        <a:p>
+          <a:endParaRPr lang="en-US"/>
+        </a:p>
+      </dgm:t>
+    </dgm:pt>
+    <dgm:pt modelId="{923697BF-AB74-0542-972E-DDF74DC28411}">
+      <dgm:prSet/>
+      <dgm:spPr>
+        <a:solidFill>
+          <a:srgbClr val="4472C4">
+            <a:alpha val="25098"/>
+          </a:srgbClr>
+        </a:solidFill>
+      </dgm:spPr>
+      <dgm:t>
+        <a:bodyPr/>
+        <a:lstStyle/>
+        <a:p>
+          <a:r>
+            <a:rPr lang="en-US" dirty="0">
+              <a:solidFill>
+                <a:sysClr val="windowText" lastClr="000000"/>
+              </a:solidFill>
+              <a:latin typeface="Fira Sans Condensed Medium" panose="020B0603050000020004" pitchFamily="34" charset="0"/>
+            </a:rPr>
+            <a:t>Generate Profiles </a:t>
+          </a:r>
+        </a:p>
+      </dgm:t>
+    </dgm:pt>
+    <dgm:pt modelId="{7CA96F39-E855-0F47-8777-7A37E0BDD8A3}" type="parTrans" cxnId="{F789E21A-7C91-9B49-B24F-D2CDB97A1C9B}">
+      <dgm:prSet/>
+      <dgm:spPr/>
+      <dgm:t>
+        <a:bodyPr/>
+        <a:lstStyle/>
+        <a:p>
+          <a:endParaRPr lang="en-US"/>
+        </a:p>
+      </dgm:t>
+    </dgm:pt>
+    <dgm:pt modelId="{6B130EC5-2257-1341-B946-5E10E3E08F09}" type="sibTrans" cxnId="{F789E21A-7C91-9B49-B24F-D2CDB97A1C9B}">
+      <dgm:prSet/>
+      <dgm:spPr/>
+      <dgm:t>
+        <a:bodyPr/>
+        <a:lstStyle/>
+        <a:p>
+          <a:endParaRPr lang="en-US"/>
+        </a:p>
+      </dgm:t>
+    </dgm:pt>
+    <dgm:pt modelId="{C7D02EA6-5655-7346-90D9-7ED189787F31}">
+      <dgm:prSet/>
+      <dgm:spPr>
+        <a:solidFill>
+          <a:srgbClr val="4472C4">
+            <a:alpha val="25098"/>
+          </a:srgbClr>
+        </a:solidFill>
+      </dgm:spPr>
+      <dgm:t>
+        <a:bodyPr/>
+        <a:lstStyle/>
+        <a:p>
+          <a:r>
+            <a:rPr lang="en-US" dirty="0">
+              <a:solidFill>
+                <a:sysClr val="windowText" lastClr="000000"/>
+              </a:solidFill>
+              <a:latin typeface="Fira Sans Condensed Medium" panose="020B0603050000020004" pitchFamily="34" charset="0"/>
+            </a:rPr>
+            <a:t>Generate Design </a:t>
+          </a:r>
+        </a:p>
+      </dgm:t>
+    </dgm:pt>
+    <dgm:pt modelId="{75F438BA-7153-3245-A440-8CCB22B58BC6}" type="parTrans" cxnId="{73828689-A77C-D044-A7EC-AC55525FFD17}">
+      <dgm:prSet/>
+      <dgm:spPr/>
+      <dgm:t>
+        <a:bodyPr/>
+        <a:lstStyle/>
+        <a:p>
+          <a:endParaRPr lang="en-US"/>
+        </a:p>
+      </dgm:t>
+    </dgm:pt>
+    <dgm:pt modelId="{C22AB26E-96B3-8342-AE63-5E66FDDD4150}" type="sibTrans" cxnId="{73828689-A77C-D044-A7EC-AC55525FFD17}">
+      <dgm:prSet/>
+      <dgm:spPr/>
+      <dgm:t>
+        <a:bodyPr/>
+        <a:lstStyle/>
+        <a:p>
+          <a:endParaRPr lang="en-US"/>
+        </a:p>
+      </dgm:t>
+    </dgm:pt>
+    <dgm:pt modelId="{24CDDCDB-9C5D-A946-BECF-EBCFEB3B1F5A}">
+      <dgm:prSet/>
+      <dgm:spPr>
+        <a:solidFill>
+          <a:srgbClr val="4472C4"/>
+        </a:solidFill>
+      </dgm:spPr>
+      <dgm:t>
+        <a:bodyPr/>
+        <a:lstStyle/>
+        <a:p>
+          <a:r>
+            <a:rPr lang="en-US" dirty="0">
+              <a:solidFill>
+                <a:schemeClr val="bg1"/>
+              </a:solidFill>
+              <a:latin typeface="Fira Sans Condensed Medium" panose="020B0603050000020004" pitchFamily="34" charset="0"/>
+            </a:rPr>
+            <a:t>Inspect Design</a:t>
+          </a:r>
+        </a:p>
+      </dgm:t>
+    </dgm:pt>
+    <dgm:pt modelId="{9A1422D9-769B-0946-824A-E9003685347C}" type="parTrans" cxnId="{34FD9CB1-CC68-E147-8564-95AC53E4B571}">
+      <dgm:prSet/>
+      <dgm:spPr/>
+      <dgm:t>
+        <a:bodyPr/>
+        <a:lstStyle/>
+        <a:p>
+          <a:endParaRPr lang="en-US"/>
+        </a:p>
+      </dgm:t>
+    </dgm:pt>
+    <dgm:pt modelId="{7D2A9806-B087-D246-84AE-F016B2AA494B}" type="sibTrans" cxnId="{34FD9CB1-CC68-E147-8564-95AC53E4B571}">
+      <dgm:prSet/>
+      <dgm:spPr/>
+      <dgm:t>
+        <a:bodyPr/>
+        <a:lstStyle/>
+        <a:p>
+          <a:endParaRPr lang="en-US"/>
+        </a:p>
+      </dgm:t>
+    </dgm:pt>
+    <dgm:pt modelId="{B68F0F89-D534-0446-9A8A-96E99CF8DBE8}">
+      <dgm:prSet/>
+      <dgm:spPr>
+        <a:solidFill>
+          <a:srgbClr val="4472C4"/>
+        </a:solidFill>
+      </dgm:spPr>
+      <dgm:t>
+        <a:bodyPr/>
+        <a:lstStyle/>
+        <a:p>
+          <a:r>
+            <a:rPr lang="en-US" dirty="0">
+              <a:solidFill>
+                <a:schemeClr val="bg1"/>
+              </a:solidFill>
+              <a:latin typeface="Fira Sans Condensed Medium" panose="020B0603050000020004" pitchFamily="34" charset="0"/>
+            </a:rPr>
+            <a:t>Simulate Choices</a:t>
+          </a:r>
+        </a:p>
+      </dgm:t>
+    </dgm:pt>
+    <dgm:pt modelId="{BA7F4EC5-659E-994E-A744-94C17453502A}" type="parTrans" cxnId="{94716A16-8192-684F-A8F5-2A8260C75779}">
+      <dgm:prSet/>
+      <dgm:spPr/>
+      <dgm:t>
+        <a:bodyPr/>
+        <a:lstStyle/>
+        <a:p>
+          <a:endParaRPr lang="en-US"/>
+        </a:p>
+      </dgm:t>
+    </dgm:pt>
+    <dgm:pt modelId="{EDD97A39-14E4-D943-B089-8B2916F6C14A}" type="sibTrans" cxnId="{94716A16-8192-684F-A8F5-2A8260C75779}">
+      <dgm:prSet/>
+      <dgm:spPr/>
+      <dgm:t>
+        <a:bodyPr/>
+        <a:lstStyle/>
+        <a:p>
+          <a:endParaRPr lang="en-US"/>
+        </a:p>
+      </dgm:t>
+    </dgm:pt>
+    <dgm:pt modelId="{3620D992-3064-A54A-8ED0-7E5321871015}">
+      <dgm:prSet/>
+      <dgm:spPr>
+        <a:solidFill>
+          <a:srgbClr val="4472C4"/>
+        </a:solidFill>
+      </dgm:spPr>
+      <dgm:t>
+        <a:bodyPr/>
+        <a:lstStyle/>
+        <a:p>
+          <a:r>
+            <a:rPr lang="en-US" dirty="0">
+              <a:solidFill>
+                <a:schemeClr val="bg1"/>
+              </a:solidFill>
+              <a:latin typeface="Fira Sans Condensed Medium" panose="020B0603050000020004" pitchFamily="34" charset="0"/>
+            </a:rPr>
+            <a:t>Assess Power</a:t>
+          </a:r>
+        </a:p>
+      </dgm:t>
+    </dgm:pt>
+    <dgm:pt modelId="{5A20EF8E-4960-AF46-9D63-9A3C01396538}" type="parTrans" cxnId="{1D166048-232F-6C4F-8454-0B166FDD169E}">
+      <dgm:prSet/>
+      <dgm:spPr/>
+      <dgm:t>
+        <a:bodyPr/>
+        <a:lstStyle/>
+        <a:p>
+          <a:endParaRPr lang="en-US"/>
+        </a:p>
+      </dgm:t>
+    </dgm:pt>
+    <dgm:pt modelId="{B5B88691-25AF-9A41-BFA7-019D30F08E41}" type="sibTrans" cxnId="{1D166048-232F-6C4F-8454-0B166FDD169E}">
+      <dgm:prSet/>
+      <dgm:spPr/>
+      <dgm:t>
+        <a:bodyPr/>
+        <a:lstStyle/>
+        <a:p>
+          <a:endParaRPr lang="en-US"/>
+        </a:p>
+      </dgm:t>
+    </dgm:pt>
+    <dgm:pt modelId="{69DE4C04-2356-3044-952D-CB0BA867DF0B}" type="pres">
+      <dgm:prSet presAssocID="{29BD3F7E-2630-E548-8A65-62FCBBF410AA}" presName="Name0" presStyleCnt="0">
+        <dgm:presLayoutVars>
+          <dgm:dir/>
+          <dgm:animLvl val="lvl"/>
+          <dgm:resizeHandles val="exact"/>
+        </dgm:presLayoutVars>
+      </dgm:prSet>
+      <dgm:spPr/>
+    </dgm:pt>
+    <dgm:pt modelId="{0C06E18B-B76B-4A4A-B3EE-7EAA091CBBBA}" type="pres">
+      <dgm:prSet presAssocID="{C2862AA1-9EED-9A47-ACC9-73EB7BF82787}" presName="parTxOnly" presStyleLbl="node1" presStyleIdx="0" presStyleCnt="6">
+        <dgm:presLayoutVars>
+          <dgm:chMax val="0"/>
+          <dgm:chPref val="0"/>
+          <dgm:bulletEnabled val="1"/>
+        </dgm:presLayoutVars>
+      </dgm:prSet>
+      <dgm:spPr/>
+    </dgm:pt>
+    <dgm:pt modelId="{DDB8718E-44E4-FB48-B656-DE498258D3C2}" type="pres">
+      <dgm:prSet presAssocID="{F2CFB00A-9F6C-8745-A38E-952BF2130689}" presName="parTxOnlySpace" presStyleCnt="0"/>
+      <dgm:spPr/>
+    </dgm:pt>
+    <dgm:pt modelId="{45824C31-6D80-4C48-B797-E3C90341C09A}" type="pres">
+      <dgm:prSet presAssocID="{923697BF-AB74-0542-972E-DDF74DC28411}" presName="parTxOnly" presStyleLbl="node1" presStyleIdx="1" presStyleCnt="6">
+        <dgm:presLayoutVars>
+          <dgm:chMax val="0"/>
+          <dgm:chPref val="0"/>
+          <dgm:bulletEnabled val="1"/>
+        </dgm:presLayoutVars>
+      </dgm:prSet>
+      <dgm:spPr/>
+    </dgm:pt>
+    <dgm:pt modelId="{540454BA-69CC-684B-A25D-6BF28918F561}" type="pres">
+      <dgm:prSet presAssocID="{6B130EC5-2257-1341-B946-5E10E3E08F09}" presName="parTxOnlySpace" presStyleCnt="0"/>
+      <dgm:spPr/>
+    </dgm:pt>
+    <dgm:pt modelId="{ACA1F246-0026-1B4D-A114-B410373FE2F8}" type="pres">
+      <dgm:prSet presAssocID="{C7D02EA6-5655-7346-90D9-7ED189787F31}" presName="parTxOnly" presStyleLbl="node1" presStyleIdx="2" presStyleCnt="6">
+        <dgm:presLayoutVars>
+          <dgm:chMax val="0"/>
+          <dgm:chPref val="0"/>
+          <dgm:bulletEnabled val="1"/>
+        </dgm:presLayoutVars>
+      </dgm:prSet>
+      <dgm:spPr/>
+    </dgm:pt>
+    <dgm:pt modelId="{87D787E5-11F7-CE42-9F46-C4F59C63540E}" type="pres">
+      <dgm:prSet presAssocID="{C22AB26E-96B3-8342-AE63-5E66FDDD4150}" presName="parTxOnlySpace" presStyleCnt="0"/>
+      <dgm:spPr/>
+    </dgm:pt>
+    <dgm:pt modelId="{E190B048-96E3-B94A-9CA0-4E21CC1280C7}" type="pres">
+      <dgm:prSet presAssocID="{24CDDCDB-9C5D-A946-BECF-EBCFEB3B1F5A}" presName="parTxOnly" presStyleLbl="node1" presStyleIdx="3" presStyleCnt="6">
+        <dgm:presLayoutVars>
+          <dgm:chMax val="0"/>
+          <dgm:chPref val="0"/>
+          <dgm:bulletEnabled val="1"/>
+        </dgm:presLayoutVars>
+      </dgm:prSet>
+      <dgm:spPr/>
+    </dgm:pt>
+    <dgm:pt modelId="{22A8B165-745B-C440-B7DA-990034160FC0}" type="pres">
+      <dgm:prSet presAssocID="{7D2A9806-B087-D246-84AE-F016B2AA494B}" presName="parTxOnlySpace" presStyleCnt="0"/>
+      <dgm:spPr/>
+    </dgm:pt>
+    <dgm:pt modelId="{75209486-6C41-3B45-AB19-0AB8068209F3}" type="pres">
+      <dgm:prSet presAssocID="{B68F0F89-D534-0446-9A8A-96E99CF8DBE8}" presName="parTxOnly" presStyleLbl="node1" presStyleIdx="4" presStyleCnt="6">
+        <dgm:presLayoutVars>
+          <dgm:chMax val="0"/>
+          <dgm:chPref val="0"/>
+          <dgm:bulletEnabled val="1"/>
+        </dgm:presLayoutVars>
+      </dgm:prSet>
+      <dgm:spPr/>
+    </dgm:pt>
+    <dgm:pt modelId="{2681C045-5704-3842-9104-6033C189E856}" type="pres">
+      <dgm:prSet presAssocID="{EDD97A39-14E4-D943-B089-8B2916F6C14A}" presName="parTxOnlySpace" presStyleCnt="0"/>
+      <dgm:spPr/>
+    </dgm:pt>
+    <dgm:pt modelId="{7ADB9F30-7A98-C44D-A932-224624BEEBDD}" type="pres">
+      <dgm:prSet presAssocID="{3620D992-3064-A54A-8ED0-7E5321871015}" presName="parTxOnly" presStyleLbl="node1" presStyleIdx="5" presStyleCnt="6">
+        <dgm:presLayoutVars>
+          <dgm:chMax val="0"/>
+          <dgm:chPref val="0"/>
+          <dgm:bulletEnabled val="1"/>
+        </dgm:presLayoutVars>
+      </dgm:prSet>
+      <dgm:spPr/>
+    </dgm:pt>
+  </dgm:ptLst>
+  <dgm:cxnLst>
+    <dgm:cxn modelId="{6BEA2415-132C-BD42-B6E3-150A8CA91805}" type="presOf" srcId="{24CDDCDB-9C5D-A946-BECF-EBCFEB3B1F5A}" destId="{E190B048-96E3-B94A-9CA0-4E21CC1280C7}" srcOrd="0" destOrd="0" presId="urn:microsoft.com/office/officeart/2005/8/layout/chevron1"/>
+    <dgm:cxn modelId="{94716A16-8192-684F-A8F5-2A8260C75779}" srcId="{29BD3F7E-2630-E548-8A65-62FCBBF410AA}" destId="{B68F0F89-D534-0446-9A8A-96E99CF8DBE8}" srcOrd="4" destOrd="0" parTransId="{BA7F4EC5-659E-994E-A744-94C17453502A}" sibTransId="{EDD97A39-14E4-D943-B089-8B2916F6C14A}"/>
+    <dgm:cxn modelId="{F789E21A-7C91-9B49-B24F-D2CDB97A1C9B}" srcId="{29BD3F7E-2630-E548-8A65-62FCBBF410AA}" destId="{923697BF-AB74-0542-972E-DDF74DC28411}" srcOrd="1" destOrd="0" parTransId="{7CA96F39-E855-0F47-8777-7A37E0BDD8A3}" sibTransId="{6B130EC5-2257-1341-B946-5E10E3E08F09}"/>
+    <dgm:cxn modelId="{44BC8129-F7D7-CC41-9F6E-18056FFD9FD3}" srcId="{29BD3F7E-2630-E548-8A65-62FCBBF410AA}" destId="{C2862AA1-9EED-9A47-ACC9-73EB7BF82787}" srcOrd="0" destOrd="0" parTransId="{61806FA1-DD66-B048-BF9F-56E6B4C1EEF2}" sibTransId="{F2CFB00A-9F6C-8745-A38E-952BF2130689}"/>
+    <dgm:cxn modelId="{1D166048-232F-6C4F-8454-0B166FDD169E}" srcId="{29BD3F7E-2630-E548-8A65-62FCBBF410AA}" destId="{3620D992-3064-A54A-8ED0-7E5321871015}" srcOrd="5" destOrd="0" parTransId="{5A20EF8E-4960-AF46-9D63-9A3C01396538}" sibTransId="{B5B88691-25AF-9A41-BFA7-019D30F08E41}"/>
+    <dgm:cxn modelId="{D0C3545F-D42A-4C4B-BD39-F1A58526E7FD}" type="presOf" srcId="{C7D02EA6-5655-7346-90D9-7ED189787F31}" destId="{ACA1F246-0026-1B4D-A114-B410373FE2F8}" srcOrd="0" destOrd="0" presId="urn:microsoft.com/office/officeart/2005/8/layout/chevron1"/>
+    <dgm:cxn modelId="{32C2BA77-6997-D243-BD66-40AC0D41499C}" type="presOf" srcId="{B68F0F89-D534-0446-9A8A-96E99CF8DBE8}" destId="{75209486-6C41-3B45-AB19-0AB8068209F3}" srcOrd="0" destOrd="0" presId="urn:microsoft.com/office/officeart/2005/8/layout/chevron1"/>
+    <dgm:cxn modelId="{73828689-A77C-D044-A7EC-AC55525FFD17}" srcId="{29BD3F7E-2630-E548-8A65-62FCBBF410AA}" destId="{C7D02EA6-5655-7346-90D9-7ED189787F31}" srcOrd="2" destOrd="0" parTransId="{75F438BA-7153-3245-A440-8CCB22B58BC6}" sibTransId="{C22AB26E-96B3-8342-AE63-5E66FDDD4150}"/>
+    <dgm:cxn modelId="{0D1E3AAE-E5C6-CF4D-98D3-CF3536245080}" type="presOf" srcId="{923697BF-AB74-0542-972E-DDF74DC28411}" destId="{45824C31-6D80-4C48-B797-E3C90341C09A}" srcOrd="0" destOrd="0" presId="urn:microsoft.com/office/officeart/2005/8/layout/chevron1"/>
+    <dgm:cxn modelId="{34FD9CB1-CC68-E147-8564-95AC53E4B571}" srcId="{29BD3F7E-2630-E548-8A65-62FCBBF410AA}" destId="{24CDDCDB-9C5D-A946-BECF-EBCFEB3B1F5A}" srcOrd="3" destOrd="0" parTransId="{9A1422D9-769B-0946-824A-E9003685347C}" sibTransId="{7D2A9806-B087-D246-84AE-F016B2AA494B}"/>
+    <dgm:cxn modelId="{D22D9BCE-7ED5-5B4D-B296-39A3E01E27DF}" type="presOf" srcId="{C2862AA1-9EED-9A47-ACC9-73EB7BF82787}" destId="{0C06E18B-B76B-4A4A-B3EE-7EAA091CBBBA}" srcOrd="0" destOrd="0" presId="urn:microsoft.com/office/officeart/2005/8/layout/chevron1"/>
+    <dgm:cxn modelId="{2C7D16F7-3978-2448-B832-BA1BC685C1C3}" type="presOf" srcId="{3620D992-3064-A54A-8ED0-7E5321871015}" destId="{7ADB9F30-7A98-C44D-A932-224624BEEBDD}" srcOrd="0" destOrd="0" presId="urn:microsoft.com/office/officeart/2005/8/layout/chevron1"/>
+    <dgm:cxn modelId="{D17583FA-5C5E-CD46-BE13-8373921B9C73}" type="presOf" srcId="{29BD3F7E-2630-E548-8A65-62FCBBF410AA}" destId="{69DE4C04-2356-3044-952D-CB0BA867DF0B}" srcOrd="0" destOrd="0" presId="urn:microsoft.com/office/officeart/2005/8/layout/chevron1"/>
+    <dgm:cxn modelId="{532DE381-DF1C-3E4F-A93A-1EE9773636E8}" type="presParOf" srcId="{69DE4C04-2356-3044-952D-CB0BA867DF0B}" destId="{0C06E18B-B76B-4A4A-B3EE-7EAA091CBBBA}" srcOrd="0" destOrd="0" presId="urn:microsoft.com/office/officeart/2005/8/layout/chevron1"/>
+    <dgm:cxn modelId="{27B1497C-9AA9-2F4E-BCDC-31850149A178}" type="presParOf" srcId="{69DE4C04-2356-3044-952D-CB0BA867DF0B}" destId="{DDB8718E-44E4-FB48-B656-DE498258D3C2}" srcOrd="1" destOrd="0" presId="urn:microsoft.com/office/officeart/2005/8/layout/chevron1"/>
+    <dgm:cxn modelId="{C3F24B72-7D8B-6943-AF1F-7E5E81D00AFB}" type="presParOf" srcId="{69DE4C04-2356-3044-952D-CB0BA867DF0B}" destId="{45824C31-6D80-4C48-B797-E3C90341C09A}" srcOrd="2" destOrd="0" presId="urn:microsoft.com/office/officeart/2005/8/layout/chevron1"/>
+    <dgm:cxn modelId="{C535A8DB-6D60-0A43-B34A-B8921F046DB0}" type="presParOf" srcId="{69DE4C04-2356-3044-952D-CB0BA867DF0B}" destId="{540454BA-69CC-684B-A25D-6BF28918F561}" srcOrd="3" destOrd="0" presId="urn:microsoft.com/office/officeart/2005/8/layout/chevron1"/>
+    <dgm:cxn modelId="{9E1223DE-93F4-AF4A-B396-BC7AFF19B552}" type="presParOf" srcId="{69DE4C04-2356-3044-952D-CB0BA867DF0B}" destId="{ACA1F246-0026-1B4D-A114-B410373FE2F8}" srcOrd="4" destOrd="0" presId="urn:microsoft.com/office/officeart/2005/8/layout/chevron1"/>
+    <dgm:cxn modelId="{7D9F9938-3241-FA4E-834A-BD42DC93AF0F}" type="presParOf" srcId="{69DE4C04-2356-3044-952D-CB0BA867DF0B}" destId="{87D787E5-11F7-CE42-9F46-C4F59C63540E}" srcOrd="5" destOrd="0" presId="urn:microsoft.com/office/officeart/2005/8/layout/chevron1"/>
+    <dgm:cxn modelId="{6637CA62-B5E8-F349-B249-37A0951F5D84}" type="presParOf" srcId="{69DE4C04-2356-3044-952D-CB0BA867DF0B}" destId="{E190B048-96E3-B94A-9CA0-4E21CC1280C7}" srcOrd="6" destOrd="0" presId="urn:microsoft.com/office/officeart/2005/8/layout/chevron1"/>
+    <dgm:cxn modelId="{14EBE29D-C5E7-EE47-AFD6-B9FBC2C8FA65}" type="presParOf" srcId="{69DE4C04-2356-3044-952D-CB0BA867DF0B}" destId="{22A8B165-745B-C440-B7DA-990034160FC0}" srcOrd="7" destOrd="0" presId="urn:microsoft.com/office/officeart/2005/8/layout/chevron1"/>
+    <dgm:cxn modelId="{419451E3-992D-224D-BFA7-0C37258F6B9F}" type="presParOf" srcId="{69DE4C04-2356-3044-952D-CB0BA867DF0B}" destId="{75209486-6C41-3B45-AB19-0AB8068209F3}" srcOrd="8" destOrd="0" presId="urn:microsoft.com/office/officeart/2005/8/layout/chevron1"/>
+    <dgm:cxn modelId="{B44150E5-7CA7-1147-8434-CDF421BE4099}" type="presParOf" srcId="{69DE4C04-2356-3044-952D-CB0BA867DF0B}" destId="{2681C045-5704-3842-9104-6033C189E856}" srcOrd="9" destOrd="0" presId="urn:microsoft.com/office/officeart/2005/8/layout/chevron1"/>
+    <dgm:cxn modelId="{DF9F0DF0-5DC2-9A42-BAF3-1D0BC2435A82}" type="presParOf" srcId="{69DE4C04-2356-3044-952D-CB0BA867DF0B}" destId="{7ADB9F30-7A98-C44D-A932-224624BEEBDD}" srcOrd="10" destOrd="0" presId="urn:microsoft.com/office/officeart/2005/8/layout/chevron1"/>
+  </dgm:cxnLst>
+  <dgm:bg/>
+  <dgm:whole/>
+  <dgm:extLst>
+    <a:ext uri="http://schemas.microsoft.com/office/drawing/2008/diagram">
+      <dsp:dataModelExt xmlns:dsp="http://schemas.microsoft.com/office/drawing/2008/diagram" relId="rId7" minVer="http://schemas.openxmlformats.org/drawingml/2006/diagram"/>
+    </a:ext>
+  </dgm:extLst>
+</dgm:dataModel>
+</file>
+
+<file path=ppt/diagrams/data11.xml><?xml version="1.0" encoding="utf-8"?>
+<dgm:dataModel xmlns:dgm="http://schemas.openxmlformats.org/drawingml/2006/diagram" xmlns:a="http://schemas.openxmlformats.org/drawingml/2006/main">
+  <dgm:ptLst>
+    <dgm:pt modelId="{29BD3F7E-2630-E548-8A65-62FCBBF410AA}" type="doc">
+      <dgm:prSet loTypeId="urn:microsoft.com/office/officeart/2005/8/layout/chevron1" loCatId="" qsTypeId="urn:microsoft.com/office/officeart/2005/8/quickstyle/simple1" qsCatId="simple" csTypeId="urn:microsoft.com/office/officeart/2005/8/colors/accent1_2" csCatId="accent1" phldr="1"/>
+      <dgm:spPr/>
+    </dgm:pt>
+    <dgm:pt modelId="{C2862AA1-9EED-9A47-ACC9-73EB7BF82787}">
+      <dgm:prSet phldrT="[Text]"/>
+      <dgm:spPr>
+        <a:solidFill>
+          <a:srgbClr val="4472C4">
+            <a:alpha val="25098"/>
+          </a:srgbClr>
+        </a:solidFill>
+      </dgm:spPr>
+      <dgm:t>
+        <a:bodyPr/>
+        <a:lstStyle/>
+        <a:p>
+          <a:r>
+            <a:rPr lang="en-US" dirty="0">
+              <a:solidFill>
+                <a:sysClr val="windowText" lastClr="000000"/>
+              </a:solidFill>
+              <a:latin typeface="Fira Sans Condensed Medium" panose="020B0603050000020004" pitchFamily="34" charset="0"/>
+            </a:rPr>
+            <a:t>Attributes &amp; Levels </a:t>
+          </a:r>
+        </a:p>
+      </dgm:t>
+    </dgm:pt>
+    <dgm:pt modelId="{61806FA1-DD66-B048-BF9F-56E6B4C1EEF2}" type="parTrans" cxnId="{44BC8129-F7D7-CC41-9F6E-18056FFD9FD3}">
+      <dgm:prSet/>
+      <dgm:spPr/>
+      <dgm:t>
+        <a:bodyPr/>
+        <a:lstStyle/>
+        <a:p>
+          <a:endParaRPr lang="en-US"/>
+        </a:p>
+      </dgm:t>
+    </dgm:pt>
+    <dgm:pt modelId="{F2CFB00A-9F6C-8745-A38E-952BF2130689}" type="sibTrans" cxnId="{44BC8129-F7D7-CC41-9F6E-18056FFD9FD3}">
+      <dgm:prSet/>
+      <dgm:spPr/>
+      <dgm:t>
+        <a:bodyPr/>
+        <a:lstStyle/>
+        <a:p>
+          <a:endParaRPr lang="en-US"/>
+        </a:p>
+      </dgm:t>
+    </dgm:pt>
+    <dgm:pt modelId="{923697BF-AB74-0542-972E-DDF74DC28411}">
+      <dgm:prSet/>
+      <dgm:spPr>
+        <a:solidFill>
+          <a:srgbClr val="4472C4">
+            <a:alpha val="25098"/>
+          </a:srgbClr>
+        </a:solidFill>
+      </dgm:spPr>
+      <dgm:t>
+        <a:bodyPr/>
+        <a:lstStyle/>
+        <a:p>
+          <a:r>
+            <a:rPr lang="en-US" dirty="0">
+              <a:solidFill>
+                <a:sysClr val="windowText" lastClr="000000"/>
+              </a:solidFill>
+              <a:latin typeface="Fira Sans Condensed Medium" panose="020B0603050000020004" pitchFamily="34" charset="0"/>
+            </a:rPr>
+            <a:t>Generate Profiles </a:t>
+          </a:r>
+        </a:p>
+      </dgm:t>
+    </dgm:pt>
+    <dgm:pt modelId="{7CA96F39-E855-0F47-8777-7A37E0BDD8A3}" type="parTrans" cxnId="{F789E21A-7C91-9B49-B24F-D2CDB97A1C9B}">
+      <dgm:prSet/>
+      <dgm:spPr/>
+      <dgm:t>
+        <a:bodyPr/>
+        <a:lstStyle/>
+        <a:p>
+          <a:endParaRPr lang="en-US"/>
+        </a:p>
+      </dgm:t>
+    </dgm:pt>
+    <dgm:pt modelId="{6B130EC5-2257-1341-B946-5E10E3E08F09}" type="sibTrans" cxnId="{F789E21A-7C91-9B49-B24F-D2CDB97A1C9B}">
+      <dgm:prSet/>
+      <dgm:spPr/>
+      <dgm:t>
+        <a:bodyPr/>
+        <a:lstStyle/>
+        <a:p>
+          <a:endParaRPr lang="en-US"/>
+        </a:p>
+      </dgm:t>
+    </dgm:pt>
+    <dgm:pt modelId="{C7D02EA6-5655-7346-90D9-7ED189787F31}">
+      <dgm:prSet/>
+      <dgm:spPr>
+        <a:solidFill>
+          <a:srgbClr val="4472C4">
+            <a:alpha val="25098"/>
+          </a:srgbClr>
+        </a:solidFill>
+      </dgm:spPr>
+      <dgm:t>
+        <a:bodyPr/>
+        <a:lstStyle/>
+        <a:p>
+          <a:r>
+            <a:rPr lang="en-US" dirty="0">
+              <a:solidFill>
+                <a:sysClr val="windowText" lastClr="000000"/>
+              </a:solidFill>
+              <a:latin typeface="Fira Sans Condensed Medium" panose="020B0603050000020004" pitchFamily="34" charset="0"/>
+            </a:rPr>
+            <a:t>Generate Design </a:t>
+          </a:r>
+        </a:p>
+      </dgm:t>
+    </dgm:pt>
+    <dgm:pt modelId="{75F438BA-7153-3245-A440-8CCB22B58BC6}" type="parTrans" cxnId="{73828689-A77C-D044-A7EC-AC55525FFD17}">
+      <dgm:prSet/>
+      <dgm:spPr/>
+      <dgm:t>
+        <a:bodyPr/>
+        <a:lstStyle/>
+        <a:p>
+          <a:endParaRPr lang="en-US"/>
+        </a:p>
+      </dgm:t>
+    </dgm:pt>
+    <dgm:pt modelId="{C22AB26E-96B3-8342-AE63-5E66FDDD4150}" type="sibTrans" cxnId="{73828689-A77C-D044-A7EC-AC55525FFD17}">
+      <dgm:prSet/>
+      <dgm:spPr/>
+      <dgm:t>
+        <a:bodyPr/>
+        <a:lstStyle/>
+        <a:p>
+          <a:endParaRPr lang="en-US"/>
+        </a:p>
+      </dgm:t>
+    </dgm:pt>
+    <dgm:pt modelId="{24CDDCDB-9C5D-A946-BECF-EBCFEB3B1F5A}">
+      <dgm:prSet/>
+      <dgm:spPr>
+        <a:solidFill>
+          <a:srgbClr val="4472C4">
+            <a:alpha val="25098"/>
+          </a:srgbClr>
+        </a:solidFill>
+      </dgm:spPr>
+      <dgm:t>
+        <a:bodyPr/>
+        <a:lstStyle/>
+        <a:p>
+          <a:r>
+            <a:rPr lang="en-US" dirty="0">
+              <a:solidFill>
+                <a:sysClr val="windowText" lastClr="000000"/>
+              </a:solidFill>
+              <a:latin typeface="Fira Sans Condensed Medium" panose="020B0603050000020004" pitchFamily="34" charset="0"/>
+            </a:rPr>
+            <a:t>Inspect Design</a:t>
+          </a:r>
+        </a:p>
+      </dgm:t>
+    </dgm:pt>
+    <dgm:pt modelId="{9A1422D9-769B-0946-824A-E9003685347C}" type="parTrans" cxnId="{34FD9CB1-CC68-E147-8564-95AC53E4B571}">
+      <dgm:prSet/>
+      <dgm:spPr/>
+      <dgm:t>
+        <a:bodyPr/>
+        <a:lstStyle/>
+        <a:p>
+          <a:endParaRPr lang="en-US"/>
+        </a:p>
+      </dgm:t>
+    </dgm:pt>
+    <dgm:pt modelId="{7D2A9806-B087-D246-84AE-F016B2AA494B}" type="sibTrans" cxnId="{34FD9CB1-CC68-E147-8564-95AC53E4B571}">
+      <dgm:prSet/>
+      <dgm:spPr/>
+      <dgm:t>
+        <a:bodyPr/>
+        <a:lstStyle/>
+        <a:p>
+          <a:endParaRPr lang="en-US"/>
+        </a:p>
+      </dgm:t>
+    </dgm:pt>
+    <dgm:pt modelId="{B68F0F89-D534-0446-9A8A-96E99CF8DBE8}">
+      <dgm:prSet/>
+      <dgm:spPr>
+        <a:solidFill>
+          <a:srgbClr val="4472C4">
+            <a:alpha val="25098"/>
+          </a:srgbClr>
+        </a:solidFill>
+      </dgm:spPr>
+      <dgm:t>
+        <a:bodyPr/>
+        <a:lstStyle/>
+        <a:p>
+          <a:r>
+            <a:rPr lang="en-US" dirty="0">
+              <a:solidFill>
+                <a:sysClr val="windowText" lastClr="000000"/>
+              </a:solidFill>
+              <a:latin typeface="Fira Sans Condensed Medium" panose="020B0603050000020004" pitchFamily="34" charset="0"/>
+            </a:rPr>
+            <a:t>Simulate Choices</a:t>
+          </a:r>
+        </a:p>
+      </dgm:t>
+    </dgm:pt>
+    <dgm:pt modelId="{BA7F4EC5-659E-994E-A744-94C17453502A}" type="parTrans" cxnId="{94716A16-8192-684F-A8F5-2A8260C75779}">
+      <dgm:prSet/>
+      <dgm:spPr/>
+      <dgm:t>
+        <a:bodyPr/>
+        <a:lstStyle/>
+        <a:p>
+          <a:endParaRPr lang="en-US"/>
+        </a:p>
+      </dgm:t>
+    </dgm:pt>
+    <dgm:pt modelId="{EDD97A39-14E4-D943-B089-8B2916F6C14A}" type="sibTrans" cxnId="{94716A16-8192-684F-A8F5-2A8260C75779}">
+      <dgm:prSet/>
+      <dgm:spPr/>
+      <dgm:t>
+        <a:bodyPr/>
+        <a:lstStyle/>
+        <a:p>
+          <a:endParaRPr lang="en-US"/>
+        </a:p>
+      </dgm:t>
+    </dgm:pt>
+    <dgm:pt modelId="{3620D992-3064-A54A-8ED0-7E5321871015}">
+      <dgm:prSet/>
+      <dgm:spPr>
+        <a:solidFill>
+          <a:srgbClr val="4472C4">
+            <a:alpha val="25098"/>
+          </a:srgbClr>
+        </a:solidFill>
+      </dgm:spPr>
+      <dgm:t>
+        <a:bodyPr/>
+        <a:lstStyle/>
+        <a:p>
+          <a:r>
+            <a:rPr lang="en-US" dirty="0">
+              <a:solidFill>
+                <a:sysClr val="windowText" lastClr="000000"/>
+              </a:solidFill>
+              <a:latin typeface="Fira Sans Condensed Medium" panose="020B0603050000020004" pitchFamily="34" charset="0"/>
+            </a:rPr>
+            <a:t>Assess Power</a:t>
+          </a:r>
+        </a:p>
+      </dgm:t>
+    </dgm:pt>
+    <dgm:pt modelId="{5A20EF8E-4960-AF46-9D63-9A3C01396538}" type="parTrans" cxnId="{1D166048-232F-6C4F-8454-0B166FDD169E}">
+      <dgm:prSet/>
+      <dgm:spPr/>
+      <dgm:t>
+        <a:bodyPr/>
+        <a:lstStyle/>
+        <a:p>
+          <a:endParaRPr lang="en-US"/>
+        </a:p>
+      </dgm:t>
+    </dgm:pt>
+    <dgm:pt modelId="{B5B88691-25AF-9A41-BFA7-019D30F08E41}" type="sibTrans" cxnId="{1D166048-232F-6C4F-8454-0B166FDD169E}">
+      <dgm:prSet/>
+      <dgm:spPr/>
+      <dgm:t>
+        <a:bodyPr/>
+        <a:lstStyle/>
+        <a:p>
+          <a:endParaRPr lang="en-US"/>
+        </a:p>
+      </dgm:t>
+    </dgm:pt>
+    <dgm:pt modelId="{69DE4C04-2356-3044-952D-CB0BA867DF0B}" type="pres">
+      <dgm:prSet presAssocID="{29BD3F7E-2630-E548-8A65-62FCBBF410AA}" presName="Name0" presStyleCnt="0">
+        <dgm:presLayoutVars>
+          <dgm:dir/>
+          <dgm:animLvl val="lvl"/>
+          <dgm:resizeHandles val="exact"/>
+        </dgm:presLayoutVars>
+      </dgm:prSet>
+      <dgm:spPr/>
+    </dgm:pt>
+    <dgm:pt modelId="{0C06E18B-B76B-4A4A-B3EE-7EAA091CBBBA}" type="pres">
+      <dgm:prSet presAssocID="{C2862AA1-9EED-9A47-ACC9-73EB7BF82787}" presName="parTxOnly" presStyleLbl="node1" presStyleIdx="0" presStyleCnt="6">
+        <dgm:presLayoutVars>
+          <dgm:chMax val="0"/>
+          <dgm:chPref val="0"/>
+          <dgm:bulletEnabled val="1"/>
+        </dgm:presLayoutVars>
+      </dgm:prSet>
+      <dgm:spPr/>
+    </dgm:pt>
+    <dgm:pt modelId="{DDB8718E-44E4-FB48-B656-DE498258D3C2}" type="pres">
+      <dgm:prSet presAssocID="{F2CFB00A-9F6C-8745-A38E-952BF2130689}" presName="parTxOnlySpace" presStyleCnt="0"/>
+      <dgm:spPr/>
+    </dgm:pt>
+    <dgm:pt modelId="{45824C31-6D80-4C48-B797-E3C90341C09A}" type="pres">
+      <dgm:prSet presAssocID="{923697BF-AB74-0542-972E-DDF74DC28411}" presName="parTxOnly" presStyleLbl="node1" presStyleIdx="1" presStyleCnt="6">
+        <dgm:presLayoutVars>
+          <dgm:chMax val="0"/>
+          <dgm:chPref val="0"/>
+          <dgm:bulletEnabled val="1"/>
+        </dgm:presLayoutVars>
+      </dgm:prSet>
+      <dgm:spPr/>
+    </dgm:pt>
+    <dgm:pt modelId="{540454BA-69CC-684B-A25D-6BF28918F561}" type="pres">
+      <dgm:prSet presAssocID="{6B130EC5-2257-1341-B946-5E10E3E08F09}" presName="parTxOnlySpace" presStyleCnt="0"/>
+      <dgm:spPr/>
+    </dgm:pt>
+    <dgm:pt modelId="{ACA1F246-0026-1B4D-A114-B410373FE2F8}" type="pres">
+      <dgm:prSet presAssocID="{C7D02EA6-5655-7346-90D9-7ED189787F31}" presName="parTxOnly" presStyleLbl="node1" presStyleIdx="2" presStyleCnt="6">
+        <dgm:presLayoutVars>
+          <dgm:chMax val="0"/>
+          <dgm:chPref val="0"/>
+          <dgm:bulletEnabled val="1"/>
+        </dgm:presLayoutVars>
+      </dgm:prSet>
+      <dgm:spPr/>
+    </dgm:pt>
+    <dgm:pt modelId="{87D787E5-11F7-CE42-9F46-C4F59C63540E}" type="pres">
+      <dgm:prSet presAssocID="{C22AB26E-96B3-8342-AE63-5E66FDDD4150}" presName="parTxOnlySpace" presStyleCnt="0"/>
+      <dgm:spPr/>
+    </dgm:pt>
+    <dgm:pt modelId="{E190B048-96E3-B94A-9CA0-4E21CC1280C7}" type="pres">
+      <dgm:prSet presAssocID="{24CDDCDB-9C5D-A946-BECF-EBCFEB3B1F5A}" presName="parTxOnly" presStyleLbl="node1" presStyleIdx="3" presStyleCnt="6">
+        <dgm:presLayoutVars>
+          <dgm:chMax val="0"/>
+          <dgm:chPref val="0"/>
+          <dgm:bulletEnabled val="1"/>
+        </dgm:presLayoutVars>
+      </dgm:prSet>
+      <dgm:spPr/>
+    </dgm:pt>
+    <dgm:pt modelId="{22A8B165-745B-C440-B7DA-990034160FC0}" type="pres">
+      <dgm:prSet presAssocID="{7D2A9806-B087-D246-84AE-F016B2AA494B}" presName="parTxOnlySpace" presStyleCnt="0"/>
+      <dgm:spPr/>
+    </dgm:pt>
+    <dgm:pt modelId="{75209486-6C41-3B45-AB19-0AB8068209F3}" type="pres">
+      <dgm:prSet presAssocID="{B68F0F89-D534-0446-9A8A-96E99CF8DBE8}" presName="parTxOnly" presStyleLbl="node1" presStyleIdx="4" presStyleCnt="6">
+        <dgm:presLayoutVars>
+          <dgm:chMax val="0"/>
+          <dgm:chPref val="0"/>
+          <dgm:bulletEnabled val="1"/>
+        </dgm:presLayoutVars>
+      </dgm:prSet>
+      <dgm:spPr/>
+    </dgm:pt>
+    <dgm:pt modelId="{2681C045-5704-3842-9104-6033C189E856}" type="pres">
+      <dgm:prSet presAssocID="{EDD97A39-14E4-D943-B089-8B2916F6C14A}" presName="parTxOnlySpace" presStyleCnt="0"/>
+      <dgm:spPr/>
+    </dgm:pt>
+    <dgm:pt modelId="{7ADB9F30-7A98-C44D-A932-224624BEEBDD}" type="pres">
+      <dgm:prSet presAssocID="{3620D992-3064-A54A-8ED0-7E5321871015}" presName="parTxOnly" presStyleLbl="node1" presStyleIdx="5" presStyleCnt="6">
+        <dgm:presLayoutVars>
+          <dgm:chMax val="0"/>
+          <dgm:chPref val="0"/>
+          <dgm:bulletEnabled val="1"/>
+        </dgm:presLayoutVars>
+      </dgm:prSet>
+      <dgm:spPr/>
+    </dgm:pt>
+  </dgm:ptLst>
+  <dgm:cxnLst>
+    <dgm:cxn modelId="{6BEA2415-132C-BD42-B6E3-150A8CA91805}" type="presOf" srcId="{24CDDCDB-9C5D-A946-BECF-EBCFEB3B1F5A}" destId="{E190B048-96E3-B94A-9CA0-4E21CC1280C7}" srcOrd="0" destOrd="0" presId="urn:microsoft.com/office/officeart/2005/8/layout/chevron1"/>
+    <dgm:cxn modelId="{94716A16-8192-684F-A8F5-2A8260C75779}" srcId="{29BD3F7E-2630-E548-8A65-62FCBBF410AA}" destId="{B68F0F89-D534-0446-9A8A-96E99CF8DBE8}" srcOrd="4" destOrd="0" parTransId="{BA7F4EC5-659E-994E-A744-94C17453502A}" sibTransId="{EDD97A39-14E4-D943-B089-8B2916F6C14A}"/>
+    <dgm:cxn modelId="{F789E21A-7C91-9B49-B24F-D2CDB97A1C9B}" srcId="{29BD3F7E-2630-E548-8A65-62FCBBF410AA}" destId="{923697BF-AB74-0542-972E-DDF74DC28411}" srcOrd="1" destOrd="0" parTransId="{7CA96F39-E855-0F47-8777-7A37E0BDD8A3}" sibTransId="{6B130EC5-2257-1341-B946-5E10E3E08F09}"/>
+    <dgm:cxn modelId="{44BC8129-F7D7-CC41-9F6E-18056FFD9FD3}" srcId="{29BD3F7E-2630-E548-8A65-62FCBBF410AA}" destId="{C2862AA1-9EED-9A47-ACC9-73EB7BF82787}" srcOrd="0" destOrd="0" parTransId="{61806FA1-DD66-B048-BF9F-56E6B4C1EEF2}" sibTransId="{F2CFB00A-9F6C-8745-A38E-952BF2130689}"/>
+    <dgm:cxn modelId="{1D166048-232F-6C4F-8454-0B166FDD169E}" srcId="{29BD3F7E-2630-E548-8A65-62FCBBF410AA}" destId="{3620D992-3064-A54A-8ED0-7E5321871015}" srcOrd="5" destOrd="0" parTransId="{5A20EF8E-4960-AF46-9D63-9A3C01396538}" sibTransId="{B5B88691-25AF-9A41-BFA7-019D30F08E41}"/>
+    <dgm:cxn modelId="{D0C3545F-D42A-4C4B-BD39-F1A58526E7FD}" type="presOf" srcId="{C7D02EA6-5655-7346-90D9-7ED189787F31}" destId="{ACA1F246-0026-1B4D-A114-B410373FE2F8}" srcOrd="0" destOrd="0" presId="urn:microsoft.com/office/officeart/2005/8/layout/chevron1"/>
+    <dgm:cxn modelId="{32C2BA77-6997-D243-BD66-40AC0D41499C}" type="presOf" srcId="{B68F0F89-D534-0446-9A8A-96E99CF8DBE8}" destId="{75209486-6C41-3B45-AB19-0AB8068209F3}" srcOrd="0" destOrd="0" presId="urn:microsoft.com/office/officeart/2005/8/layout/chevron1"/>
+    <dgm:cxn modelId="{73828689-A77C-D044-A7EC-AC55525FFD17}" srcId="{29BD3F7E-2630-E548-8A65-62FCBBF410AA}" destId="{C7D02EA6-5655-7346-90D9-7ED189787F31}" srcOrd="2" destOrd="0" parTransId="{75F438BA-7153-3245-A440-8CCB22B58BC6}" sibTransId="{C22AB26E-96B3-8342-AE63-5E66FDDD4150}"/>
+    <dgm:cxn modelId="{0D1E3AAE-E5C6-CF4D-98D3-CF3536245080}" type="presOf" srcId="{923697BF-AB74-0542-972E-DDF74DC28411}" destId="{45824C31-6D80-4C48-B797-E3C90341C09A}" srcOrd="0" destOrd="0" presId="urn:microsoft.com/office/officeart/2005/8/layout/chevron1"/>
+    <dgm:cxn modelId="{34FD9CB1-CC68-E147-8564-95AC53E4B571}" srcId="{29BD3F7E-2630-E548-8A65-62FCBBF410AA}" destId="{24CDDCDB-9C5D-A946-BECF-EBCFEB3B1F5A}" srcOrd="3" destOrd="0" parTransId="{9A1422D9-769B-0946-824A-E9003685347C}" sibTransId="{7D2A9806-B087-D246-84AE-F016B2AA494B}"/>
+    <dgm:cxn modelId="{D22D9BCE-7ED5-5B4D-B296-39A3E01E27DF}" type="presOf" srcId="{C2862AA1-9EED-9A47-ACC9-73EB7BF82787}" destId="{0C06E18B-B76B-4A4A-B3EE-7EAA091CBBBA}" srcOrd="0" destOrd="0" presId="urn:microsoft.com/office/officeart/2005/8/layout/chevron1"/>
+    <dgm:cxn modelId="{2C7D16F7-3978-2448-B832-BA1BC685C1C3}" type="presOf" srcId="{3620D992-3064-A54A-8ED0-7E5321871015}" destId="{7ADB9F30-7A98-C44D-A932-224624BEEBDD}" srcOrd="0" destOrd="0" presId="urn:microsoft.com/office/officeart/2005/8/layout/chevron1"/>
+    <dgm:cxn modelId="{D17583FA-5C5E-CD46-BE13-8373921B9C73}" type="presOf" srcId="{29BD3F7E-2630-E548-8A65-62FCBBF410AA}" destId="{69DE4C04-2356-3044-952D-CB0BA867DF0B}" srcOrd="0" destOrd="0" presId="urn:microsoft.com/office/officeart/2005/8/layout/chevron1"/>
+    <dgm:cxn modelId="{532DE381-DF1C-3E4F-A93A-1EE9773636E8}" type="presParOf" srcId="{69DE4C04-2356-3044-952D-CB0BA867DF0B}" destId="{0C06E18B-B76B-4A4A-B3EE-7EAA091CBBBA}" srcOrd="0" destOrd="0" presId="urn:microsoft.com/office/officeart/2005/8/layout/chevron1"/>
+    <dgm:cxn modelId="{27B1497C-9AA9-2F4E-BCDC-31850149A178}" type="presParOf" srcId="{69DE4C04-2356-3044-952D-CB0BA867DF0B}" destId="{DDB8718E-44E4-FB48-B656-DE498258D3C2}" srcOrd="1" destOrd="0" presId="urn:microsoft.com/office/officeart/2005/8/layout/chevron1"/>
+    <dgm:cxn modelId="{C3F24B72-7D8B-6943-AF1F-7E5E81D00AFB}" type="presParOf" srcId="{69DE4C04-2356-3044-952D-CB0BA867DF0B}" destId="{45824C31-6D80-4C48-B797-E3C90341C09A}" srcOrd="2" destOrd="0" presId="urn:microsoft.com/office/officeart/2005/8/layout/chevron1"/>
+    <dgm:cxn modelId="{C535A8DB-6D60-0A43-B34A-B8921F046DB0}" type="presParOf" srcId="{69DE4C04-2356-3044-952D-CB0BA867DF0B}" destId="{540454BA-69CC-684B-A25D-6BF28918F561}" srcOrd="3" destOrd="0" presId="urn:microsoft.com/office/officeart/2005/8/layout/chevron1"/>
+    <dgm:cxn modelId="{9E1223DE-93F4-AF4A-B396-BC7AFF19B552}" type="presParOf" srcId="{69DE4C04-2356-3044-952D-CB0BA867DF0B}" destId="{ACA1F246-0026-1B4D-A114-B410373FE2F8}" srcOrd="4" destOrd="0" presId="urn:microsoft.com/office/officeart/2005/8/layout/chevron1"/>
+    <dgm:cxn modelId="{7D9F9938-3241-FA4E-834A-BD42DC93AF0F}" type="presParOf" srcId="{69DE4C04-2356-3044-952D-CB0BA867DF0B}" destId="{87D787E5-11F7-CE42-9F46-C4F59C63540E}" srcOrd="5" destOrd="0" presId="urn:microsoft.com/office/officeart/2005/8/layout/chevron1"/>
+    <dgm:cxn modelId="{6637CA62-B5E8-F349-B249-37A0951F5D84}" type="presParOf" srcId="{69DE4C04-2356-3044-952D-CB0BA867DF0B}" destId="{E190B048-96E3-B94A-9CA0-4E21CC1280C7}" srcOrd="6" destOrd="0" presId="urn:microsoft.com/office/officeart/2005/8/layout/chevron1"/>
+    <dgm:cxn modelId="{14EBE29D-C5E7-EE47-AFD6-B9FBC2C8FA65}" type="presParOf" srcId="{69DE4C04-2356-3044-952D-CB0BA867DF0B}" destId="{22A8B165-745B-C440-B7DA-990034160FC0}" srcOrd="7" destOrd="0" presId="urn:microsoft.com/office/officeart/2005/8/layout/chevron1"/>
+    <dgm:cxn modelId="{419451E3-992D-224D-BFA7-0C37258F6B9F}" type="presParOf" srcId="{69DE4C04-2356-3044-952D-CB0BA867DF0B}" destId="{75209486-6C41-3B45-AB19-0AB8068209F3}" srcOrd="8" destOrd="0" presId="urn:microsoft.com/office/officeart/2005/8/layout/chevron1"/>
+    <dgm:cxn modelId="{B44150E5-7CA7-1147-8434-CDF421BE4099}" type="presParOf" srcId="{69DE4C04-2356-3044-952D-CB0BA867DF0B}" destId="{2681C045-5704-3842-9104-6033C189E856}" srcOrd="9" destOrd="0" presId="urn:microsoft.com/office/officeart/2005/8/layout/chevron1"/>
+    <dgm:cxn modelId="{DF9F0DF0-5DC2-9A42-BAF3-1D0BC2435A82}" type="presParOf" srcId="{69DE4C04-2356-3044-952D-CB0BA867DF0B}" destId="{7ADB9F30-7A98-C44D-A932-224624BEEBDD}" srcOrd="10" destOrd="0" presId="urn:microsoft.com/office/officeart/2005/8/layout/chevron1"/>
+  </dgm:cxnLst>
+  <dgm:bg/>
+  <dgm:whole/>
+  <dgm:extLst>
+    <a:ext uri="http://schemas.microsoft.com/office/drawing/2008/diagram">
+      <dsp:dataModelExt xmlns:dsp="http://schemas.microsoft.com/office/drawing/2008/diagram" relId="rId7" minVer="http://schemas.openxmlformats.org/drawingml/2006/diagram"/>
     </a:ext>
   </dgm:extLst>
 </dgm:dataModel>
@@ -11232,6 +13554,984 @@
       <dsp:txXfrm>
         <a:off x="2973170" y="3400235"/>
         <a:ext cx="912056" cy="343964"/>
+      </dsp:txXfrm>
+    </dsp:sp>
+  </dsp:spTree>
+</dsp:drawing>
+</file>
+
+<file path=ppt/diagrams/drawing10.xml><?xml version="1.0" encoding="utf-8"?>
+<dsp:drawing xmlns:dgm="http://schemas.openxmlformats.org/drawingml/2006/diagram" xmlns:dsp="http://schemas.microsoft.com/office/drawing/2008/diagram" xmlns:a="http://schemas.openxmlformats.org/drawingml/2006/main">
+  <dsp:spTree>
+    <dsp:nvGrpSpPr>
+      <dsp:cNvPr id="0" name=""/>
+      <dsp:cNvGrpSpPr/>
+    </dsp:nvGrpSpPr>
+    <dsp:grpSpPr/>
+    <dsp:sp modelId="{0C06E18B-B76B-4A4A-B3EE-7EAA091CBBBA}">
+      <dsp:nvSpPr>
+        <dsp:cNvPr id="0" name=""/>
+        <dsp:cNvSpPr/>
+      </dsp:nvSpPr>
+      <dsp:spPr>
+        <a:xfrm>
+          <a:off x="5063" y="850498"/>
+          <a:ext cx="1883650" cy="753460"/>
+        </a:xfrm>
+        <a:prstGeom prst="chevron">
+          <a:avLst/>
+        </a:prstGeom>
+        <a:solidFill>
+          <a:srgbClr val="4472C4">
+            <a:alpha val="25098"/>
+          </a:srgbClr>
+        </a:solidFill>
+        <a:ln w="12700" cap="flat" cmpd="sng" algn="ctr">
+          <a:solidFill>
+            <a:schemeClr val="lt1">
+              <a:hueOff val="0"/>
+              <a:satOff val="0"/>
+              <a:lumOff val="0"/>
+              <a:alphaOff val="0"/>
+            </a:schemeClr>
+          </a:solidFill>
+          <a:prstDash val="solid"/>
+          <a:miter lim="800000"/>
+        </a:ln>
+        <a:effectLst/>
+      </dsp:spPr>
+      <dsp:style>
+        <a:lnRef idx="2">
+          <a:scrgbClr r="0" g="0" b="0"/>
+        </a:lnRef>
+        <a:fillRef idx="1">
+          <a:scrgbClr r="0" g="0" b="0"/>
+        </a:fillRef>
+        <a:effectRef idx="0">
+          <a:scrgbClr r="0" g="0" b="0"/>
+        </a:effectRef>
+        <a:fontRef idx="minor">
+          <a:schemeClr val="lt1"/>
+        </a:fontRef>
+      </dsp:style>
+      <dsp:txBody>
+        <a:bodyPr spcFirstLastPara="0" vert="horz" wrap="square" lIns="76010" tIns="25337" rIns="25337" bIns="25337" numCol="1" spcCol="1270" anchor="ctr" anchorCtr="0">
+          <a:noAutofit/>
+        </a:bodyPr>
+        <a:lstStyle/>
+        <a:p>
+          <a:pPr marL="0" lvl="0" indent="0" algn="ctr" defTabSz="844550">
+            <a:lnSpc>
+              <a:spcPct val="90000"/>
+            </a:lnSpc>
+            <a:spcBef>
+              <a:spcPct val="0"/>
+            </a:spcBef>
+            <a:spcAft>
+              <a:spcPct val="35000"/>
+            </a:spcAft>
+            <a:buNone/>
+          </a:pPr>
+          <a:r>
+            <a:rPr lang="en-US" sz="1900" kern="1200" dirty="0">
+              <a:solidFill>
+                <a:sysClr val="windowText" lastClr="000000"/>
+              </a:solidFill>
+              <a:latin typeface="Fira Sans Condensed Medium" panose="020B0603050000020004" pitchFamily="34" charset="0"/>
+            </a:rPr>
+            <a:t>Attributes &amp; Levels </a:t>
+          </a:r>
+        </a:p>
+      </dsp:txBody>
+      <dsp:txXfrm>
+        <a:off x="381793" y="850498"/>
+        <a:ext cx="1130190" cy="753460"/>
+      </dsp:txXfrm>
+    </dsp:sp>
+    <dsp:sp modelId="{45824C31-6D80-4C48-B797-E3C90341C09A}">
+      <dsp:nvSpPr>
+        <dsp:cNvPr id="0" name=""/>
+        <dsp:cNvSpPr/>
+      </dsp:nvSpPr>
+      <dsp:spPr>
+        <a:xfrm>
+          <a:off x="1700349" y="850498"/>
+          <a:ext cx="1883650" cy="753460"/>
+        </a:xfrm>
+        <a:prstGeom prst="chevron">
+          <a:avLst/>
+        </a:prstGeom>
+        <a:solidFill>
+          <a:srgbClr val="4472C4">
+            <a:alpha val="25098"/>
+          </a:srgbClr>
+        </a:solidFill>
+        <a:ln w="12700" cap="flat" cmpd="sng" algn="ctr">
+          <a:solidFill>
+            <a:schemeClr val="lt1">
+              <a:hueOff val="0"/>
+              <a:satOff val="0"/>
+              <a:lumOff val="0"/>
+              <a:alphaOff val="0"/>
+            </a:schemeClr>
+          </a:solidFill>
+          <a:prstDash val="solid"/>
+          <a:miter lim="800000"/>
+        </a:ln>
+        <a:effectLst/>
+      </dsp:spPr>
+      <dsp:style>
+        <a:lnRef idx="2">
+          <a:scrgbClr r="0" g="0" b="0"/>
+        </a:lnRef>
+        <a:fillRef idx="1">
+          <a:scrgbClr r="0" g="0" b="0"/>
+        </a:fillRef>
+        <a:effectRef idx="0">
+          <a:scrgbClr r="0" g="0" b="0"/>
+        </a:effectRef>
+        <a:fontRef idx="minor">
+          <a:schemeClr val="lt1"/>
+        </a:fontRef>
+      </dsp:style>
+      <dsp:txBody>
+        <a:bodyPr spcFirstLastPara="0" vert="horz" wrap="square" lIns="76010" tIns="25337" rIns="25337" bIns="25337" numCol="1" spcCol="1270" anchor="ctr" anchorCtr="0">
+          <a:noAutofit/>
+        </a:bodyPr>
+        <a:lstStyle/>
+        <a:p>
+          <a:pPr marL="0" lvl="0" indent="0" algn="ctr" defTabSz="844550">
+            <a:lnSpc>
+              <a:spcPct val="90000"/>
+            </a:lnSpc>
+            <a:spcBef>
+              <a:spcPct val="0"/>
+            </a:spcBef>
+            <a:spcAft>
+              <a:spcPct val="35000"/>
+            </a:spcAft>
+            <a:buNone/>
+          </a:pPr>
+          <a:r>
+            <a:rPr lang="en-US" sz="1900" kern="1200" dirty="0">
+              <a:solidFill>
+                <a:sysClr val="windowText" lastClr="000000"/>
+              </a:solidFill>
+              <a:latin typeface="Fira Sans Condensed Medium" panose="020B0603050000020004" pitchFamily="34" charset="0"/>
+            </a:rPr>
+            <a:t>Generate Profiles </a:t>
+          </a:r>
+        </a:p>
+      </dsp:txBody>
+      <dsp:txXfrm>
+        <a:off x="2077079" y="850498"/>
+        <a:ext cx="1130190" cy="753460"/>
+      </dsp:txXfrm>
+    </dsp:sp>
+    <dsp:sp modelId="{ACA1F246-0026-1B4D-A114-B410373FE2F8}">
+      <dsp:nvSpPr>
+        <dsp:cNvPr id="0" name=""/>
+        <dsp:cNvSpPr/>
+      </dsp:nvSpPr>
+      <dsp:spPr>
+        <a:xfrm>
+          <a:off x="3395635" y="850498"/>
+          <a:ext cx="1883650" cy="753460"/>
+        </a:xfrm>
+        <a:prstGeom prst="chevron">
+          <a:avLst/>
+        </a:prstGeom>
+        <a:solidFill>
+          <a:srgbClr val="4472C4">
+            <a:alpha val="25098"/>
+          </a:srgbClr>
+        </a:solidFill>
+        <a:ln w="12700" cap="flat" cmpd="sng" algn="ctr">
+          <a:solidFill>
+            <a:schemeClr val="lt1">
+              <a:hueOff val="0"/>
+              <a:satOff val="0"/>
+              <a:lumOff val="0"/>
+              <a:alphaOff val="0"/>
+            </a:schemeClr>
+          </a:solidFill>
+          <a:prstDash val="solid"/>
+          <a:miter lim="800000"/>
+        </a:ln>
+        <a:effectLst/>
+      </dsp:spPr>
+      <dsp:style>
+        <a:lnRef idx="2">
+          <a:scrgbClr r="0" g="0" b="0"/>
+        </a:lnRef>
+        <a:fillRef idx="1">
+          <a:scrgbClr r="0" g="0" b="0"/>
+        </a:fillRef>
+        <a:effectRef idx="0">
+          <a:scrgbClr r="0" g="0" b="0"/>
+        </a:effectRef>
+        <a:fontRef idx="minor">
+          <a:schemeClr val="lt1"/>
+        </a:fontRef>
+      </dsp:style>
+      <dsp:txBody>
+        <a:bodyPr spcFirstLastPara="0" vert="horz" wrap="square" lIns="76010" tIns="25337" rIns="25337" bIns="25337" numCol="1" spcCol="1270" anchor="ctr" anchorCtr="0">
+          <a:noAutofit/>
+        </a:bodyPr>
+        <a:lstStyle/>
+        <a:p>
+          <a:pPr marL="0" lvl="0" indent="0" algn="ctr" defTabSz="844550">
+            <a:lnSpc>
+              <a:spcPct val="90000"/>
+            </a:lnSpc>
+            <a:spcBef>
+              <a:spcPct val="0"/>
+            </a:spcBef>
+            <a:spcAft>
+              <a:spcPct val="35000"/>
+            </a:spcAft>
+            <a:buNone/>
+          </a:pPr>
+          <a:r>
+            <a:rPr lang="en-US" sz="1900" kern="1200" dirty="0">
+              <a:solidFill>
+                <a:sysClr val="windowText" lastClr="000000"/>
+              </a:solidFill>
+              <a:latin typeface="Fira Sans Condensed Medium" panose="020B0603050000020004" pitchFamily="34" charset="0"/>
+            </a:rPr>
+            <a:t>Generate Design </a:t>
+          </a:r>
+        </a:p>
+      </dsp:txBody>
+      <dsp:txXfrm>
+        <a:off x="3772365" y="850498"/>
+        <a:ext cx="1130190" cy="753460"/>
+      </dsp:txXfrm>
+    </dsp:sp>
+    <dsp:sp modelId="{E190B048-96E3-B94A-9CA0-4E21CC1280C7}">
+      <dsp:nvSpPr>
+        <dsp:cNvPr id="0" name=""/>
+        <dsp:cNvSpPr/>
+      </dsp:nvSpPr>
+      <dsp:spPr>
+        <a:xfrm>
+          <a:off x="5090920" y="850498"/>
+          <a:ext cx="1883650" cy="753460"/>
+        </a:xfrm>
+        <a:prstGeom prst="chevron">
+          <a:avLst/>
+        </a:prstGeom>
+        <a:solidFill>
+          <a:srgbClr val="4472C4"/>
+        </a:solidFill>
+        <a:ln w="12700" cap="flat" cmpd="sng" algn="ctr">
+          <a:solidFill>
+            <a:schemeClr val="lt1">
+              <a:hueOff val="0"/>
+              <a:satOff val="0"/>
+              <a:lumOff val="0"/>
+              <a:alphaOff val="0"/>
+            </a:schemeClr>
+          </a:solidFill>
+          <a:prstDash val="solid"/>
+          <a:miter lim="800000"/>
+        </a:ln>
+        <a:effectLst/>
+      </dsp:spPr>
+      <dsp:style>
+        <a:lnRef idx="2">
+          <a:scrgbClr r="0" g="0" b="0"/>
+        </a:lnRef>
+        <a:fillRef idx="1">
+          <a:scrgbClr r="0" g="0" b="0"/>
+        </a:fillRef>
+        <a:effectRef idx="0">
+          <a:scrgbClr r="0" g="0" b="0"/>
+        </a:effectRef>
+        <a:fontRef idx="minor">
+          <a:schemeClr val="lt1"/>
+        </a:fontRef>
+      </dsp:style>
+      <dsp:txBody>
+        <a:bodyPr spcFirstLastPara="0" vert="horz" wrap="square" lIns="76010" tIns="25337" rIns="25337" bIns="25337" numCol="1" spcCol="1270" anchor="ctr" anchorCtr="0">
+          <a:noAutofit/>
+        </a:bodyPr>
+        <a:lstStyle/>
+        <a:p>
+          <a:pPr marL="0" lvl="0" indent="0" algn="ctr" defTabSz="844550">
+            <a:lnSpc>
+              <a:spcPct val="90000"/>
+            </a:lnSpc>
+            <a:spcBef>
+              <a:spcPct val="0"/>
+            </a:spcBef>
+            <a:spcAft>
+              <a:spcPct val="35000"/>
+            </a:spcAft>
+            <a:buNone/>
+          </a:pPr>
+          <a:r>
+            <a:rPr lang="en-US" sz="1900" kern="1200" dirty="0">
+              <a:solidFill>
+                <a:schemeClr val="bg1"/>
+              </a:solidFill>
+              <a:latin typeface="Fira Sans Condensed Medium" panose="020B0603050000020004" pitchFamily="34" charset="0"/>
+            </a:rPr>
+            <a:t>Inspect Design</a:t>
+          </a:r>
+        </a:p>
+      </dsp:txBody>
+      <dsp:txXfrm>
+        <a:off x="5467650" y="850498"/>
+        <a:ext cx="1130190" cy="753460"/>
+      </dsp:txXfrm>
+    </dsp:sp>
+    <dsp:sp modelId="{75209486-6C41-3B45-AB19-0AB8068209F3}">
+      <dsp:nvSpPr>
+        <dsp:cNvPr id="0" name=""/>
+        <dsp:cNvSpPr/>
+      </dsp:nvSpPr>
+      <dsp:spPr>
+        <a:xfrm>
+          <a:off x="6786206" y="850498"/>
+          <a:ext cx="1883650" cy="753460"/>
+        </a:xfrm>
+        <a:prstGeom prst="chevron">
+          <a:avLst/>
+        </a:prstGeom>
+        <a:solidFill>
+          <a:srgbClr val="4472C4"/>
+        </a:solidFill>
+        <a:ln w="12700" cap="flat" cmpd="sng" algn="ctr">
+          <a:solidFill>
+            <a:schemeClr val="lt1">
+              <a:hueOff val="0"/>
+              <a:satOff val="0"/>
+              <a:lumOff val="0"/>
+              <a:alphaOff val="0"/>
+            </a:schemeClr>
+          </a:solidFill>
+          <a:prstDash val="solid"/>
+          <a:miter lim="800000"/>
+        </a:ln>
+        <a:effectLst/>
+      </dsp:spPr>
+      <dsp:style>
+        <a:lnRef idx="2">
+          <a:scrgbClr r="0" g="0" b="0"/>
+        </a:lnRef>
+        <a:fillRef idx="1">
+          <a:scrgbClr r="0" g="0" b="0"/>
+        </a:fillRef>
+        <a:effectRef idx="0">
+          <a:scrgbClr r="0" g="0" b="0"/>
+        </a:effectRef>
+        <a:fontRef idx="minor">
+          <a:schemeClr val="lt1"/>
+        </a:fontRef>
+      </dsp:style>
+      <dsp:txBody>
+        <a:bodyPr spcFirstLastPara="0" vert="horz" wrap="square" lIns="76010" tIns="25337" rIns="25337" bIns="25337" numCol="1" spcCol="1270" anchor="ctr" anchorCtr="0">
+          <a:noAutofit/>
+        </a:bodyPr>
+        <a:lstStyle/>
+        <a:p>
+          <a:pPr marL="0" lvl="0" indent="0" algn="ctr" defTabSz="844550">
+            <a:lnSpc>
+              <a:spcPct val="90000"/>
+            </a:lnSpc>
+            <a:spcBef>
+              <a:spcPct val="0"/>
+            </a:spcBef>
+            <a:spcAft>
+              <a:spcPct val="35000"/>
+            </a:spcAft>
+            <a:buNone/>
+          </a:pPr>
+          <a:r>
+            <a:rPr lang="en-US" sz="1900" kern="1200" dirty="0">
+              <a:solidFill>
+                <a:schemeClr val="bg1"/>
+              </a:solidFill>
+              <a:latin typeface="Fira Sans Condensed Medium" panose="020B0603050000020004" pitchFamily="34" charset="0"/>
+            </a:rPr>
+            <a:t>Simulate Choices</a:t>
+          </a:r>
+        </a:p>
+      </dsp:txBody>
+      <dsp:txXfrm>
+        <a:off x="7162936" y="850498"/>
+        <a:ext cx="1130190" cy="753460"/>
+      </dsp:txXfrm>
+    </dsp:sp>
+    <dsp:sp modelId="{7ADB9F30-7A98-C44D-A932-224624BEEBDD}">
+      <dsp:nvSpPr>
+        <dsp:cNvPr id="0" name=""/>
+        <dsp:cNvSpPr/>
+      </dsp:nvSpPr>
+      <dsp:spPr>
+        <a:xfrm>
+          <a:off x="8481492" y="850498"/>
+          <a:ext cx="1883650" cy="753460"/>
+        </a:xfrm>
+        <a:prstGeom prst="chevron">
+          <a:avLst/>
+        </a:prstGeom>
+        <a:solidFill>
+          <a:srgbClr val="4472C4"/>
+        </a:solidFill>
+        <a:ln w="12700" cap="flat" cmpd="sng" algn="ctr">
+          <a:solidFill>
+            <a:schemeClr val="lt1">
+              <a:hueOff val="0"/>
+              <a:satOff val="0"/>
+              <a:lumOff val="0"/>
+              <a:alphaOff val="0"/>
+            </a:schemeClr>
+          </a:solidFill>
+          <a:prstDash val="solid"/>
+          <a:miter lim="800000"/>
+        </a:ln>
+        <a:effectLst/>
+      </dsp:spPr>
+      <dsp:style>
+        <a:lnRef idx="2">
+          <a:scrgbClr r="0" g="0" b="0"/>
+        </a:lnRef>
+        <a:fillRef idx="1">
+          <a:scrgbClr r="0" g="0" b="0"/>
+        </a:fillRef>
+        <a:effectRef idx="0">
+          <a:scrgbClr r="0" g="0" b="0"/>
+        </a:effectRef>
+        <a:fontRef idx="minor">
+          <a:schemeClr val="lt1"/>
+        </a:fontRef>
+      </dsp:style>
+      <dsp:txBody>
+        <a:bodyPr spcFirstLastPara="0" vert="horz" wrap="square" lIns="76010" tIns="25337" rIns="25337" bIns="25337" numCol="1" spcCol="1270" anchor="ctr" anchorCtr="0">
+          <a:noAutofit/>
+        </a:bodyPr>
+        <a:lstStyle/>
+        <a:p>
+          <a:pPr marL="0" lvl="0" indent="0" algn="ctr" defTabSz="844550">
+            <a:lnSpc>
+              <a:spcPct val="90000"/>
+            </a:lnSpc>
+            <a:spcBef>
+              <a:spcPct val="0"/>
+            </a:spcBef>
+            <a:spcAft>
+              <a:spcPct val="35000"/>
+            </a:spcAft>
+            <a:buNone/>
+          </a:pPr>
+          <a:r>
+            <a:rPr lang="en-US" sz="1900" kern="1200" dirty="0">
+              <a:solidFill>
+                <a:schemeClr val="bg1"/>
+              </a:solidFill>
+              <a:latin typeface="Fira Sans Condensed Medium" panose="020B0603050000020004" pitchFamily="34" charset="0"/>
+            </a:rPr>
+            <a:t>Assess Power</a:t>
+          </a:r>
+        </a:p>
+      </dsp:txBody>
+      <dsp:txXfrm>
+        <a:off x="8858222" y="850498"/>
+        <a:ext cx="1130190" cy="753460"/>
+      </dsp:txXfrm>
+    </dsp:sp>
+  </dsp:spTree>
+</dsp:drawing>
+</file>
+
+<file path=ppt/diagrams/drawing11.xml><?xml version="1.0" encoding="utf-8"?>
+<dsp:drawing xmlns:dgm="http://schemas.openxmlformats.org/drawingml/2006/diagram" xmlns:dsp="http://schemas.microsoft.com/office/drawing/2008/diagram" xmlns:a="http://schemas.openxmlformats.org/drawingml/2006/main">
+  <dsp:spTree>
+    <dsp:nvGrpSpPr>
+      <dsp:cNvPr id="0" name=""/>
+      <dsp:cNvGrpSpPr/>
+    </dsp:nvGrpSpPr>
+    <dsp:grpSpPr/>
+    <dsp:sp modelId="{0C06E18B-B76B-4A4A-B3EE-7EAA091CBBBA}">
+      <dsp:nvSpPr>
+        <dsp:cNvPr id="0" name=""/>
+        <dsp:cNvSpPr/>
+      </dsp:nvSpPr>
+      <dsp:spPr>
+        <a:xfrm>
+          <a:off x="5063" y="850498"/>
+          <a:ext cx="1883650" cy="753460"/>
+        </a:xfrm>
+        <a:prstGeom prst="chevron">
+          <a:avLst/>
+        </a:prstGeom>
+        <a:solidFill>
+          <a:srgbClr val="4472C4">
+            <a:alpha val="25098"/>
+          </a:srgbClr>
+        </a:solidFill>
+        <a:ln w="12700" cap="flat" cmpd="sng" algn="ctr">
+          <a:solidFill>
+            <a:schemeClr val="lt1">
+              <a:hueOff val="0"/>
+              <a:satOff val="0"/>
+              <a:lumOff val="0"/>
+              <a:alphaOff val="0"/>
+            </a:schemeClr>
+          </a:solidFill>
+          <a:prstDash val="solid"/>
+          <a:miter lim="800000"/>
+        </a:ln>
+        <a:effectLst/>
+      </dsp:spPr>
+      <dsp:style>
+        <a:lnRef idx="2">
+          <a:scrgbClr r="0" g="0" b="0"/>
+        </a:lnRef>
+        <a:fillRef idx="1">
+          <a:scrgbClr r="0" g="0" b="0"/>
+        </a:fillRef>
+        <a:effectRef idx="0">
+          <a:scrgbClr r="0" g="0" b="0"/>
+        </a:effectRef>
+        <a:fontRef idx="minor">
+          <a:schemeClr val="lt1"/>
+        </a:fontRef>
+      </dsp:style>
+      <dsp:txBody>
+        <a:bodyPr spcFirstLastPara="0" vert="horz" wrap="square" lIns="76010" tIns="25337" rIns="25337" bIns="25337" numCol="1" spcCol="1270" anchor="ctr" anchorCtr="0">
+          <a:noAutofit/>
+        </a:bodyPr>
+        <a:lstStyle/>
+        <a:p>
+          <a:pPr marL="0" lvl="0" indent="0" algn="ctr" defTabSz="844550">
+            <a:lnSpc>
+              <a:spcPct val="90000"/>
+            </a:lnSpc>
+            <a:spcBef>
+              <a:spcPct val="0"/>
+            </a:spcBef>
+            <a:spcAft>
+              <a:spcPct val="35000"/>
+            </a:spcAft>
+            <a:buNone/>
+          </a:pPr>
+          <a:r>
+            <a:rPr lang="en-US" sz="1900" kern="1200" dirty="0">
+              <a:solidFill>
+                <a:sysClr val="windowText" lastClr="000000"/>
+              </a:solidFill>
+              <a:latin typeface="Fira Sans Condensed Medium" panose="020B0603050000020004" pitchFamily="34" charset="0"/>
+            </a:rPr>
+            <a:t>Attributes &amp; Levels </a:t>
+          </a:r>
+        </a:p>
+      </dsp:txBody>
+      <dsp:txXfrm>
+        <a:off x="381793" y="850498"/>
+        <a:ext cx="1130190" cy="753460"/>
+      </dsp:txXfrm>
+    </dsp:sp>
+    <dsp:sp modelId="{45824C31-6D80-4C48-B797-E3C90341C09A}">
+      <dsp:nvSpPr>
+        <dsp:cNvPr id="0" name=""/>
+        <dsp:cNvSpPr/>
+      </dsp:nvSpPr>
+      <dsp:spPr>
+        <a:xfrm>
+          <a:off x="1700349" y="850498"/>
+          <a:ext cx="1883650" cy="753460"/>
+        </a:xfrm>
+        <a:prstGeom prst="chevron">
+          <a:avLst/>
+        </a:prstGeom>
+        <a:solidFill>
+          <a:srgbClr val="4472C4">
+            <a:alpha val="25098"/>
+          </a:srgbClr>
+        </a:solidFill>
+        <a:ln w="12700" cap="flat" cmpd="sng" algn="ctr">
+          <a:solidFill>
+            <a:schemeClr val="lt1">
+              <a:hueOff val="0"/>
+              <a:satOff val="0"/>
+              <a:lumOff val="0"/>
+              <a:alphaOff val="0"/>
+            </a:schemeClr>
+          </a:solidFill>
+          <a:prstDash val="solid"/>
+          <a:miter lim="800000"/>
+        </a:ln>
+        <a:effectLst/>
+      </dsp:spPr>
+      <dsp:style>
+        <a:lnRef idx="2">
+          <a:scrgbClr r="0" g="0" b="0"/>
+        </a:lnRef>
+        <a:fillRef idx="1">
+          <a:scrgbClr r="0" g="0" b="0"/>
+        </a:fillRef>
+        <a:effectRef idx="0">
+          <a:scrgbClr r="0" g="0" b="0"/>
+        </a:effectRef>
+        <a:fontRef idx="minor">
+          <a:schemeClr val="lt1"/>
+        </a:fontRef>
+      </dsp:style>
+      <dsp:txBody>
+        <a:bodyPr spcFirstLastPara="0" vert="horz" wrap="square" lIns="76010" tIns="25337" rIns="25337" bIns="25337" numCol="1" spcCol="1270" anchor="ctr" anchorCtr="0">
+          <a:noAutofit/>
+        </a:bodyPr>
+        <a:lstStyle/>
+        <a:p>
+          <a:pPr marL="0" lvl="0" indent="0" algn="ctr" defTabSz="844550">
+            <a:lnSpc>
+              <a:spcPct val="90000"/>
+            </a:lnSpc>
+            <a:spcBef>
+              <a:spcPct val="0"/>
+            </a:spcBef>
+            <a:spcAft>
+              <a:spcPct val="35000"/>
+            </a:spcAft>
+            <a:buNone/>
+          </a:pPr>
+          <a:r>
+            <a:rPr lang="en-US" sz="1900" kern="1200" dirty="0">
+              <a:solidFill>
+                <a:sysClr val="windowText" lastClr="000000"/>
+              </a:solidFill>
+              <a:latin typeface="Fira Sans Condensed Medium" panose="020B0603050000020004" pitchFamily="34" charset="0"/>
+            </a:rPr>
+            <a:t>Generate Profiles </a:t>
+          </a:r>
+        </a:p>
+      </dsp:txBody>
+      <dsp:txXfrm>
+        <a:off x="2077079" y="850498"/>
+        <a:ext cx="1130190" cy="753460"/>
+      </dsp:txXfrm>
+    </dsp:sp>
+    <dsp:sp modelId="{ACA1F246-0026-1B4D-A114-B410373FE2F8}">
+      <dsp:nvSpPr>
+        <dsp:cNvPr id="0" name=""/>
+        <dsp:cNvSpPr/>
+      </dsp:nvSpPr>
+      <dsp:spPr>
+        <a:xfrm>
+          <a:off x="3395635" y="850498"/>
+          <a:ext cx="1883650" cy="753460"/>
+        </a:xfrm>
+        <a:prstGeom prst="chevron">
+          <a:avLst/>
+        </a:prstGeom>
+        <a:solidFill>
+          <a:srgbClr val="4472C4">
+            <a:alpha val="25098"/>
+          </a:srgbClr>
+        </a:solidFill>
+        <a:ln w="12700" cap="flat" cmpd="sng" algn="ctr">
+          <a:solidFill>
+            <a:schemeClr val="lt1">
+              <a:hueOff val="0"/>
+              <a:satOff val="0"/>
+              <a:lumOff val="0"/>
+              <a:alphaOff val="0"/>
+            </a:schemeClr>
+          </a:solidFill>
+          <a:prstDash val="solid"/>
+          <a:miter lim="800000"/>
+        </a:ln>
+        <a:effectLst/>
+      </dsp:spPr>
+      <dsp:style>
+        <a:lnRef idx="2">
+          <a:scrgbClr r="0" g="0" b="0"/>
+        </a:lnRef>
+        <a:fillRef idx="1">
+          <a:scrgbClr r="0" g="0" b="0"/>
+        </a:fillRef>
+        <a:effectRef idx="0">
+          <a:scrgbClr r="0" g="0" b="0"/>
+        </a:effectRef>
+        <a:fontRef idx="minor">
+          <a:schemeClr val="lt1"/>
+        </a:fontRef>
+      </dsp:style>
+      <dsp:txBody>
+        <a:bodyPr spcFirstLastPara="0" vert="horz" wrap="square" lIns="76010" tIns="25337" rIns="25337" bIns="25337" numCol="1" spcCol="1270" anchor="ctr" anchorCtr="0">
+          <a:noAutofit/>
+        </a:bodyPr>
+        <a:lstStyle/>
+        <a:p>
+          <a:pPr marL="0" lvl="0" indent="0" algn="ctr" defTabSz="844550">
+            <a:lnSpc>
+              <a:spcPct val="90000"/>
+            </a:lnSpc>
+            <a:spcBef>
+              <a:spcPct val="0"/>
+            </a:spcBef>
+            <a:spcAft>
+              <a:spcPct val="35000"/>
+            </a:spcAft>
+            <a:buNone/>
+          </a:pPr>
+          <a:r>
+            <a:rPr lang="en-US" sz="1900" kern="1200" dirty="0">
+              <a:solidFill>
+                <a:sysClr val="windowText" lastClr="000000"/>
+              </a:solidFill>
+              <a:latin typeface="Fira Sans Condensed Medium" panose="020B0603050000020004" pitchFamily="34" charset="0"/>
+            </a:rPr>
+            <a:t>Generate Design </a:t>
+          </a:r>
+        </a:p>
+      </dsp:txBody>
+      <dsp:txXfrm>
+        <a:off x="3772365" y="850498"/>
+        <a:ext cx="1130190" cy="753460"/>
+      </dsp:txXfrm>
+    </dsp:sp>
+    <dsp:sp modelId="{E190B048-96E3-B94A-9CA0-4E21CC1280C7}">
+      <dsp:nvSpPr>
+        <dsp:cNvPr id="0" name=""/>
+        <dsp:cNvSpPr/>
+      </dsp:nvSpPr>
+      <dsp:spPr>
+        <a:xfrm>
+          <a:off x="5090920" y="850498"/>
+          <a:ext cx="1883650" cy="753460"/>
+        </a:xfrm>
+        <a:prstGeom prst="chevron">
+          <a:avLst/>
+        </a:prstGeom>
+        <a:solidFill>
+          <a:srgbClr val="4472C4">
+            <a:alpha val="25098"/>
+          </a:srgbClr>
+        </a:solidFill>
+        <a:ln w="12700" cap="flat" cmpd="sng" algn="ctr">
+          <a:solidFill>
+            <a:schemeClr val="lt1">
+              <a:hueOff val="0"/>
+              <a:satOff val="0"/>
+              <a:lumOff val="0"/>
+              <a:alphaOff val="0"/>
+            </a:schemeClr>
+          </a:solidFill>
+          <a:prstDash val="solid"/>
+          <a:miter lim="800000"/>
+        </a:ln>
+        <a:effectLst/>
+      </dsp:spPr>
+      <dsp:style>
+        <a:lnRef idx="2">
+          <a:scrgbClr r="0" g="0" b="0"/>
+        </a:lnRef>
+        <a:fillRef idx="1">
+          <a:scrgbClr r="0" g="0" b="0"/>
+        </a:fillRef>
+        <a:effectRef idx="0">
+          <a:scrgbClr r="0" g="0" b="0"/>
+        </a:effectRef>
+        <a:fontRef idx="minor">
+          <a:schemeClr val="lt1"/>
+        </a:fontRef>
+      </dsp:style>
+      <dsp:txBody>
+        <a:bodyPr spcFirstLastPara="0" vert="horz" wrap="square" lIns="76010" tIns="25337" rIns="25337" bIns="25337" numCol="1" spcCol="1270" anchor="ctr" anchorCtr="0">
+          <a:noAutofit/>
+        </a:bodyPr>
+        <a:lstStyle/>
+        <a:p>
+          <a:pPr marL="0" lvl="0" indent="0" algn="ctr" defTabSz="844550">
+            <a:lnSpc>
+              <a:spcPct val="90000"/>
+            </a:lnSpc>
+            <a:spcBef>
+              <a:spcPct val="0"/>
+            </a:spcBef>
+            <a:spcAft>
+              <a:spcPct val="35000"/>
+            </a:spcAft>
+            <a:buNone/>
+          </a:pPr>
+          <a:r>
+            <a:rPr lang="en-US" sz="1900" kern="1200" dirty="0">
+              <a:solidFill>
+                <a:sysClr val="windowText" lastClr="000000"/>
+              </a:solidFill>
+              <a:latin typeface="Fira Sans Condensed Medium" panose="020B0603050000020004" pitchFamily="34" charset="0"/>
+            </a:rPr>
+            <a:t>Inspect Design</a:t>
+          </a:r>
+        </a:p>
+      </dsp:txBody>
+      <dsp:txXfrm>
+        <a:off x="5467650" y="850498"/>
+        <a:ext cx="1130190" cy="753460"/>
+      </dsp:txXfrm>
+    </dsp:sp>
+    <dsp:sp modelId="{75209486-6C41-3B45-AB19-0AB8068209F3}">
+      <dsp:nvSpPr>
+        <dsp:cNvPr id="0" name=""/>
+        <dsp:cNvSpPr/>
+      </dsp:nvSpPr>
+      <dsp:spPr>
+        <a:xfrm>
+          <a:off x="6786206" y="850498"/>
+          <a:ext cx="1883650" cy="753460"/>
+        </a:xfrm>
+        <a:prstGeom prst="chevron">
+          <a:avLst/>
+        </a:prstGeom>
+        <a:solidFill>
+          <a:srgbClr val="4472C4">
+            <a:alpha val="25098"/>
+          </a:srgbClr>
+        </a:solidFill>
+        <a:ln w="12700" cap="flat" cmpd="sng" algn="ctr">
+          <a:solidFill>
+            <a:schemeClr val="lt1">
+              <a:hueOff val="0"/>
+              <a:satOff val="0"/>
+              <a:lumOff val="0"/>
+              <a:alphaOff val="0"/>
+            </a:schemeClr>
+          </a:solidFill>
+          <a:prstDash val="solid"/>
+          <a:miter lim="800000"/>
+        </a:ln>
+        <a:effectLst/>
+      </dsp:spPr>
+      <dsp:style>
+        <a:lnRef idx="2">
+          <a:scrgbClr r="0" g="0" b="0"/>
+        </a:lnRef>
+        <a:fillRef idx="1">
+          <a:scrgbClr r="0" g="0" b="0"/>
+        </a:fillRef>
+        <a:effectRef idx="0">
+          <a:scrgbClr r="0" g="0" b="0"/>
+        </a:effectRef>
+        <a:fontRef idx="minor">
+          <a:schemeClr val="lt1"/>
+        </a:fontRef>
+      </dsp:style>
+      <dsp:txBody>
+        <a:bodyPr spcFirstLastPara="0" vert="horz" wrap="square" lIns="76010" tIns="25337" rIns="25337" bIns="25337" numCol="1" spcCol="1270" anchor="ctr" anchorCtr="0">
+          <a:noAutofit/>
+        </a:bodyPr>
+        <a:lstStyle/>
+        <a:p>
+          <a:pPr marL="0" lvl="0" indent="0" algn="ctr" defTabSz="844550">
+            <a:lnSpc>
+              <a:spcPct val="90000"/>
+            </a:lnSpc>
+            <a:spcBef>
+              <a:spcPct val="0"/>
+            </a:spcBef>
+            <a:spcAft>
+              <a:spcPct val="35000"/>
+            </a:spcAft>
+            <a:buNone/>
+          </a:pPr>
+          <a:r>
+            <a:rPr lang="en-US" sz="1900" kern="1200" dirty="0">
+              <a:solidFill>
+                <a:sysClr val="windowText" lastClr="000000"/>
+              </a:solidFill>
+              <a:latin typeface="Fira Sans Condensed Medium" panose="020B0603050000020004" pitchFamily="34" charset="0"/>
+            </a:rPr>
+            <a:t>Simulate Choices</a:t>
+          </a:r>
+        </a:p>
+      </dsp:txBody>
+      <dsp:txXfrm>
+        <a:off x="7162936" y="850498"/>
+        <a:ext cx="1130190" cy="753460"/>
+      </dsp:txXfrm>
+    </dsp:sp>
+    <dsp:sp modelId="{7ADB9F30-7A98-C44D-A932-224624BEEBDD}">
+      <dsp:nvSpPr>
+        <dsp:cNvPr id="0" name=""/>
+        <dsp:cNvSpPr/>
+      </dsp:nvSpPr>
+      <dsp:spPr>
+        <a:xfrm>
+          <a:off x="8481492" y="850498"/>
+          <a:ext cx="1883650" cy="753460"/>
+        </a:xfrm>
+        <a:prstGeom prst="chevron">
+          <a:avLst/>
+        </a:prstGeom>
+        <a:solidFill>
+          <a:srgbClr val="4472C4">
+            <a:alpha val="25098"/>
+          </a:srgbClr>
+        </a:solidFill>
+        <a:ln w="12700" cap="flat" cmpd="sng" algn="ctr">
+          <a:solidFill>
+            <a:schemeClr val="lt1">
+              <a:hueOff val="0"/>
+              <a:satOff val="0"/>
+              <a:lumOff val="0"/>
+              <a:alphaOff val="0"/>
+            </a:schemeClr>
+          </a:solidFill>
+          <a:prstDash val="solid"/>
+          <a:miter lim="800000"/>
+        </a:ln>
+        <a:effectLst/>
+      </dsp:spPr>
+      <dsp:style>
+        <a:lnRef idx="2">
+          <a:scrgbClr r="0" g="0" b="0"/>
+        </a:lnRef>
+        <a:fillRef idx="1">
+          <a:scrgbClr r="0" g="0" b="0"/>
+        </a:fillRef>
+        <a:effectRef idx="0">
+          <a:scrgbClr r="0" g="0" b="0"/>
+        </a:effectRef>
+        <a:fontRef idx="minor">
+          <a:schemeClr val="lt1"/>
+        </a:fontRef>
+      </dsp:style>
+      <dsp:txBody>
+        <a:bodyPr spcFirstLastPara="0" vert="horz" wrap="square" lIns="76010" tIns="25337" rIns="25337" bIns="25337" numCol="1" spcCol="1270" anchor="ctr" anchorCtr="0">
+          <a:noAutofit/>
+        </a:bodyPr>
+        <a:lstStyle/>
+        <a:p>
+          <a:pPr marL="0" lvl="0" indent="0" algn="ctr" defTabSz="844550">
+            <a:lnSpc>
+              <a:spcPct val="90000"/>
+            </a:lnSpc>
+            <a:spcBef>
+              <a:spcPct val="0"/>
+            </a:spcBef>
+            <a:spcAft>
+              <a:spcPct val="35000"/>
+            </a:spcAft>
+            <a:buNone/>
+          </a:pPr>
+          <a:r>
+            <a:rPr lang="en-US" sz="1900" kern="1200" dirty="0">
+              <a:solidFill>
+                <a:sysClr val="windowText" lastClr="000000"/>
+              </a:solidFill>
+              <a:latin typeface="Fira Sans Condensed Medium" panose="020B0603050000020004" pitchFamily="34" charset="0"/>
+            </a:rPr>
+            <a:t>Assess Power</a:t>
+          </a:r>
+        </a:p>
+      </dsp:txBody>
+      <dsp:txXfrm>
+        <a:off x="8858222" y="850498"/>
+        <a:ext cx="1130190" cy="753460"/>
       </dsp:txXfrm>
     </dsp:sp>
   </dsp:spTree>
@@ -15350,6 +18650,572 @@
 </dgm:layoutDef>
 </file>
 
+<file path=ppt/diagrams/layout10.xml><?xml version="1.0" encoding="utf-8"?>
+<dgm:layoutDef xmlns:dgm="http://schemas.openxmlformats.org/drawingml/2006/diagram" xmlns:a="http://schemas.openxmlformats.org/drawingml/2006/main" uniqueId="urn:microsoft.com/office/officeart/2005/8/layout/chevron1">
+  <dgm:title val=""/>
+  <dgm:desc val=""/>
+  <dgm:catLst>
+    <dgm:cat type="process" pri="9000"/>
+  </dgm:catLst>
+  <dgm:sampData useDef="1">
+    <dgm:dataModel>
+      <dgm:ptLst/>
+      <dgm:bg/>
+      <dgm:whole/>
+    </dgm:dataModel>
+  </dgm:sampData>
+  <dgm:styleData>
+    <dgm:dataModel>
+      <dgm:ptLst>
+        <dgm:pt modelId="0" type="doc"/>
+        <dgm:pt modelId="1"/>
+        <dgm:pt modelId="2"/>
+      </dgm:ptLst>
+      <dgm:cxnLst>
+        <dgm:cxn modelId="3" srcId="0" destId="1" srcOrd="0" destOrd="0"/>
+        <dgm:cxn modelId="4" srcId="0" destId="2" srcOrd="1" destOrd="0"/>
+      </dgm:cxnLst>
+      <dgm:bg/>
+      <dgm:whole/>
+    </dgm:dataModel>
+  </dgm:styleData>
+  <dgm:clrData>
+    <dgm:dataModel>
+      <dgm:ptLst>
+        <dgm:pt modelId="0" type="doc"/>
+        <dgm:pt modelId="1"/>
+        <dgm:pt modelId="2"/>
+        <dgm:pt modelId="3"/>
+        <dgm:pt modelId="4"/>
+      </dgm:ptLst>
+      <dgm:cxnLst>
+        <dgm:cxn modelId="5" srcId="0" destId="1" srcOrd="0" destOrd="0"/>
+        <dgm:cxn modelId="6" srcId="0" destId="2" srcOrd="1" destOrd="0"/>
+        <dgm:cxn modelId="7" srcId="0" destId="3" srcOrd="2" destOrd="0"/>
+        <dgm:cxn modelId="8" srcId="0" destId="4" srcOrd="3" destOrd="0"/>
+      </dgm:cxnLst>
+      <dgm:bg/>
+      <dgm:whole/>
+    </dgm:dataModel>
+  </dgm:clrData>
+  <dgm:layoutNode name="Name0">
+    <dgm:varLst>
+      <dgm:dir/>
+      <dgm:animLvl val="lvl"/>
+      <dgm:resizeHandles val="exact"/>
+    </dgm:varLst>
+    <dgm:choose name="Name1">
+      <dgm:if name="Name2" func="var" arg="dir" op="equ" val="norm">
+        <dgm:alg type="lin"/>
+      </dgm:if>
+      <dgm:else name="Name3">
+        <dgm:alg type="lin">
+          <dgm:param type="linDir" val="fromR"/>
+        </dgm:alg>
+      </dgm:else>
+    </dgm:choose>
+    <dgm:shape xmlns:r="http://schemas.openxmlformats.org/officeDocument/2006/relationships" r:blip="">
+      <dgm:adjLst/>
+    </dgm:shape>
+    <dgm:presOf/>
+    <dgm:choose name="Name4">
+      <dgm:if name="Name5" axis="des" func="maxDepth" op="gte" val="2">
+        <dgm:constrLst>
+          <dgm:constr type="h" for="ch" forName="composite" refType="h"/>
+          <dgm:constr type="w" for="ch" forName="composite" refType="w"/>
+          <dgm:constr type="w" for="des" forName="parTx"/>
+          <dgm:constr type="h" for="des" forName="parTx" op="equ"/>
+          <dgm:constr type="w" for="des" forName="desTx"/>
+          <dgm:constr type="h" for="des" forName="desTx" op="equ"/>
+          <dgm:constr type="primFontSz" for="des" forName="parTx" val="65"/>
+          <dgm:constr type="secFontSz" for="des" forName="desTx" refType="primFontSz" refFor="des" refForName="parTx" op="equ"/>
+          <dgm:constr type="h" for="des" forName="parTx" refType="primFontSz" refFor="des" refForName="parTx" fact="1.5"/>
+          <dgm:constr type="h" for="des" forName="desTx" refType="primFontSz" refFor="des" refForName="parTx" fact="0.5"/>
+          <dgm:constr type="w" for="ch" forName="space" op="equ" val="-6"/>
+        </dgm:constrLst>
+        <dgm:ruleLst>
+          <dgm:rule type="w" for="ch" forName="composite" val="0" fact="NaN" max="NaN"/>
+          <dgm:rule type="primFontSz" for="des" forName="parTx" val="5" fact="NaN" max="NaN"/>
+        </dgm:ruleLst>
+        <dgm:forEach name="Name6" axis="ch" ptType="node">
+          <dgm:layoutNode name="composite">
+            <dgm:alg type="composite"/>
+            <dgm:shape xmlns:r="http://schemas.openxmlformats.org/officeDocument/2006/relationships" r:blip="">
+              <dgm:adjLst/>
+            </dgm:shape>
+            <dgm:presOf/>
+            <dgm:choose name="Name7">
+              <dgm:if name="Name8" func="var" arg="dir" op="equ" val="norm">
+                <dgm:constrLst>
+                  <dgm:constr type="l" for="ch" forName="parTx"/>
+                  <dgm:constr type="w" for="ch" forName="parTx" refType="w"/>
+                  <dgm:constr type="t" for="ch" forName="parTx"/>
+                  <dgm:constr type="l" for="ch" forName="desTx"/>
+                  <dgm:constr type="w" for="ch" forName="desTx" refType="w" refFor="ch" refForName="parTx" fact="0.8"/>
+                  <dgm:constr type="t" for="ch" forName="desTx" refType="h" refFor="ch" refForName="parTx" fact="1.125"/>
+                </dgm:constrLst>
+              </dgm:if>
+              <dgm:else name="Name9">
+                <dgm:constrLst>
+                  <dgm:constr type="l" for="ch" forName="parTx"/>
+                  <dgm:constr type="w" for="ch" forName="parTx" refType="w"/>
+                  <dgm:constr type="t" for="ch" forName="parTx"/>
+                  <dgm:constr type="l" for="ch" forName="desTx" refType="w" fact="0.2"/>
+                  <dgm:constr type="w" for="ch" forName="desTx" refType="w" refFor="ch" refForName="parTx" fact="0.8"/>
+                  <dgm:constr type="t" for="ch" forName="desTx" refType="h" refFor="ch" refForName="parTx" fact="1.125"/>
+                </dgm:constrLst>
+              </dgm:else>
+            </dgm:choose>
+            <dgm:ruleLst>
+              <dgm:rule type="h" val="INF" fact="NaN" max="NaN"/>
+            </dgm:ruleLst>
+            <dgm:layoutNode name="parTx">
+              <dgm:varLst>
+                <dgm:chMax val="0"/>
+                <dgm:chPref val="0"/>
+                <dgm:bulletEnabled val="1"/>
+              </dgm:varLst>
+              <dgm:alg type="tx"/>
+              <dgm:choose name="Name10">
+                <dgm:if name="Name11" func="var" arg="dir" op="equ" val="norm">
+                  <dgm:shape xmlns:r="http://schemas.openxmlformats.org/officeDocument/2006/relationships" type="chevron" r:blip="">
+                    <dgm:adjLst/>
+                  </dgm:shape>
+                </dgm:if>
+                <dgm:else name="Name12">
+                  <dgm:shape xmlns:r="http://schemas.openxmlformats.org/officeDocument/2006/relationships" rot="180" type="chevron" r:blip="">
+                    <dgm:adjLst/>
+                  </dgm:shape>
+                </dgm:else>
+              </dgm:choose>
+              <dgm:presOf axis="self" ptType="node"/>
+              <dgm:choose name="Name13">
+                <dgm:if name="Name14" func="var" arg="dir" op="equ" val="norm">
+                  <dgm:constrLst>
+                    <dgm:constr type="h" refType="w" op="lte" fact="0.4"/>
+                    <dgm:constr type="h"/>
+                    <dgm:constr type="tMarg" refType="primFontSz" fact="0.105"/>
+                    <dgm:constr type="bMarg" refType="primFontSz" fact="0.105"/>
+                    <dgm:constr type="lMarg" refType="primFontSz" fact="0.315"/>
+                    <dgm:constr type="rMarg" refType="primFontSz" fact="0.105"/>
+                  </dgm:constrLst>
+                </dgm:if>
+                <dgm:else name="Name15">
+                  <dgm:constrLst>
+                    <dgm:constr type="h" refType="w" op="lte" fact="0.4"/>
+                    <dgm:constr type="h"/>
+                    <dgm:constr type="tMarg" refType="primFontSz" fact="0.105"/>
+                    <dgm:constr type="bMarg" refType="primFontSz" fact="0.105"/>
+                    <dgm:constr type="lMarg" refType="primFontSz" fact="0.105"/>
+                    <dgm:constr type="rMarg" refType="primFontSz" fact="0.315"/>
+                  </dgm:constrLst>
+                </dgm:else>
+              </dgm:choose>
+              <dgm:ruleLst>
+                <dgm:rule type="h" val="INF" fact="NaN" max="NaN"/>
+              </dgm:ruleLst>
+            </dgm:layoutNode>
+            <dgm:layoutNode name="desTx" styleLbl="revTx">
+              <dgm:varLst>
+                <dgm:bulletEnabled val="1"/>
+              </dgm:varLst>
+              <dgm:alg type="tx">
+                <dgm:param type="stBulletLvl" val="1"/>
+              </dgm:alg>
+              <dgm:choose name="Name16">
+                <dgm:if name="Name17" axis="ch" ptType="node" func="cnt" op="gte" val="1">
+                  <dgm:shape xmlns:r="http://schemas.openxmlformats.org/officeDocument/2006/relationships" type="rect" r:blip="">
+                    <dgm:adjLst/>
+                  </dgm:shape>
+                </dgm:if>
+                <dgm:else name="Name18">
+                  <dgm:shape xmlns:r="http://schemas.openxmlformats.org/officeDocument/2006/relationships" type="rect" r:blip="" hideGeom="1">
+                    <dgm:adjLst/>
+                  </dgm:shape>
+                </dgm:else>
+              </dgm:choose>
+              <dgm:presOf axis="des" ptType="node"/>
+              <dgm:constrLst>
+                <dgm:constr type="secFontSz" val="65"/>
+                <dgm:constr type="primFontSz" refType="secFontSz"/>
+                <dgm:constr type="h"/>
+                <dgm:constr type="tMarg"/>
+                <dgm:constr type="bMarg"/>
+                <dgm:constr type="rMarg"/>
+                <dgm:constr type="lMarg"/>
+              </dgm:constrLst>
+              <dgm:ruleLst>
+                <dgm:rule type="h" val="INF" fact="NaN" max="NaN"/>
+              </dgm:ruleLst>
+            </dgm:layoutNode>
+          </dgm:layoutNode>
+          <dgm:forEach name="Name19" axis="followSib" ptType="sibTrans" cnt="1">
+            <dgm:layoutNode name="space">
+              <dgm:alg type="sp"/>
+              <dgm:shape xmlns:r="http://schemas.openxmlformats.org/officeDocument/2006/relationships" r:blip="">
+                <dgm:adjLst/>
+              </dgm:shape>
+              <dgm:presOf/>
+              <dgm:constrLst/>
+              <dgm:ruleLst/>
+            </dgm:layoutNode>
+          </dgm:forEach>
+        </dgm:forEach>
+      </dgm:if>
+      <dgm:else name="Name20">
+        <dgm:constrLst>
+          <dgm:constr type="w" for="ch" forName="parTxOnly" refType="w"/>
+          <dgm:constr type="h" for="des" forName="parTxOnly" op="equ"/>
+          <dgm:constr type="primFontSz" for="des" forName="parTxOnly" op="equ" val="65"/>
+          <dgm:constr type="w" for="ch" forName="parTxOnlySpace" refType="w" refFor="ch" refForName="parTxOnly" fact="-0.1"/>
+        </dgm:constrLst>
+        <dgm:ruleLst/>
+        <dgm:forEach name="Name21" axis="ch" ptType="node">
+          <dgm:layoutNode name="parTxOnly">
+            <dgm:varLst>
+              <dgm:chMax val="0"/>
+              <dgm:chPref val="0"/>
+              <dgm:bulletEnabled val="1"/>
+            </dgm:varLst>
+            <dgm:alg type="tx"/>
+            <dgm:choose name="Name22">
+              <dgm:if name="Name23" func="var" arg="dir" op="equ" val="norm">
+                <dgm:shape xmlns:r="http://schemas.openxmlformats.org/officeDocument/2006/relationships" type="chevron" r:blip="">
+                  <dgm:adjLst/>
+                </dgm:shape>
+              </dgm:if>
+              <dgm:else name="Name24">
+                <dgm:shape xmlns:r="http://schemas.openxmlformats.org/officeDocument/2006/relationships" rot="180" type="chevron" r:blip="">
+                  <dgm:adjLst/>
+                </dgm:shape>
+              </dgm:else>
+            </dgm:choose>
+            <dgm:presOf axis="self" ptType="node"/>
+            <dgm:choose name="Name25">
+              <dgm:if name="Name26" func="var" arg="dir" op="equ" val="norm">
+                <dgm:constrLst>
+                  <dgm:constr type="h" refType="w" op="equ" fact="0.4"/>
+                  <dgm:constr type="tMarg" refType="primFontSz" fact="0.105"/>
+                  <dgm:constr type="bMarg" refType="primFontSz" fact="0.105"/>
+                  <dgm:constr type="lMarg" refType="primFontSz" fact="0.315"/>
+                  <dgm:constr type="rMarg" refType="primFontSz" fact="0.105"/>
+                </dgm:constrLst>
+              </dgm:if>
+              <dgm:else name="Name27">
+                <dgm:constrLst>
+                  <dgm:constr type="h" refType="w" op="equ" fact="0.4"/>
+                  <dgm:constr type="tMarg" refType="primFontSz" fact="0.105"/>
+                  <dgm:constr type="bMarg" refType="primFontSz" fact="0.105"/>
+                  <dgm:constr type="lMarg" refType="primFontSz" fact="0.105"/>
+                  <dgm:constr type="rMarg" refType="primFontSz" fact="0.315"/>
+                </dgm:constrLst>
+              </dgm:else>
+            </dgm:choose>
+            <dgm:ruleLst>
+              <dgm:rule type="primFontSz" val="5" fact="NaN" max="NaN"/>
+            </dgm:ruleLst>
+          </dgm:layoutNode>
+          <dgm:forEach name="Name28" axis="followSib" ptType="sibTrans" cnt="1">
+            <dgm:layoutNode name="parTxOnlySpace">
+              <dgm:alg type="sp"/>
+              <dgm:shape xmlns:r="http://schemas.openxmlformats.org/officeDocument/2006/relationships" r:blip="">
+                <dgm:adjLst/>
+              </dgm:shape>
+              <dgm:presOf/>
+              <dgm:constrLst/>
+              <dgm:ruleLst/>
+            </dgm:layoutNode>
+          </dgm:forEach>
+        </dgm:forEach>
+      </dgm:else>
+    </dgm:choose>
+  </dgm:layoutNode>
+</dgm:layoutDef>
+</file>
+
+<file path=ppt/diagrams/layout11.xml><?xml version="1.0" encoding="utf-8"?>
+<dgm:layoutDef xmlns:dgm="http://schemas.openxmlformats.org/drawingml/2006/diagram" xmlns:a="http://schemas.openxmlformats.org/drawingml/2006/main" uniqueId="urn:microsoft.com/office/officeart/2005/8/layout/chevron1">
+  <dgm:title val=""/>
+  <dgm:desc val=""/>
+  <dgm:catLst>
+    <dgm:cat type="process" pri="9000"/>
+  </dgm:catLst>
+  <dgm:sampData useDef="1">
+    <dgm:dataModel>
+      <dgm:ptLst/>
+      <dgm:bg/>
+      <dgm:whole/>
+    </dgm:dataModel>
+  </dgm:sampData>
+  <dgm:styleData>
+    <dgm:dataModel>
+      <dgm:ptLst>
+        <dgm:pt modelId="0" type="doc"/>
+        <dgm:pt modelId="1"/>
+        <dgm:pt modelId="2"/>
+      </dgm:ptLst>
+      <dgm:cxnLst>
+        <dgm:cxn modelId="3" srcId="0" destId="1" srcOrd="0" destOrd="0"/>
+        <dgm:cxn modelId="4" srcId="0" destId="2" srcOrd="1" destOrd="0"/>
+      </dgm:cxnLst>
+      <dgm:bg/>
+      <dgm:whole/>
+    </dgm:dataModel>
+  </dgm:styleData>
+  <dgm:clrData>
+    <dgm:dataModel>
+      <dgm:ptLst>
+        <dgm:pt modelId="0" type="doc"/>
+        <dgm:pt modelId="1"/>
+        <dgm:pt modelId="2"/>
+        <dgm:pt modelId="3"/>
+        <dgm:pt modelId="4"/>
+      </dgm:ptLst>
+      <dgm:cxnLst>
+        <dgm:cxn modelId="5" srcId="0" destId="1" srcOrd="0" destOrd="0"/>
+        <dgm:cxn modelId="6" srcId="0" destId="2" srcOrd="1" destOrd="0"/>
+        <dgm:cxn modelId="7" srcId="0" destId="3" srcOrd="2" destOrd="0"/>
+        <dgm:cxn modelId="8" srcId="0" destId="4" srcOrd="3" destOrd="0"/>
+      </dgm:cxnLst>
+      <dgm:bg/>
+      <dgm:whole/>
+    </dgm:dataModel>
+  </dgm:clrData>
+  <dgm:layoutNode name="Name0">
+    <dgm:varLst>
+      <dgm:dir/>
+      <dgm:animLvl val="lvl"/>
+      <dgm:resizeHandles val="exact"/>
+    </dgm:varLst>
+    <dgm:choose name="Name1">
+      <dgm:if name="Name2" func="var" arg="dir" op="equ" val="norm">
+        <dgm:alg type="lin"/>
+      </dgm:if>
+      <dgm:else name="Name3">
+        <dgm:alg type="lin">
+          <dgm:param type="linDir" val="fromR"/>
+        </dgm:alg>
+      </dgm:else>
+    </dgm:choose>
+    <dgm:shape xmlns:r="http://schemas.openxmlformats.org/officeDocument/2006/relationships" r:blip="">
+      <dgm:adjLst/>
+    </dgm:shape>
+    <dgm:presOf/>
+    <dgm:choose name="Name4">
+      <dgm:if name="Name5" axis="des" func="maxDepth" op="gte" val="2">
+        <dgm:constrLst>
+          <dgm:constr type="h" for="ch" forName="composite" refType="h"/>
+          <dgm:constr type="w" for="ch" forName="composite" refType="w"/>
+          <dgm:constr type="w" for="des" forName="parTx"/>
+          <dgm:constr type="h" for="des" forName="parTx" op="equ"/>
+          <dgm:constr type="w" for="des" forName="desTx"/>
+          <dgm:constr type="h" for="des" forName="desTx" op="equ"/>
+          <dgm:constr type="primFontSz" for="des" forName="parTx" val="65"/>
+          <dgm:constr type="secFontSz" for="des" forName="desTx" refType="primFontSz" refFor="des" refForName="parTx" op="equ"/>
+          <dgm:constr type="h" for="des" forName="parTx" refType="primFontSz" refFor="des" refForName="parTx" fact="1.5"/>
+          <dgm:constr type="h" for="des" forName="desTx" refType="primFontSz" refFor="des" refForName="parTx" fact="0.5"/>
+          <dgm:constr type="w" for="ch" forName="space" op="equ" val="-6"/>
+        </dgm:constrLst>
+        <dgm:ruleLst>
+          <dgm:rule type="w" for="ch" forName="composite" val="0" fact="NaN" max="NaN"/>
+          <dgm:rule type="primFontSz" for="des" forName="parTx" val="5" fact="NaN" max="NaN"/>
+        </dgm:ruleLst>
+        <dgm:forEach name="Name6" axis="ch" ptType="node">
+          <dgm:layoutNode name="composite">
+            <dgm:alg type="composite"/>
+            <dgm:shape xmlns:r="http://schemas.openxmlformats.org/officeDocument/2006/relationships" r:blip="">
+              <dgm:adjLst/>
+            </dgm:shape>
+            <dgm:presOf/>
+            <dgm:choose name="Name7">
+              <dgm:if name="Name8" func="var" arg="dir" op="equ" val="norm">
+                <dgm:constrLst>
+                  <dgm:constr type="l" for="ch" forName="parTx"/>
+                  <dgm:constr type="w" for="ch" forName="parTx" refType="w"/>
+                  <dgm:constr type="t" for="ch" forName="parTx"/>
+                  <dgm:constr type="l" for="ch" forName="desTx"/>
+                  <dgm:constr type="w" for="ch" forName="desTx" refType="w" refFor="ch" refForName="parTx" fact="0.8"/>
+                  <dgm:constr type="t" for="ch" forName="desTx" refType="h" refFor="ch" refForName="parTx" fact="1.125"/>
+                </dgm:constrLst>
+              </dgm:if>
+              <dgm:else name="Name9">
+                <dgm:constrLst>
+                  <dgm:constr type="l" for="ch" forName="parTx"/>
+                  <dgm:constr type="w" for="ch" forName="parTx" refType="w"/>
+                  <dgm:constr type="t" for="ch" forName="parTx"/>
+                  <dgm:constr type="l" for="ch" forName="desTx" refType="w" fact="0.2"/>
+                  <dgm:constr type="w" for="ch" forName="desTx" refType="w" refFor="ch" refForName="parTx" fact="0.8"/>
+                  <dgm:constr type="t" for="ch" forName="desTx" refType="h" refFor="ch" refForName="parTx" fact="1.125"/>
+                </dgm:constrLst>
+              </dgm:else>
+            </dgm:choose>
+            <dgm:ruleLst>
+              <dgm:rule type="h" val="INF" fact="NaN" max="NaN"/>
+            </dgm:ruleLst>
+            <dgm:layoutNode name="parTx">
+              <dgm:varLst>
+                <dgm:chMax val="0"/>
+                <dgm:chPref val="0"/>
+                <dgm:bulletEnabled val="1"/>
+              </dgm:varLst>
+              <dgm:alg type="tx"/>
+              <dgm:choose name="Name10">
+                <dgm:if name="Name11" func="var" arg="dir" op="equ" val="norm">
+                  <dgm:shape xmlns:r="http://schemas.openxmlformats.org/officeDocument/2006/relationships" type="chevron" r:blip="">
+                    <dgm:adjLst/>
+                  </dgm:shape>
+                </dgm:if>
+                <dgm:else name="Name12">
+                  <dgm:shape xmlns:r="http://schemas.openxmlformats.org/officeDocument/2006/relationships" rot="180" type="chevron" r:blip="">
+                    <dgm:adjLst/>
+                  </dgm:shape>
+                </dgm:else>
+              </dgm:choose>
+              <dgm:presOf axis="self" ptType="node"/>
+              <dgm:choose name="Name13">
+                <dgm:if name="Name14" func="var" arg="dir" op="equ" val="norm">
+                  <dgm:constrLst>
+                    <dgm:constr type="h" refType="w" op="lte" fact="0.4"/>
+                    <dgm:constr type="h"/>
+                    <dgm:constr type="tMarg" refType="primFontSz" fact="0.105"/>
+                    <dgm:constr type="bMarg" refType="primFontSz" fact="0.105"/>
+                    <dgm:constr type="lMarg" refType="primFontSz" fact="0.315"/>
+                    <dgm:constr type="rMarg" refType="primFontSz" fact="0.105"/>
+                  </dgm:constrLst>
+                </dgm:if>
+                <dgm:else name="Name15">
+                  <dgm:constrLst>
+                    <dgm:constr type="h" refType="w" op="lte" fact="0.4"/>
+                    <dgm:constr type="h"/>
+                    <dgm:constr type="tMarg" refType="primFontSz" fact="0.105"/>
+                    <dgm:constr type="bMarg" refType="primFontSz" fact="0.105"/>
+                    <dgm:constr type="lMarg" refType="primFontSz" fact="0.105"/>
+                    <dgm:constr type="rMarg" refType="primFontSz" fact="0.315"/>
+                  </dgm:constrLst>
+                </dgm:else>
+              </dgm:choose>
+              <dgm:ruleLst>
+                <dgm:rule type="h" val="INF" fact="NaN" max="NaN"/>
+              </dgm:ruleLst>
+            </dgm:layoutNode>
+            <dgm:layoutNode name="desTx" styleLbl="revTx">
+              <dgm:varLst>
+                <dgm:bulletEnabled val="1"/>
+              </dgm:varLst>
+              <dgm:alg type="tx">
+                <dgm:param type="stBulletLvl" val="1"/>
+              </dgm:alg>
+              <dgm:choose name="Name16">
+                <dgm:if name="Name17" axis="ch" ptType="node" func="cnt" op="gte" val="1">
+                  <dgm:shape xmlns:r="http://schemas.openxmlformats.org/officeDocument/2006/relationships" type="rect" r:blip="">
+                    <dgm:adjLst/>
+                  </dgm:shape>
+                </dgm:if>
+                <dgm:else name="Name18">
+                  <dgm:shape xmlns:r="http://schemas.openxmlformats.org/officeDocument/2006/relationships" type="rect" r:blip="" hideGeom="1">
+                    <dgm:adjLst/>
+                  </dgm:shape>
+                </dgm:else>
+              </dgm:choose>
+              <dgm:presOf axis="des" ptType="node"/>
+              <dgm:constrLst>
+                <dgm:constr type="secFontSz" val="65"/>
+                <dgm:constr type="primFontSz" refType="secFontSz"/>
+                <dgm:constr type="h"/>
+                <dgm:constr type="tMarg"/>
+                <dgm:constr type="bMarg"/>
+                <dgm:constr type="rMarg"/>
+                <dgm:constr type="lMarg"/>
+              </dgm:constrLst>
+              <dgm:ruleLst>
+                <dgm:rule type="h" val="INF" fact="NaN" max="NaN"/>
+              </dgm:ruleLst>
+            </dgm:layoutNode>
+          </dgm:layoutNode>
+          <dgm:forEach name="Name19" axis="followSib" ptType="sibTrans" cnt="1">
+            <dgm:layoutNode name="space">
+              <dgm:alg type="sp"/>
+              <dgm:shape xmlns:r="http://schemas.openxmlformats.org/officeDocument/2006/relationships" r:blip="">
+                <dgm:adjLst/>
+              </dgm:shape>
+              <dgm:presOf/>
+              <dgm:constrLst/>
+              <dgm:ruleLst/>
+            </dgm:layoutNode>
+          </dgm:forEach>
+        </dgm:forEach>
+      </dgm:if>
+      <dgm:else name="Name20">
+        <dgm:constrLst>
+          <dgm:constr type="w" for="ch" forName="parTxOnly" refType="w"/>
+          <dgm:constr type="h" for="des" forName="parTxOnly" op="equ"/>
+          <dgm:constr type="primFontSz" for="des" forName="parTxOnly" op="equ" val="65"/>
+          <dgm:constr type="w" for="ch" forName="parTxOnlySpace" refType="w" refFor="ch" refForName="parTxOnly" fact="-0.1"/>
+        </dgm:constrLst>
+        <dgm:ruleLst/>
+        <dgm:forEach name="Name21" axis="ch" ptType="node">
+          <dgm:layoutNode name="parTxOnly">
+            <dgm:varLst>
+              <dgm:chMax val="0"/>
+              <dgm:chPref val="0"/>
+              <dgm:bulletEnabled val="1"/>
+            </dgm:varLst>
+            <dgm:alg type="tx"/>
+            <dgm:choose name="Name22">
+              <dgm:if name="Name23" func="var" arg="dir" op="equ" val="norm">
+                <dgm:shape xmlns:r="http://schemas.openxmlformats.org/officeDocument/2006/relationships" type="chevron" r:blip="">
+                  <dgm:adjLst/>
+                </dgm:shape>
+              </dgm:if>
+              <dgm:else name="Name24">
+                <dgm:shape xmlns:r="http://schemas.openxmlformats.org/officeDocument/2006/relationships" rot="180" type="chevron" r:blip="">
+                  <dgm:adjLst/>
+                </dgm:shape>
+              </dgm:else>
+            </dgm:choose>
+            <dgm:presOf axis="self" ptType="node"/>
+            <dgm:choose name="Name25">
+              <dgm:if name="Name26" func="var" arg="dir" op="equ" val="norm">
+                <dgm:constrLst>
+                  <dgm:constr type="h" refType="w" op="equ" fact="0.4"/>
+                  <dgm:constr type="tMarg" refType="primFontSz" fact="0.105"/>
+                  <dgm:constr type="bMarg" refType="primFontSz" fact="0.105"/>
+                  <dgm:constr type="lMarg" refType="primFontSz" fact="0.315"/>
+                  <dgm:constr type="rMarg" refType="primFontSz" fact="0.105"/>
+                </dgm:constrLst>
+              </dgm:if>
+              <dgm:else name="Name27">
+                <dgm:constrLst>
+                  <dgm:constr type="h" refType="w" op="equ" fact="0.4"/>
+                  <dgm:constr type="tMarg" refType="primFontSz" fact="0.105"/>
+                  <dgm:constr type="bMarg" refType="primFontSz" fact="0.105"/>
+                  <dgm:constr type="lMarg" refType="primFontSz" fact="0.105"/>
+                  <dgm:constr type="rMarg" refType="primFontSz" fact="0.315"/>
+                </dgm:constrLst>
+              </dgm:else>
+            </dgm:choose>
+            <dgm:ruleLst>
+              <dgm:rule type="primFontSz" val="5" fact="NaN" max="NaN"/>
+            </dgm:ruleLst>
+          </dgm:layoutNode>
+          <dgm:forEach name="Name28" axis="followSib" ptType="sibTrans" cnt="1">
+            <dgm:layoutNode name="parTxOnlySpace">
+              <dgm:alg type="sp"/>
+              <dgm:shape xmlns:r="http://schemas.openxmlformats.org/officeDocument/2006/relationships" r:blip="">
+                <dgm:adjLst/>
+              </dgm:shape>
+              <dgm:presOf/>
+              <dgm:constrLst/>
+              <dgm:ruleLst/>
+            </dgm:layoutNode>
+          </dgm:forEach>
+        </dgm:forEach>
+      </dgm:else>
+    </dgm:choose>
+  </dgm:layoutNode>
+</dgm:layoutDef>
+</file>
+
 <file path=ppt/diagrams/layout2.xml><?xml version="1.0" encoding="utf-8"?>
 <dgm:layoutDef xmlns:dgm="http://schemas.openxmlformats.org/drawingml/2006/diagram" xmlns:a="http://schemas.openxmlformats.org/drawingml/2006/main" uniqueId="urn:microsoft.com/office/officeart/2005/8/layout/chevron1">
   <dgm:title val=""/>
@@ -18648,6 +22514,2074 @@
 </dgm:styleDef>
 </file>
 
+<file path=ppt/diagrams/quickStyle10.xml><?xml version="1.0" encoding="utf-8"?>
+<dgm:styleDef xmlns:dgm="http://schemas.openxmlformats.org/drawingml/2006/diagram" xmlns:a="http://schemas.openxmlformats.org/drawingml/2006/main" uniqueId="urn:microsoft.com/office/officeart/2005/8/quickstyle/simple1">
+  <dgm:title val=""/>
+  <dgm:desc val=""/>
+  <dgm:catLst>
+    <dgm:cat type="simple" pri="10100"/>
+  </dgm:catLst>
+  <dgm:scene3d>
+    <a:camera prst="orthographicFront"/>
+    <a:lightRig rig="threePt" dir="t"/>
+  </dgm:scene3d>
+  <dgm:styleLbl name="node0">
+    <dgm:scene3d>
+      <a:camera prst="orthographicFront"/>
+      <a:lightRig rig="threePt" dir="t"/>
+    </dgm:scene3d>
+    <dgm:sp3d/>
+    <dgm:txPr/>
+    <dgm:style>
+      <a:lnRef idx="2">
+        <a:scrgbClr r="0" g="0" b="0"/>
+      </a:lnRef>
+      <a:fillRef idx="1">
+        <a:scrgbClr r="0" g="0" b="0"/>
+      </a:fillRef>
+      <a:effectRef idx="0">
+        <a:scrgbClr r="0" g="0" b="0"/>
+      </a:effectRef>
+      <a:fontRef idx="minor">
+        <a:schemeClr val="lt1"/>
+      </a:fontRef>
+    </dgm:style>
+  </dgm:styleLbl>
+  <dgm:styleLbl name="lnNode1">
+    <dgm:scene3d>
+      <a:camera prst="orthographicFront"/>
+      <a:lightRig rig="threePt" dir="t"/>
+    </dgm:scene3d>
+    <dgm:sp3d/>
+    <dgm:txPr/>
+    <dgm:style>
+      <a:lnRef idx="2">
+        <a:scrgbClr r="0" g="0" b="0"/>
+      </a:lnRef>
+      <a:fillRef idx="1">
+        <a:scrgbClr r="0" g="0" b="0"/>
+      </a:fillRef>
+      <a:effectRef idx="0">
+        <a:scrgbClr r="0" g="0" b="0"/>
+      </a:effectRef>
+      <a:fontRef idx="minor">
+        <a:schemeClr val="lt1"/>
+      </a:fontRef>
+    </dgm:style>
+  </dgm:styleLbl>
+  <dgm:styleLbl name="vennNode1">
+    <dgm:scene3d>
+      <a:camera prst="orthographicFront"/>
+      <a:lightRig rig="threePt" dir="t"/>
+    </dgm:scene3d>
+    <dgm:sp3d/>
+    <dgm:txPr/>
+    <dgm:style>
+      <a:lnRef idx="2">
+        <a:scrgbClr r="0" g="0" b="0"/>
+      </a:lnRef>
+      <a:fillRef idx="1">
+        <a:scrgbClr r="0" g="0" b="0"/>
+      </a:fillRef>
+      <a:effectRef idx="0">
+        <a:scrgbClr r="0" g="0" b="0"/>
+      </a:effectRef>
+      <a:fontRef idx="minor">
+        <a:schemeClr val="tx1"/>
+      </a:fontRef>
+    </dgm:style>
+  </dgm:styleLbl>
+  <dgm:styleLbl name="alignNode1">
+    <dgm:scene3d>
+      <a:camera prst="orthographicFront"/>
+      <a:lightRig rig="threePt" dir="t"/>
+    </dgm:scene3d>
+    <dgm:sp3d/>
+    <dgm:txPr/>
+    <dgm:style>
+      <a:lnRef idx="2">
+        <a:scrgbClr r="0" g="0" b="0"/>
+      </a:lnRef>
+      <a:fillRef idx="1">
+        <a:scrgbClr r="0" g="0" b="0"/>
+      </a:fillRef>
+      <a:effectRef idx="0">
+        <a:scrgbClr r="0" g="0" b="0"/>
+      </a:effectRef>
+      <a:fontRef idx="minor">
+        <a:schemeClr val="lt1"/>
+      </a:fontRef>
+    </dgm:style>
+  </dgm:styleLbl>
+  <dgm:styleLbl name="node1">
+    <dgm:scene3d>
+      <a:camera prst="orthographicFront"/>
+      <a:lightRig rig="threePt" dir="t"/>
+    </dgm:scene3d>
+    <dgm:sp3d/>
+    <dgm:txPr/>
+    <dgm:style>
+      <a:lnRef idx="2">
+        <a:scrgbClr r="0" g="0" b="0"/>
+      </a:lnRef>
+      <a:fillRef idx="1">
+        <a:scrgbClr r="0" g="0" b="0"/>
+      </a:fillRef>
+      <a:effectRef idx="0">
+        <a:scrgbClr r="0" g="0" b="0"/>
+      </a:effectRef>
+      <a:fontRef idx="minor">
+        <a:schemeClr val="lt1"/>
+      </a:fontRef>
+    </dgm:style>
+  </dgm:styleLbl>
+  <dgm:styleLbl name="node2">
+    <dgm:scene3d>
+      <a:camera prst="orthographicFront"/>
+      <a:lightRig rig="threePt" dir="t"/>
+    </dgm:scene3d>
+    <dgm:sp3d/>
+    <dgm:txPr/>
+    <dgm:style>
+      <a:lnRef idx="2">
+        <a:scrgbClr r="0" g="0" b="0"/>
+      </a:lnRef>
+      <a:fillRef idx="1">
+        <a:scrgbClr r="0" g="0" b="0"/>
+      </a:fillRef>
+      <a:effectRef idx="0">
+        <a:scrgbClr r="0" g="0" b="0"/>
+      </a:effectRef>
+      <a:fontRef idx="minor">
+        <a:schemeClr val="lt1"/>
+      </a:fontRef>
+    </dgm:style>
+  </dgm:styleLbl>
+  <dgm:styleLbl name="node3">
+    <dgm:scene3d>
+      <a:camera prst="orthographicFront"/>
+      <a:lightRig rig="threePt" dir="t"/>
+    </dgm:scene3d>
+    <dgm:sp3d/>
+    <dgm:txPr/>
+    <dgm:style>
+      <a:lnRef idx="2">
+        <a:scrgbClr r="0" g="0" b="0"/>
+      </a:lnRef>
+      <a:fillRef idx="1">
+        <a:scrgbClr r="0" g="0" b="0"/>
+      </a:fillRef>
+      <a:effectRef idx="0">
+        <a:scrgbClr r="0" g="0" b="0"/>
+      </a:effectRef>
+      <a:fontRef idx="minor">
+        <a:schemeClr val="lt1"/>
+      </a:fontRef>
+    </dgm:style>
+  </dgm:styleLbl>
+  <dgm:styleLbl name="node4">
+    <dgm:scene3d>
+      <a:camera prst="orthographicFront"/>
+      <a:lightRig rig="threePt" dir="t"/>
+    </dgm:scene3d>
+    <dgm:sp3d/>
+    <dgm:txPr/>
+    <dgm:style>
+      <a:lnRef idx="2">
+        <a:scrgbClr r="0" g="0" b="0"/>
+      </a:lnRef>
+      <a:fillRef idx="1">
+        <a:scrgbClr r="0" g="0" b="0"/>
+      </a:fillRef>
+      <a:effectRef idx="0">
+        <a:scrgbClr r="0" g="0" b="0"/>
+      </a:effectRef>
+      <a:fontRef idx="minor">
+        <a:schemeClr val="lt1"/>
+      </a:fontRef>
+    </dgm:style>
+  </dgm:styleLbl>
+  <dgm:styleLbl name="fgImgPlace1">
+    <dgm:scene3d>
+      <a:camera prst="orthographicFront"/>
+      <a:lightRig rig="threePt" dir="t"/>
+    </dgm:scene3d>
+    <dgm:sp3d/>
+    <dgm:txPr/>
+    <dgm:style>
+      <a:lnRef idx="2">
+        <a:scrgbClr r="0" g="0" b="0"/>
+      </a:lnRef>
+      <a:fillRef idx="1">
+        <a:scrgbClr r="0" g="0" b="0"/>
+      </a:fillRef>
+      <a:effectRef idx="0">
+        <a:scrgbClr r="0" g="0" b="0"/>
+      </a:effectRef>
+      <a:fontRef idx="minor"/>
+    </dgm:style>
+  </dgm:styleLbl>
+  <dgm:styleLbl name="alignImgPlace1">
+    <dgm:scene3d>
+      <a:camera prst="orthographicFront"/>
+      <a:lightRig rig="threePt" dir="t"/>
+    </dgm:scene3d>
+    <dgm:sp3d/>
+    <dgm:txPr/>
+    <dgm:style>
+      <a:lnRef idx="2">
+        <a:scrgbClr r="0" g="0" b="0"/>
+      </a:lnRef>
+      <a:fillRef idx="1">
+        <a:scrgbClr r="0" g="0" b="0"/>
+      </a:fillRef>
+      <a:effectRef idx="0">
+        <a:scrgbClr r="0" g="0" b="0"/>
+      </a:effectRef>
+      <a:fontRef idx="minor"/>
+    </dgm:style>
+  </dgm:styleLbl>
+  <dgm:styleLbl name="bgImgPlace1">
+    <dgm:scene3d>
+      <a:camera prst="orthographicFront"/>
+      <a:lightRig rig="threePt" dir="t"/>
+    </dgm:scene3d>
+    <dgm:sp3d/>
+    <dgm:txPr/>
+    <dgm:style>
+      <a:lnRef idx="2">
+        <a:scrgbClr r="0" g="0" b="0"/>
+      </a:lnRef>
+      <a:fillRef idx="1">
+        <a:scrgbClr r="0" g="0" b="0"/>
+      </a:fillRef>
+      <a:effectRef idx="0">
+        <a:scrgbClr r="0" g="0" b="0"/>
+      </a:effectRef>
+      <a:fontRef idx="minor"/>
+    </dgm:style>
+  </dgm:styleLbl>
+  <dgm:styleLbl name="sibTrans2D1">
+    <dgm:scene3d>
+      <a:camera prst="orthographicFront"/>
+      <a:lightRig rig="threePt" dir="t"/>
+    </dgm:scene3d>
+    <dgm:sp3d/>
+    <dgm:txPr/>
+    <dgm:style>
+      <a:lnRef idx="0">
+        <a:scrgbClr r="0" g="0" b="0"/>
+      </a:lnRef>
+      <a:fillRef idx="1">
+        <a:scrgbClr r="0" g="0" b="0"/>
+      </a:fillRef>
+      <a:effectRef idx="0">
+        <a:scrgbClr r="0" g="0" b="0"/>
+      </a:effectRef>
+      <a:fontRef idx="minor">
+        <a:schemeClr val="lt1"/>
+      </a:fontRef>
+    </dgm:style>
+  </dgm:styleLbl>
+  <dgm:styleLbl name="fgSibTrans2D1">
+    <dgm:scene3d>
+      <a:camera prst="orthographicFront"/>
+      <a:lightRig rig="threePt" dir="t"/>
+    </dgm:scene3d>
+    <dgm:sp3d/>
+    <dgm:txPr/>
+    <dgm:style>
+      <a:lnRef idx="0">
+        <a:scrgbClr r="0" g="0" b="0"/>
+      </a:lnRef>
+      <a:fillRef idx="1">
+        <a:scrgbClr r="0" g="0" b="0"/>
+      </a:fillRef>
+      <a:effectRef idx="0">
+        <a:scrgbClr r="0" g="0" b="0"/>
+      </a:effectRef>
+      <a:fontRef idx="minor">
+        <a:schemeClr val="lt1"/>
+      </a:fontRef>
+    </dgm:style>
+  </dgm:styleLbl>
+  <dgm:styleLbl name="bgSibTrans2D1">
+    <dgm:scene3d>
+      <a:camera prst="orthographicFront"/>
+      <a:lightRig rig="threePt" dir="t"/>
+    </dgm:scene3d>
+    <dgm:sp3d/>
+    <dgm:txPr/>
+    <dgm:style>
+      <a:lnRef idx="0">
+        <a:scrgbClr r="0" g="0" b="0"/>
+      </a:lnRef>
+      <a:fillRef idx="1">
+        <a:scrgbClr r="0" g="0" b="0"/>
+      </a:fillRef>
+      <a:effectRef idx="0">
+        <a:scrgbClr r="0" g="0" b="0"/>
+      </a:effectRef>
+      <a:fontRef idx="minor">
+        <a:schemeClr val="lt1"/>
+      </a:fontRef>
+    </dgm:style>
+  </dgm:styleLbl>
+  <dgm:styleLbl name="sibTrans1D1">
+    <dgm:scene3d>
+      <a:camera prst="orthographicFront"/>
+      <a:lightRig rig="threePt" dir="t"/>
+    </dgm:scene3d>
+    <dgm:sp3d/>
+    <dgm:txPr/>
+    <dgm:style>
+      <a:lnRef idx="1">
+        <a:scrgbClr r="0" g="0" b="0"/>
+      </a:lnRef>
+      <a:fillRef idx="0">
+        <a:scrgbClr r="0" g="0" b="0"/>
+      </a:fillRef>
+      <a:effectRef idx="0">
+        <a:scrgbClr r="0" g="0" b="0"/>
+      </a:effectRef>
+      <a:fontRef idx="minor"/>
+    </dgm:style>
+  </dgm:styleLbl>
+  <dgm:styleLbl name="callout">
+    <dgm:scene3d>
+      <a:camera prst="orthographicFront"/>
+      <a:lightRig rig="threePt" dir="t"/>
+    </dgm:scene3d>
+    <dgm:sp3d/>
+    <dgm:txPr/>
+    <dgm:style>
+      <a:lnRef idx="2">
+        <a:scrgbClr r="0" g="0" b="0"/>
+      </a:lnRef>
+      <a:fillRef idx="1">
+        <a:scrgbClr r="0" g="0" b="0"/>
+      </a:fillRef>
+      <a:effectRef idx="0">
+        <a:scrgbClr r="0" g="0" b="0"/>
+      </a:effectRef>
+      <a:fontRef idx="minor"/>
+    </dgm:style>
+  </dgm:styleLbl>
+  <dgm:styleLbl name="asst0">
+    <dgm:scene3d>
+      <a:camera prst="orthographicFront"/>
+      <a:lightRig rig="threePt" dir="t"/>
+    </dgm:scene3d>
+    <dgm:sp3d/>
+    <dgm:txPr/>
+    <dgm:style>
+      <a:lnRef idx="2">
+        <a:scrgbClr r="0" g="0" b="0"/>
+      </a:lnRef>
+      <a:fillRef idx="1">
+        <a:scrgbClr r="0" g="0" b="0"/>
+      </a:fillRef>
+      <a:effectRef idx="0">
+        <a:scrgbClr r="0" g="0" b="0"/>
+      </a:effectRef>
+      <a:fontRef idx="minor">
+        <a:schemeClr val="lt1"/>
+      </a:fontRef>
+    </dgm:style>
+  </dgm:styleLbl>
+  <dgm:styleLbl name="asst1">
+    <dgm:scene3d>
+      <a:camera prst="orthographicFront"/>
+      <a:lightRig rig="threePt" dir="t"/>
+    </dgm:scene3d>
+    <dgm:sp3d/>
+    <dgm:txPr/>
+    <dgm:style>
+      <a:lnRef idx="2">
+        <a:scrgbClr r="0" g="0" b="0"/>
+      </a:lnRef>
+      <a:fillRef idx="1">
+        <a:scrgbClr r="0" g="0" b="0"/>
+      </a:fillRef>
+      <a:effectRef idx="0">
+        <a:scrgbClr r="0" g="0" b="0"/>
+      </a:effectRef>
+      <a:fontRef idx="minor">
+        <a:schemeClr val="lt1"/>
+      </a:fontRef>
+    </dgm:style>
+  </dgm:styleLbl>
+  <dgm:styleLbl name="asst2">
+    <dgm:scene3d>
+      <a:camera prst="orthographicFront"/>
+      <a:lightRig rig="threePt" dir="t"/>
+    </dgm:scene3d>
+    <dgm:sp3d/>
+    <dgm:txPr/>
+    <dgm:style>
+      <a:lnRef idx="2">
+        <a:scrgbClr r="0" g="0" b="0"/>
+      </a:lnRef>
+      <a:fillRef idx="1">
+        <a:scrgbClr r="0" g="0" b="0"/>
+      </a:fillRef>
+      <a:effectRef idx="0">
+        <a:scrgbClr r="0" g="0" b="0"/>
+      </a:effectRef>
+      <a:fontRef idx="minor">
+        <a:schemeClr val="lt1"/>
+      </a:fontRef>
+    </dgm:style>
+  </dgm:styleLbl>
+  <dgm:styleLbl name="asst3">
+    <dgm:scene3d>
+      <a:camera prst="orthographicFront"/>
+      <a:lightRig rig="threePt" dir="t"/>
+    </dgm:scene3d>
+    <dgm:sp3d/>
+    <dgm:txPr/>
+    <dgm:style>
+      <a:lnRef idx="2">
+        <a:scrgbClr r="0" g="0" b="0"/>
+      </a:lnRef>
+      <a:fillRef idx="1">
+        <a:scrgbClr r="0" g="0" b="0"/>
+      </a:fillRef>
+      <a:effectRef idx="0">
+        <a:scrgbClr r="0" g="0" b="0"/>
+      </a:effectRef>
+      <a:fontRef idx="minor">
+        <a:schemeClr val="lt1"/>
+      </a:fontRef>
+    </dgm:style>
+  </dgm:styleLbl>
+  <dgm:styleLbl name="asst4">
+    <dgm:scene3d>
+      <a:camera prst="orthographicFront"/>
+      <a:lightRig rig="threePt" dir="t"/>
+    </dgm:scene3d>
+    <dgm:sp3d/>
+    <dgm:txPr/>
+    <dgm:style>
+      <a:lnRef idx="2">
+        <a:scrgbClr r="0" g="0" b="0"/>
+      </a:lnRef>
+      <a:fillRef idx="1">
+        <a:scrgbClr r="0" g="0" b="0"/>
+      </a:fillRef>
+      <a:effectRef idx="0">
+        <a:scrgbClr r="0" g="0" b="0"/>
+      </a:effectRef>
+      <a:fontRef idx="minor">
+        <a:schemeClr val="lt1"/>
+      </a:fontRef>
+    </dgm:style>
+  </dgm:styleLbl>
+  <dgm:styleLbl name="parChTrans2D1">
+    <dgm:scene3d>
+      <a:camera prst="orthographicFront"/>
+      <a:lightRig rig="threePt" dir="t"/>
+    </dgm:scene3d>
+    <dgm:sp3d/>
+    <dgm:txPr/>
+    <dgm:style>
+      <a:lnRef idx="2">
+        <a:scrgbClr r="0" g="0" b="0"/>
+      </a:lnRef>
+      <a:fillRef idx="1">
+        <a:scrgbClr r="0" g="0" b="0"/>
+      </a:fillRef>
+      <a:effectRef idx="0">
+        <a:scrgbClr r="0" g="0" b="0"/>
+      </a:effectRef>
+      <a:fontRef idx="minor">
+        <a:schemeClr val="lt1"/>
+      </a:fontRef>
+    </dgm:style>
+  </dgm:styleLbl>
+  <dgm:styleLbl name="parChTrans2D2">
+    <dgm:scene3d>
+      <a:camera prst="orthographicFront"/>
+      <a:lightRig rig="threePt" dir="t"/>
+    </dgm:scene3d>
+    <dgm:sp3d/>
+    <dgm:txPr/>
+    <dgm:style>
+      <a:lnRef idx="2">
+        <a:scrgbClr r="0" g="0" b="0"/>
+      </a:lnRef>
+      <a:fillRef idx="1">
+        <a:scrgbClr r="0" g="0" b="0"/>
+      </a:fillRef>
+      <a:effectRef idx="0">
+        <a:scrgbClr r="0" g="0" b="0"/>
+      </a:effectRef>
+      <a:fontRef idx="minor">
+        <a:schemeClr val="lt1"/>
+      </a:fontRef>
+    </dgm:style>
+  </dgm:styleLbl>
+  <dgm:styleLbl name="parChTrans2D3">
+    <dgm:scene3d>
+      <a:camera prst="orthographicFront"/>
+      <a:lightRig rig="threePt" dir="t"/>
+    </dgm:scene3d>
+    <dgm:sp3d/>
+    <dgm:txPr/>
+    <dgm:style>
+      <a:lnRef idx="2">
+        <a:scrgbClr r="0" g="0" b="0"/>
+      </a:lnRef>
+      <a:fillRef idx="1">
+        <a:scrgbClr r="0" g="0" b="0"/>
+      </a:fillRef>
+      <a:effectRef idx="0">
+        <a:scrgbClr r="0" g="0" b="0"/>
+      </a:effectRef>
+      <a:fontRef idx="minor">
+        <a:schemeClr val="lt1"/>
+      </a:fontRef>
+    </dgm:style>
+  </dgm:styleLbl>
+  <dgm:styleLbl name="parChTrans2D4">
+    <dgm:scene3d>
+      <a:camera prst="orthographicFront"/>
+      <a:lightRig rig="threePt" dir="t"/>
+    </dgm:scene3d>
+    <dgm:sp3d/>
+    <dgm:txPr/>
+    <dgm:style>
+      <a:lnRef idx="2">
+        <a:scrgbClr r="0" g="0" b="0"/>
+      </a:lnRef>
+      <a:fillRef idx="1">
+        <a:scrgbClr r="0" g="0" b="0"/>
+      </a:fillRef>
+      <a:effectRef idx="0">
+        <a:scrgbClr r="0" g="0" b="0"/>
+      </a:effectRef>
+      <a:fontRef idx="minor">
+        <a:schemeClr val="lt1"/>
+      </a:fontRef>
+    </dgm:style>
+  </dgm:styleLbl>
+  <dgm:styleLbl name="parChTrans1D1">
+    <dgm:scene3d>
+      <a:camera prst="orthographicFront"/>
+      <a:lightRig rig="threePt" dir="t"/>
+    </dgm:scene3d>
+    <dgm:sp3d/>
+    <dgm:txPr/>
+    <dgm:style>
+      <a:lnRef idx="2">
+        <a:scrgbClr r="0" g="0" b="0"/>
+      </a:lnRef>
+      <a:fillRef idx="0">
+        <a:scrgbClr r="0" g="0" b="0"/>
+      </a:fillRef>
+      <a:effectRef idx="0">
+        <a:scrgbClr r="0" g="0" b="0"/>
+      </a:effectRef>
+      <a:fontRef idx="minor"/>
+    </dgm:style>
+  </dgm:styleLbl>
+  <dgm:styleLbl name="parChTrans1D2">
+    <dgm:scene3d>
+      <a:camera prst="orthographicFront"/>
+      <a:lightRig rig="threePt" dir="t"/>
+    </dgm:scene3d>
+    <dgm:sp3d/>
+    <dgm:txPr/>
+    <dgm:style>
+      <a:lnRef idx="2">
+        <a:scrgbClr r="0" g="0" b="0"/>
+      </a:lnRef>
+      <a:fillRef idx="0">
+        <a:scrgbClr r="0" g="0" b="0"/>
+      </a:fillRef>
+      <a:effectRef idx="0">
+        <a:scrgbClr r="0" g="0" b="0"/>
+      </a:effectRef>
+      <a:fontRef idx="minor"/>
+    </dgm:style>
+  </dgm:styleLbl>
+  <dgm:styleLbl name="parChTrans1D3">
+    <dgm:scene3d>
+      <a:camera prst="orthographicFront"/>
+      <a:lightRig rig="threePt" dir="t"/>
+    </dgm:scene3d>
+    <dgm:sp3d/>
+    <dgm:txPr/>
+    <dgm:style>
+      <a:lnRef idx="2">
+        <a:scrgbClr r="0" g="0" b="0"/>
+      </a:lnRef>
+      <a:fillRef idx="0">
+        <a:scrgbClr r="0" g="0" b="0"/>
+      </a:fillRef>
+      <a:effectRef idx="0">
+        <a:scrgbClr r="0" g="0" b="0"/>
+      </a:effectRef>
+      <a:fontRef idx="minor"/>
+    </dgm:style>
+  </dgm:styleLbl>
+  <dgm:styleLbl name="parChTrans1D4">
+    <dgm:scene3d>
+      <a:camera prst="orthographicFront"/>
+      <a:lightRig rig="threePt" dir="t"/>
+    </dgm:scene3d>
+    <dgm:sp3d/>
+    <dgm:txPr/>
+    <dgm:style>
+      <a:lnRef idx="2">
+        <a:scrgbClr r="0" g="0" b="0"/>
+      </a:lnRef>
+      <a:fillRef idx="0">
+        <a:scrgbClr r="0" g="0" b="0"/>
+      </a:fillRef>
+      <a:effectRef idx="0">
+        <a:scrgbClr r="0" g="0" b="0"/>
+      </a:effectRef>
+      <a:fontRef idx="minor"/>
+    </dgm:style>
+  </dgm:styleLbl>
+  <dgm:styleLbl name="fgAcc1">
+    <dgm:scene3d>
+      <a:camera prst="orthographicFront"/>
+      <a:lightRig rig="threePt" dir="t"/>
+    </dgm:scene3d>
+    <dgm:sp3d/>
+    <dgm:txPr/>
+    <dgm:style>
+      <a:lnRef idx="2">
+        <a:scrgbClr r="0" g="0" b="0"/>
+      </a:lnRef>
+      <a:fillRef idx="1">
+        <a:scrgbClr r="0" g="0" b="0"/>
+      </a:fillRef>
+      <a:effectRef idx="0">
+        <a:scrgbClr r="0" g="0" b="0"/>
+      </a:effectRef>
+      <a:fontRef idx="minor"/>
+    </dgm:style>
+  </dgm:styleLbl>
+  <dgm:styleLbl name="conFgAcc1">
+    <dgm:scene3d>
+      <a:camera prst="orthographicFront"/>
+      <a:lightRig rig="threePt" dir="t"/>
+    </dgm:scene3d>
+    <dgm:sp3d/>
+    <dgm:txPr/>
+    <dgm:style>
+      <a:lnRef idx="2">
+        <a:scrgbClr r="0" g="0" b="0"/>
+      </a:lnRef>
+      <a:fillRef idx="1">
+        <a:scrgbClr r="0" g="0" b="0"/>
+      </a:fillRef>
+      <a:effectRef idx="0">
+        <a:scrgbClr r="0" g="0" b="0"/>
+      </a:effectRef>
+      <a:fontRef idx="minor"/>
+    </dgm:style>
+  </dgm:styleLbl>
+  <dgm:styleLbl name="alignAcc1">
+    <dgm:scene3d>
+      <a:camera prst="orthographicFront"/>
+      <a:lightRig rig="threePt" dir="t"/>
+    </dgm:scene3d>
+    <dgm:sp3d/>
+    <dgm:txPr/>
+    <dgm:style>
+      <a:lnRef idx="2">
+        <a:scrgbClr r="0" g="0" b="0"/>
+      </a:lnRef>
+      <a:fillRef idx="1">
+        <a:scrgbClr r="0" g="0" b="0"/>
+      </a:fillRef>
+      <a:effectRef idx="0">
+        <a:scrgbClr r="0" g="0" b="0"/>
+      </a:effectRef>
+      <a:fontRef idx="minor"/>
+    </dgm:style>
+  </dgm:styleLbl>
+  <dgm:styleLbl name="trAlignAcc1">
+    <dgm:scene3d>
+      <a:camera prst="orthographicFront"/>
+      <a:lightRig rig="threePt" dir="t"/>
+    </dgm:scene3d>
+    <dgm:sp3d/>
+    <dgm:txPr/>
+    <dgm:style>
+      <a:lnRef idx="1">
+        <a:scrgbClr r="0" g="0" b="0"/>
+      </a:lnRef>
+      <a:fillRef idx="1">
+        <a:scrgbClr r="0" g="0" b="0"/>
+      </a:fillRef>
+      <a:effectRef idx="0">
+        <a:scrgbClr r="0" g="0" b="0"/>
+      </a:effectRef>
+      <a:fontRef idx="minor"/>
+    </dgm:style>
+  </dgm:styleLbl>
+  <dgm:styleLbl name="bgAcc1">
+    <dgm:scene3d>
+      <a:camera prst="orthographicFront"/>
+      <a:lightRig rig="threePt" dir="t"/>
+    </dgm:scene3d>
+    <dgm:sp3d/>
+    <dgm:txPr/>
+    <dgm:style>
+      <a:lnRef idx="2">
+        <a:scrgbClr r="0" g="0" b="0"/>
+      </a:lnRef>
+      <a:fillRef idx="1">
+        <a:scrgbClr r="0" g="0" b="0"/>
+      </a:fillRef>
+      <a:effectRef idx="0">
+        <a:scrgbClr r="0" g="0" b="0"/>
+      </a:effectRef>
+      <a:fontRef idx="minor"/>
+    </dgm:style>
+  </dgm:styleLbl>
+  <dgm:styleLbl name="solidFgAcc1">
+    <dgm:scene3d>
+      <a:camera prst="orthographicFront"/>
+      <a:lightRig rig="threePt" dir="t"/>
+    </dgm:scene3d>
+    <dgm:sp3d/>
+    <dgm:txPr/>
+    <dgm:style>
+      <a:lnRef idx="2">
+        <a:scrgbClr r="0" g="0" b="0"/>
+      </a:lnRef>
+      <a:fillRef idx="1">
+        <a:scrgbClr r="0" g="0" b="0"/>
+      </a:fillRef>
+      <a:effectRef idx="0">
+        <a:scrgbClr r="0" g="0" b="0"/>
+      </a:effectRef>
+      <a:fontRef idx="minor"/>
+    </dgm:style>
+  </dgm:styleLbl>
+  <dgm:styleLbl name="solidAlignAcc1">
+    <dgm:scene3d>
+      <a:camera prst="orthographicFront"/>
+      <a:lightRig rig="threePt" dir="t"/>
+    </dgm:scene3d>
+    <dgm:sp3d/>
+    <dgm:txPr/>
+    <dgm:style>
+      <a:lnRef idx="2">
+        <a:scrgbClr r="0" g="0" b="0"/>
+      </a:lnRef>
+      <a:fillRef idx="1">
+        <a:scrgbClr r="0" g="0" b="0"/>
+      </a:fillRef>
+      <a:effectRef idx="0">
+        <a:scrgbClr r="0" g="0" b="0"/>
+      </a:effectRef>
+      <a:fontRef idx="minor"/>
+    </dgm:style>
+  </dgm:styleLbl>
+  <dgm:styleLbl name="solidBgAcc1">
+    <dgm:scene3d>
+      <a:camera prst="orthographicFront"/>
+      <a:lightRig rig="threePt" dir="t"/>
+    </dgm:scene3d>
+    <dgm:sp3d/>
+    <dgm:txPr/>
+    <dgm:style>
+      <a:lnRef idx="2">
+        <a:scrgbClr r="0" g="0" b="0"/>
+      </a:lnRef>
+      <a:fillRef idx="1">
+        <a:scrgbClr r="0" g="0" b="0"/>
+      </a:fillRef>
+      <a:effectRef idx="0">
+        <a:scrgbClr r="0" g="0" b="0"/>
+      </a:effectRef>
+      <a:fontRef idx="minor"/>
+    </dgm:style>
+  </dgm:styleLbl>
+  <dgm:styleLbl name="fgAccFollowNode1">
+    <dgm:scene3d>
+      <a:camera prst="orthographicFront"/>
+      <a:lightRig rig="threePt" dir="t"/>
+    </dgm:scene3d>
+    <dgm:sp3d/>
+    <dgm:txPr/>
+    <dgm:style>
+      <a:lnRef idx="2">
+        <a:scrgbClr r="0" g="0" b="0"/>
+      </a:lnRef>
+      <a:fillRef idx="1">
+        <a:scrgbClr r="0" g="0" b="0"/>
+      </a:fillRef>
+      <a:effectRef idx="0">
+        <a:scrgbClr r="0" g="0" b="0"/>
+      </a:effectRef>
+      <a:fontRef idx="minor"/>
+    </dgm:style>
+  </dgm:styleLbl>
+  <dgm:styleLbl name="alignAccFollowNode1">
+    <dgm:scene3d>
+      <a:camera prst="orthographicFront"/>
+      <a:lightRig rig="threePt" dir="t"/>
+    </dgm:scene3d>
+    <dgm:sp3d/>
+    <dgm:txPr/>
+    <dgm:style>
+      <a:lnRef idx="2">
+        <a:scrgbClr r="0" g="0" b="0"/>
+      </a:lnRef>
+      <a:fillRef idx="1">
+        <a:scrgbClr r="0" g="0" b="0"/>
+      </a:fillRef>
+      <a:effectRef idx="0">
+        <a:scrgbClr r="0" g="0" b="0"/>
+      </a:effectRef>
+      <a:fontRef idx="minor"/>
+    </dgm:style>
+  </dgm:styleLbl>
+  <dgm:styleLbl name="bgAccFollowNode1">
+    <dgm:scene3d>
+      <a:camera prst="orthographicFront"/>
+      <a:lightRig rig="threePt" dir="t"/>
+    </dgm:scene3d>
+    <dgm:sp3d/>
+    <dgm:txPr/>
+    <dgm:style>
+      <a:lnRef idx="2">
+        <a:scrgbClr r="0" g="0" b="0"/>
+      </a:lnRef>
+      <a:fillRef idx="1">
+        <a:scrgbClr r="0" g="0" b="0"/>
+      </a:fillRef>
+      <a:effectRef idx="0">
+        <a:scrgbClr r="0" g="0" b="0"/>
+      </a:effectRef>
+      <a:fontRef idx="minor"/>
+    </dgm:style>
+  </dgm:styleLbl>
+  <dgm:styleLbl name="fgAcc0">
+    <dgm:scene3d>
+      <a:camera prst="orthographicFront"/>
+      <a:lightRig rig="threePt" dir="t"/>
+    </dgm:scene3d>
+    <dgm:sp3d/>
+    <dgm:txPr/>
+    <dgm:style>
+      <a:lnRef idx="2">
+        <a:scrgbClr r="0" g="0" b="0"/>
+      </a:lnRef>
+      <a:fillRef idx="1">
+        <a:scrgbClr r="0" g="0" b="0"/>
+      </a:fillRef>
+      <a:effectRef idx="0">
+        <a:scrgbClr r="0" g="0" b="0"/>
+      </a:effectRef>
+      <a:fontRef idx="minor"/>
+    </dgm:style>
+  </dgm:styleLbl>
+  <dgm:styleLbl name="fgAcc2">
+    <dgm:scene3d>
+      <a:camera prst="orthographicFront"/>
+      <a:lightRig rig="threePt" dir="t"/>
+    </dgm:scene3d>
+    <dgm:sp3d/>
+    <dgm:txPr/>
+    <dgm:style>
+      <a:lnRef idx="2">
+        <a:scrgbClr r="0" g="0" b="0"/>
+      </a:lnRef>
+      <a:fillRef idx="1">
+        <a:scrgbClr r="0" g="0" b="0"/>
+      </a:fillRef>
+      <a:effectRef idx="0">
+        <a:scrgbClr r="0" g="0" b="0"/>
+      </a:effectRef>
+      <a:fontRef idx="minor"/>
+    </dgm:style>
+  </dgm:styleLbl>
+  <dgm:styleLbl name="fgAcc3">
+    <dgm:scene3d>
+      <a:camera prst="orthographicFront"/>
+      <a:lightRig rig="threePt" dir="t"/>
+    </dgm:scene3d>
+    <dgm:sp3d/>
+    <dgm:txPr/>
+    <dgm:style>
+      <a:lnRef idx="2">
+        <a:scrgbClr r="0" g="0" b="0"/>
+      </a:lnRef>
+      <a:fillRef idx="1">
+        <a:scrgbClr r="0" g="0" b="0"/>
+      </a:fillRef>
+      <a:effectRef idx="0">
+        <a:scrgbClr r="0" g="0" b="0"/>
+      </a:effectRef>
+      <a:fontRef idx="minor"/>
+    </dgm:style>
+  </dgm:styleLbl>
+  <dgm:styleLbl name="fgAcc4">
+    <dgm:scene3d>
+      <a:camera prst="orthographicFront"/>
+      <a:lightRig rig="threePt" dir="t"/>
+    </dgm:scene3d>
+    <dgm:sp3d/>
+    <dgm:txPr/>
+    <dgm:style>
+      <a:lnRef idx="2">
+        <a:scrgbClr r="0" g="0" b="0"/>
+      </a:lnRef>
+      <a:fillRef idx="1">
+        <a:scrgbClr r="0" g="0" b="0"/>
+      </a:fillRef>
+      <a:effectRef idx="0">
+        <a:scrgbClr r="0" g="0" b="0"/>
+      </a:effectRef>
+      <a:fontRef idx="minor"/>
+    </dgm:style>
+  </dgm:styleLbl>
+  <dgm:styleLbl name="bgShp">
+    <dgm:scene3d>
+      <a:camera prst="orthographicFront"/>
+      <a:lightRig rig="threePt" dir="t"/>
+    </dgm:scene3d>
+    <dgm:sp3d/>
+    <dgm:txPr/>
+    <dgm:style>
+      <a:lnRef idx="0">
+        <a:scrgbClr r="0" g="0" b="0"/>
+      </a:lnRef>
+      <a:fillRef idx="1">
+        <a:scrgbClr r="0" g="0" b="0"/>
+      </a:fillRef>
+      <a:effectRef idx="0">
+        <a:scrgbClr r="0" g="0" b="0"/>
+      </a:effectRef>
+      <a:fontRef idx="minor"/>
+    </dgm:style>
+  </dgm:styleLbl>
+  <dgm:styleLbl name="dkBgShp">
+    <dgm:scene3d>
+      <a:camera prst="orthographicFront"/>
+      <a:lightRig rig="threePt" dir="t"/>
+    </dgm:scene3d>
+    <dgm:sp3d/>
+    <dgm:txPr/>
+    <dgm:style>
+      <a:lnRef idx="0">
+        <a:scrgbClr r="0" g="0" b="0"/>
+      </a:lnRef>
+      <a:fillRef idx="1">
+        <a:scrgbClr r="0" g="0" b="0"/>
+      </a:fillRef>
+      <a:effectRef idx="0">
+        <a:scrgbClr r="0" g="0" b="0"/>
+      </a:effectRef>
+      <a:fontRef idx="minor"/>
+    </dgm:style>
+  </dgm:styleLbl>
+  <dgm:styleLbl name="trBgShp">
+    <dgm:scene3d>
+      <a:camera prst="orthographicFront"/>
+      <a:lightRig rig="threePt" dir="t"/>
+    </dgm:scene3d>
+    <dgm:sp3d/>
+    <dgm:txPr/>
+    <dgm:style>
+      <a:lnRef idx="0">
+        <a:scrgbClr r="0" g="0" b="0"/>
+      </a:lnRef>
+      <a:fillRef idx="1">
+        <a:scrgbClr r="0" g="0" b="0"/>
+      </a:fillRef>
+      <a:effectRef idx="0">
+        <a:scrgbClr r="0" g="0" b="0"/>
+      </a:effectRef>
+      <a:fontRef idx="minor"/>
+    </dgm:style>
+  </dgm:styleLbl>
+  <dgm:styleLbl name="fgShp">
+    <dgm:scene3d>
+      <a:camera prst="orthographicFront"/>
+      <a:lightRig rig="threePt" dir="t"/>
+    </dgm:scene3d>
+    <dgm:sp3d/>
+    <dgm:txPr/>
+    <dgm:style>
+      <a:lnRef idx="2">
+        <a:scrgbClr r="0" g="0" b="0"/>
+      </a:lnRef>
+      <a:fillRef idx="1">
+        <a:scrgbClr r="0" g="0" b="0"/>
+      </a:fillRef>
+      <a:effectRef idx="0">
+        <a:scrgbClr r="0" g="0" b="0"/>
+      </a:effectRef>
+      <a:fontRef idx="minor"/>
+    </dgm:style>
+  </dgm:styleLbl>
+  <dgm:styleLbl name="revTx">
+    <dgm:scene3d>
+      <a:camera prst="orthographicFront"/>
+      <a:lightRig rig="threePt" dir="t"/>
+    </dgm:scene3d>
+    <dgm:sp3d/>
+    <dgm:txPr/>
+    <dgm:style>
+      <a:lnRef idx="0">
+        <a:scrgbClr r="0" g="0" b="0"/>
+      </a:lnRef>
+      <a:fillRef idx="0">
+        <a:scrgbClr r="0" g="0" b="0"/>
+      </a:fillRef>
+      <a:effectRef idx="0">
+        <a:scrgbClr r="0" g="0" b="0"/>
+      </a:effectRef>
+      <a:fontRef idx="minor"/>
+    </dgm:style>
+  </dgm:styleLbl>
+</dgm:styleDef>
+</file>
+
+<file path=ppt/diagrams/quickStyle11.xml><?xml version="1.0" encoding="utf-8"?>
+<dgm:styleDef xmlns:dgm="http://schemas.openxmlformats.org/drawingml/2006/diagram" xmlns:a="http://schemas.openxmlformats.org/drawingml/2006/main" uniqueId="urn:microsoft.com/office/officeart/2005/8/quickstyle/simple1">
+  <dgm:title val=""/>
+  <dgm:desc val=""/>
+  <dgm:catLst>
+    <dgm:cat type="simple" pri="10100"/>
+  </dgm:catLst>
+  <dgm:scene3d>
+    <a:camera prst="orthographicFront"/>
+    <a:lightRig rig="threePt" dir="t"/>
+  </dgm:scene3d>
+  <dgm:styleLbl name="node0">
+    <dgm:scene3d>
+      <a:camera prst="orthographicFront"/>
+      <a:lightRig rig="threePt" dir="t"/>
+    </dgm:scene3d>
+    <dgm:sp3d/>
+    <dgm:txPr/>
+    <dgm:style>
+      <a:lnRef idx="2">
+        <a:scrgbClr r="0" g="0" b="0"/>
+      </a:lnRef>
+      <a:fillRef idx="1">
+        <a:scrgbClr r="0" g="0" b="0"/>
+      </a:fillRef>
+      <a:effectRef idx="0">
+        <a:scrgbClr r="0" g="0" b="0"/>
+      </a:effectRef>
+      <a:fontRef idx="minor">
+        <a:schemeClr val="lt1"/>
+      </a:fontRef>
+    </dgm:style>
+  </dgm:styleLbl>
+  <dgm:styleLbl name="lnNode1">
+    <dgm:scene3d>
+      <a:camera prst="orthographicFront"/>
+      <a:lightRig rig="threePt" dir="t"/>
+    </dgm:scene3d>
+    <dgm:sp3d/>
+    <dgm:txPr/>
+    <dgm:style>
+      <a:lnRef idx="2">
+        <a:scrgbClr r="0" g="0" b="0"/>
+      </a:lnRef>
+      <a:fillRef idx="1">
+        <a:scrgbClr r="0" g="0" b="0"/>
+      </a:fillRef>
+      <a:effectRef idx="0">
+        <a:scrgbClr r="0" g="0" b="0"/>
+      </a:effectRef>
+      <a:fontRef idx="minor">
+        <a:schemeClr val="lt1"/>
+      </a:fontRef>
+    </dgm:style>
+  </dgm:styleLbl>
+  <dgm:styleLbl name="vennNode1">
+    <dgm:scene3d>
+      <a:camera prst="orthographicFront"/>
+      <a:lightRig rig="threePt" dir="t"/>
+    </dgm:scene3d>
+    <dgm:sp3d/>
+    <dgm:txPr/>
+    <dgm:style>
+      <a:lnRef idx="2">
+        <a:scrgbClr r="0" g="0" b="0"/>
+      </a:lnRef>
+      <a:fillRef idx="1">
+        <a:scrgbClr r="0" g="0" b="0"/>
+      </a:fillRef>
+      <a:effectRef idx="0">
+        <a:scrgbClr r="0" g="0" b="0"/>
+      </a:effectRef>
+      <a:fontRef idx="minor">
+        <a:schemeClr val="tx1"/>
+      </a:fontRef>
+    </dgm:style>
+  </dgm:styleLbl>
+  <dgm:styleLbl name="alignNode1">
+    <dgm:scene3d>
+      <a:camera prst="orthographicFront"/>
+      <a:lightRig rig="threePt" dir="t"/>
+    </dgm:scene3d>
+    <dgm:sp3d/>
+    <dgm:txPr/>
+    <dgm:style>
+      <a:lnRef idx="2">
+        <a:scrgbClr r="0" g="0" b="0"/>
+      </a:lnRef>
+      <a:fillRef idx="1">
+        <a:scrgbClr r="0" g="0" b="0"/>
+      </a:fillRef>
+      <a:effectRef idx="0">
+        <a:scrgbClr r="0" g="0" b="0"/>
+      </a:effectRef>
+      <a:fontRef idx="minor">
+        <a:schemeClr val="lt1"/>
+      </a:fontRef>
+    </dgm:style>
+  </dgm:styleLbl>
+  <dgm:styleLbl name="node1">
+    <dgm:scene3d>
+      <a:camera prst="orthographicFront"/>
+      <a:lightRig rig="threePt" dir="t"/>
+    </dgm:scene3d>
+    <dgm:sp3d/>
+    <dgm:txPr/>
+    <dgm:style>
+      <a:lnRef idx="2">
+        <a:scrgbClr r="0" g="0" b="0"/>
+      </a:lnRef>
+      <a:fillRef idx="1">
+        <a:scrgbClr r="0" g="0" b="0"/>
+      </a:fillRef>
+      <a:effectRef idx="0">
+        <a:scrgbClr r="0" g="0" b="0"/>
+      </a:effectRef>
+      <a:fontRef idx="minor">
+        <a:schemeClr val="lt1"/>
+      </a:fontRef>
+    </dgm:style>
+  </dgm:styleLbl>
+  <dgm:styleLbl name="node2">
+    <dgm:scene3d>
+      <a:camera prst="orthographicFront"/>
+      <a:lightRig rig="threePt" dir="t"/>
+    </dgm:scene3d>
+    <dgm:sp3d/>
+    <dgm:txPr/>
+    <dgm:style>
+      <a:lnRef idx="2">
+        <a:scrgbClr r="0" g="0" b="0"/>
+      </a:lnRef>
+      <a:fillRef idx="1">
+        <a:scrgbClr r="0" g="0" b="0"/>
+      </a:fillRef>
+      <a:effectRef idx="0">
+        <a:scrgbClr r="0" g="0" b="0"/>
+      </a:effectRef>
+      <a:fontRef idx="minor">
+        <a:schemeClr val="lt1"/>
+      </a:fontRef>
+    </dgm:style>
+  </dgm:styleLbl>
+  <dgm:styleLbl name="node3">
+    <dgm:scene3d>
+      <a:camera prst="orthographicFront"/>
+      <a:lightRig rig="threePt" dir="t"/>
+    </dgm:scene3d>
+    <dgm:sp3d/>
+    <dgm:txPr/>
+    <dgm:style>
+      <a:lnRef idx="2">
+        <a:scrgbClr r="0" g="0" b="0"/>
+      </a:lnRef>
+      <a:fillRef idx="1">
+        <a:scrgbClr r="0" g="0" b="0"/>
+      </a:fillRef>
+      <a:effectRef idx="0">
+        <a:scrgbClr r="0" g="0" b="0"/>
+      </a:effectRef>
+      <a:fontRef idx="minor">
+        <a:schemeClr val="lt1"/>
+      </a:fontRef>
+    </dgm:style>
+  </dgm:styleLbl>
+  <dgm:styleLbl name="node4">
+    <dgm:scene3d>
+      <a:camera prst="orthographicFront"/>
+      <a:lightRig rig="threePt" dir="t"/>
+    </dgm:scene3d>
+    <dgm:sp3d/>
+    <dgm:txPr/>
+    <dgm:style>
+      <a:lnRef idx="2">
+        <a:scrgbClr r="0" g="0" b="0"/>
+      </a:lnRef>
+      <a:fillRef idx="1">
+        <a:scrgbClr r="0" g="0" b="0"/>
+      </a:fillRef>
+      <a:effectRef idx="0">
+        <a:scrgbClr r="0" g="0" b="0"/>
+      </a:effectRef>
+      <a:fontRef idx="minor">
+        <a:schemeClr val="lt1"/>
+      </a:fontRef>
+    </dgm:style>
+  </dgm:styleLbl>
+  <dgm:styleLbl name="fgImgPlace1">
+    <dgm:scene3d>
+      <a:camera prst="orthographicFront"/>
+      <a:lightRig rig="threePt" dir="t"/>
+    </dgm:scene3d>
+    <dgm:sp3d/>
+    <dgm:txPr/>
+    <dgm:style>
+      <a:lnRef idx="2">
+        <a:scrgbClr r="0" g="0" b="0"/>
+      </a:lnRef>
+      <a:fillRef idx="1">
+        <a:scrgbClr r="0" g="0" b="0"/>
+      </a:fillRef>
+      <a:effectRef idx="0">
+        <a:scrgbClr r="0" g="0" b="0"/>
+      </a:effectRef>
+      <a:fontRef idx="minor"/>
+    </dgm:style>
+  </dgm:styleLbl>
+  <dgm:styleLbl name="alignImgPlace1">
+    <dgm:scene3d>
+      <a:camera prst="orthographicFront"/>
+      <a:lightRig rig="threePt" dir="t"/>
+    </dgm:scene3d>
+    <dgm:sp3d/>
+    <dgm:txPr/>
+    <dgm:style>
+      <a:lnRef idx="2">
+        <a:scrgbClr r="0" g="0" b="0"/>
+      </a:lnRef>
+      <a:fillRef idx="1">
+        <a:scrgbClr r="0" g="0" b="0"/>
+      </a:fillRef>
+      <a:effectRef idx="0">
+        <a:scrgbClr r="0" g="0" b="0"/>
+      </a:effectRef>
+      <a:fontRef idx="minor"/>
+    </dgm:style>
+  </dgm:styleLbl>
+  <dgm:styleLbl name="bgImgPlace1">
+    <dgm:scene3d>
+      <a:camera prst="orthographicFront"/>
+      <a:lightRig rig="threePt" dir="t"/>
+    </dgm:scene3d>
+    <dgm:sp3d/>
+    <dgm:txPr/>
+    <dgm:style>
+      <a:lnRef idx="2">
+        <a:scrgbClr r="0" g="0" b="0"/>
+      </a:lnRef>
+      <a:fillRef idx="1">
+        <a:scrgbClr r="0" g="0" b="0"/>
+      </a:fillRef>
+      <a:effectRef idx="0">
+        <a:scrgbClr r="0" g="0" b="0"/>
+      </a:effectRef>
+      <a:fontRef idx="minor"/>
+    </dgm:style>
+  </dgm:styleLbl>
+  <dgm:styleLbl name="sibTrans2D1">
+    <dgm:scene3d>
+      <a:camera prst="orthographicFront"/>
+      <a:lightRig rig="threePt" dir="t"/>
+    </dgm:scene3d>
+    <dgm:sp3d/>
+    <dgm:txPr/>
+    <dgm:style>
+      <a:lnRef idx="0">
+        <a:scrgbClr r="0" g="0" b="0"/>
+      </a:lnRef>
+      <a:fillRef idx="1">
+        <a:scrgbClr r="0" g="0" b="0"/>
+      </a:fillRef>
+      <a:effectRef idx="0">
+        <a:scrgbClr r="0" g="0" b="0"/>
+      </a:effectRef>
+      <a:fontRef idx="minor">
+        <a:schemeClr val="lt1"/>
+      </a:fontRef>
+    </dgm:style>
+  </dgm:styleLbl>
+  <dgm:styleLbl name="fgSibTrans2D1">
+    <dgm:scene3d>
+      <a:camera prst="orthographicFront"/>
+      <a:lightRig rig="threePt" dir="t"/>
+    </dgm:scene3d>
+    <dgm:sp3d/>
+    <dgm:txPr/>
+    <dgm:style>
+      <a:lnRef idx="0">
+        <a:scrgbClr r="0" g="0" b="0"/>
+      </a:lnRef>
+      <a:fillRef idx="1">
+        <a:scrgbClr r="0" g="0" b="0"/>
+      </a:fillRef>
+      <a:effectRef idx="0">
+        <a:scrgbClr r="0" g="0" b="0"/>
+      </a:effectRef>
+      <a:fontRef idx="minor">
+        <a:schemeClr val="lt1"/>
+      </a:fontRef>
+    </dgm:style>
+  </dgm:styleLbl>
+  <dgm:styleLbl name="bgSibTrans2D1">
+    <dgm:scene3d>
+      <a:camera prst="orthographicFront"/>
+      <a:lightRig rig="threePt" dir="t"/>
+    </dgm:scene3d>
+    <dgm:sp3d/>
+    <dgm:txPr/>
+    <dgm:style>
+      <a:lnRef idx="0">
+        <a:scrgbClr r="0" g="0" b="0"/>
+      </a:lnRef>
+      <a:fillRef idx="1">
+        <a:scrgbClr r="0" g="0" b="0"/>
+      </a:fillRef>
+      <a:effectRef idx="0">
+        <a:scrgbClr r="0" g="0" b="0"/>
+      </a:effectRef>
+      <a:fontRef idx="minor">
+        <a:schemeClr val="lt1"/>
+      </a:fontRef>
+    </dgm:style>
+  </dgm:styleLbl>
+  <dgm:styleLbl name="sibTrans1D1">
+    <dgm:scene3d>
+      <a:camera prst="orthographicFront"/>
+      <a:lightRig rig="threePt" dir="t"/>
+    </dgm:scene3d>
+    <dgm:sp3d/>
+    <dgm:txPr/>
+    <dgm:style>
+      <a:lnRef idx="1">
+        <a:scrgbClr r="0" g="0" b="0"/>
+      </a:lnRef>
+      <a:fillRef idx="0">
+        <a:scrgbClr r="0" g="0" b="0"/>
+      </a:fillRef>
+      <a:effectRef idx="0">
+        <a:scrgbClr r="0" g="0" b="0"/>
+      </a:effectRef>
+      <a:fontRef idx="minor"/>
+    </dgm:style>
+  </dgm:styleLbl>
+  <dgm:styleLbl name="callout">
+    <dgm:scene3d>
+      <a:camera prst="orthographicFront"/>
+      <a:lightRig rig="threePt" dir="t"/>
+    </dgm:scene3d>
+    <dgm:sp3d/>
+    <dgm:txPr/>
+    <dgm:style>
+      <a:lnRef idx="2">
+        <a:scrgbClr r="0" g="0" b="0"/>
+      </a:lnRef>
+      <a:fillRef idx="1">
+        <a:scrgbClr r="0" g="0" b="0"/>
+      </a:fillRef>
+      <a:effectRef idx="0">
+        <a:scrgbClr r="0" g="0" b="0"/>
+      </a:effectRef>
+      <a:fontRef idx="minor"/>
+    </dgm:style>
+  </dgm:styleLbl>
+  <dgm:styleLbl name="asst0">
+    <dgm:scene3d>
+      <a:camera prst="orthographicFront"/>
+      <a:lightRig rig="threePt" dir="t"/>
+    </dgm:scene3d>
+    <dgm:sp3d/>
+    <dgm:txPr/>
+    <dgm:style>
+      <a:lnRef idx="2">
+        <a:scrgbClr r="0" g="0" b="0"/>
+      </a:lnRef>
+      <a:fillRef idx="1">
+        <a:scrgbClr r="0" g="0" b="0"/>
+      </a:fillRef>
+      <a:effectRef idx="0">
+        <a:scrgbClr r="0" g="0" b="0"/>
+      </a:effectRef>
+      <a:fontRef idx="minor">
+        <a:schemeClr val="lt1"/>
+      </a:fontRef>
+    </dgm:style>
+  </dgm:styleLbl>
+  <dgm:styleLbl name="asst1">
+    <dgm:scene3d>
+      <a:camera prst="orthographicFront"/>
+      <a:lightRig rig="threePt" dir="t"/>
+    </dgm:scene3d>
+    <dgm:sp3d/>
+    <dgm:txPr/>
+    <dgm:style>
+      <a:lnRef idx="2">
+        <a:scrgbClr r="0" g="0" b="0"/>
+      </a:lnRef>
+      <a:fillRef idx="1">
+        <a:scrgbClr r="0" g="0" b="0"/>
+      </a:fillRef>
+      <a:effectRef idx="0">
+        <a:scrgbClr r="0" g="0" b="0"/>
+      </a:effectRef>
+      <a:fontRef idx="minor">
+        <a:schemeClr val="lt1"/>
+      </a:fontRef>
+    </dgm:style>
+  </dgm:styleLbl>
+  <dgm:styleLbl name="asst2">
+    <dgm:scene3d>
+      <a:camera prst="orthographicFront"/>
+      <a:lightRig rig="threePt" dir="t"/>
+    </dgm:scene3d>
+    <dgm:sp3d/>
+    <dgm:txPr/>
+    <dgm:style>
+      <a:lnRef idx="2">
+        <a:scrgbClr r="0" g="0" b="0"/>
+      </a:lnRef>
+      <a:fillRef idx="1">
+        <a:scrgbClr r="0" g="0" b="0"/>
+      </a:fillRef>
+      <a:effectRef idx="0">
+        <a:scrgbClr r="0" g="0" b="0"/>
+      </a:effectRef>
+      <a:fontRef idx="minor">
+        <a:schemeClr val="lt1"/>
+      </a:fontRef>
+    </dgm:style>
+  </dgm:styleLbl>
+  <dgm:styleLbl name="asst3">
+    <dgm:scene3d>
+      <a:camera prst="orthographicFront"/>
+      <a:lightRig rig="threePt" dir="t"/>
+    </dgm:scene3d>
+    <dgm:sp3d/>
+    <dgm:txPr/>
+    <dgm:style>
+      <a:lnRef idx="2">
+        <a:scrgbClr r="0" g="0" b="0"/>
+      </a:lnRef>
+      <a:fillRef idx="1">
+        <a:scrgbClr r="0" g="0" b="0"/>
+      </a:fillRef>
+      <a:effectRef idx="0">
+        <a:scrgbClr r="0" g="0" b="0"/>
+      </a:effectRef>
+      <a:fontRef idx="minor">
+        <a:schemeClr val="lt1"/>
+      </a:fontRef>
+    </dgm:style>
+  </dgm:styleLbl>
+  <dgm:styleLbl name="asst4">
+    <dgm:scene3d>
+      <a:camera prst="orthographicFront"/>
+      <a:lightRig rig="threePt" dir="t"/>
+    </dgm:scene3d>
+    <dgm:sp3d/>
+    <dgm:txPr/>
+    <dgm:style>
+      <a:lnRef idx="2">
+        <a:scrgbClr r="0" g="0" b="0"/>
+      </a:lnRef>
+      <a:fillRef idx="1">
+        <a:scrgbClr r="0" g="0" b="0"/>
+      </a:fillRef>
+      <a:effectRef idx="0">
+        <a:scrgbClr r="0" g="0" b="0"/>
+      </a:effectRef>
+      <a:fontRef idx="minor">
+        <a:schemeClr val="lt1"/>
+      </a:fontRef>
+    </dgm:style>
+  </dgm:styleLbl>
+  <dgm:styleLbl name="parChTrans2D1">
+    <dgm:scene3d>
+      <a:camera prst="orthographicFront"/>
+      <a:lightRig rig="threePt" dir="t"/>
+    </dgm:scene3d>
+    <dgm:sp3d/>
+    <dgm:txPr/>
+    <dgm:style>
+      <a:lnRef idx="2">
+        <a:scrgbClr r="0" g="0" b="0"/>
+      </a:lnRef>
+      <a:fillRef idx="1">
+        <a:scrgbClr r="0" g="0" b="0"/>
+      </a:fillRef>
+      <a:effectRef idx="0">
+        <a:scrgbClr r="0" g="0" b="0"/>
+      </a:effectRef>
+      <a:fontRef idx="minor">
+        <a:schemeClr val="lt1"/>
+      </a:fontRef>
+    </dgm:style>
+  </dgm:styleLbl>
+  <dgm:styleLbl name="parChTrans2D2">
+    <dgm:scene3d>
+      <a:camera prst="orthographicFront"/>
+      <a:lightRig rig="threePt" dir="t"/>
+    </dgm:scene3d>
+    <dgm:sp3d/>
+    <dgm:txPr/>
+    <dgm:style>
+      <a:lnRef idx="2">
+        <a:scrgbClr r="0" g="0" b="0"/>
+      </a:lnRef>
+      <a:fillRef idx="1">
+        <a:scrgbClr r="0" g="0" b="0"/>
+      </a:fillRef>
+      <a:effectRef idx="0">
+        <a:scrgbClr r="0" g="0" b="0"/>
+      </a:effectRef>
+      <a:fontRef idx="minor">
+        <a:schemeClr val="lt1"/>
+      </a:fontRef>
+    </dgm:style>
+  </dgm:styleLbl>
+  <dgm:styleLbl name="parChTrans2D3">
+    <dgm:scene3d>
+      <a:camera prst="orthographicFront"/>
+      <a:lightRig rig="threePt" dir="t"/>
+    </dgm:scene3d>
+    <dgm:sp3d/>
+    <dgm:txPr/>
+    <dgm:style>
+      <a:lnRef idx="2">
+        <a:scrgbClr r="0" g="0" b="0"/>
+      </a:lnRef>
+      <a:fillRef idx="1">
+        <a:scrgbClr r="0" g="0" b="0"/>
+      </a:fillRef>
+      <a:effectRef idx="0">
+        <a:scrgbClr r="0" g="0" b="0"/>
+      </a:effectRef>
+      <a:fontRef idx="minor">
+        <a:schemeClr val="lt1"/>
+      </a:fontRef>
+    </dgm:style>
+  </dgm:styleLbl>
+  <dgm:styleLbl name="parChTrans2D4">
+    <dgm:scene3d>
+      <a:camera prst="orthographicFront"/>
+      <a:lightRig rig="threePt" dir="t"/>
+    </dgm:scene3d>
+    <dgm:sp3d/>
+    <dgm:txPr/>
+    <dgm:style>
+      <a:lnRef idx="2">
+        <a:scrgbClr r="0" g="0" b="0"/>
+      </a:lnRef>
+      <a:fillRef idx="1">
+        <a:scrgbClr r="0" g="0" b="0"/>
+      </a:fillRef>
+      <a:effectRef idx="0">
+        <a:scrgbClr r="0" g="0" b="0"/>
+      </a:effectRef>
+      <a:fontRef idx="minor">
+        <a:schemeClr val="lt1"/>
+      </a:fontRef>
+    </dgm:style>
+  </dgm:styleLbl>
+  <dgm:styleLbl name="parChTrans1D1">
+    <dgm:scene3d>
+      <a:camera prst="orthographicFront"/>
+      <a:lightRig rig="threePt" dir="t"/>
+    </dgm:scene3d>
+    <dgm:sp3d/>
+    <dgm:txPr/>
+    <dgm:style>
+      <a:lnRef idx="2">
+        <a:scrgbClr r="0" g="0" b="0"/>
+      </a:lnRef>
+      <a:fillRef idx="0">
+        <a:scrgbClr r="0" g="0" b="0"/>
+      </a:fillRef>
+      <a:effectRef idx="0">
+        <a:scrgbClr r="0" g="0" b="0"/>
+      </a:effectRef>
+      <a:fontRef idx="minor"/>
+    </dgm:style>
+  </dgm:styleLbl>
+  <dgm:styleLbl name="parChTrans1D2">
+    <dgm:scene3d>
+      <a:camera prst="orthographicFront"/>
+      <a:lightRig rig="threePt" dir="t"/>
+    </dgm:scene3d>
+    <dgm:sp3d/>
+    <dgm:txPr/>
+    <dgm:style>
+      <a:lnRef idx="2">
+        <a:scrgbClr r="0" g="0" b="0"/>
+      </a:lnRef>
+      <a:fillRef idx="0">
+        <a:scrgbClr r="0" g="0" b="0"/>
+      </a:fillRef>
+      <a:effectRef idx="0">
+        <a:scrgbClr r="0" g="0" b="0"/>
+      </a:effectRef>
+      <a:fontRef idx="minor"/>
+    </dgm:style>
+  </dgm:styleLbl>
+  <dgm:styleLbl name="parChTrans1D3">
+    <dgm:scene3d>
+      <a:camera prst="orthographicFront"/>
+      <a:lightRig rig="threePt" dir="t"/>
+    </dgm:scene3d>
+    <dgm:sp3d/>
+    <dgm:txPr/>
+    <dgm:style>
+      <a:lnRef idx="2">
+        <a:scrgbClr r="0" g="0" b="0"/>
+      </a:lnRef>
+      <a:fillRef idx="0">
+        <a:scrgbClr r="0" g="0" b="0"/>
+      </a:fillRef>
+      <a:effectRef idx="0">
+        <a:scrgbClr r="0" g="0" b="0"/>
+      </a:effectRef>
+      <a:fontRef idx="minor"/>
+    </dgm:style>
+  </dgm:styleLbl>
+  <dgm:styleLbl name="parChTrans1D4">
+    <dgm:scene3d>
+      <a:camera prst="orthographicFront"/>
+      <a:lightRig rig="threePt" dir="t"/>
+    </dgm:scene3d>
+    <dgm:sp3d/>
+    <dgm:txPr/>
+    <dgm:style>
+      <a:lnRef idx="2">
+        <a:scrgbClr r="0" g="0" b="0"/>
+      </a:lnRef>
+      <a:fillRef idx="0">
+        <a:scrgbClr r="0" g="0" b="0"/>
+      </a:fillRef>
+      <a:effectRef idx="0">
+        <a:scrgbClr r="0" g="0" b="0"/>
+      </a:effectRef>
+      <a:fontRef idx="minor"/>
+    </dgm:style>
+  </dgm:styleLbl>
+  <dgm:styleLbl name="fgAcc1">
+    <dgm:scene3d>
+      <a:camera prst="orthographicFront"/>
+      <a:lightRig rig="threePt" dir="t"/>
+    </dgm:scene3d>
+    <dgm:sp3d/>
+    <dgm:txPr/>
+    <dgm:style>
+      <a:lnRef idx="2">
+        <a:scrgbClr r="0" g="0" b="0"/>
+      </a:lnRef>
+      <a:fillRef idx="1">
+        <a:scrgbClr r="0" g="0" b="0"/>
+      </a:fillRef>
+      <a:effectRef idx="0">
+        <a:scrgbClr r="0" g="0" b="0"/>
+      </a:effectRef>
+      <a:fontRef idx="minor"/>
+    </dgm:style>
+  </dgm:styleLbl>
+  <dgm:styleLbl name="conFgAcc1">
+    <dgm:scene3d>
+      <a:camera prst="orthographicFront"/>
+      <a:lightRig rig="threePt" dir="t"/>
+    </dgm:scene3d>
+    <dgm:sp3d/>
+    <dgm:txPr/>
+    <dgm:style>
+      <a:lnRef idx="2">
+        <a:scrgbClr r="0" g="0" b="0"/>
+      </a:lnRef>
+      <a:fillRef idx="1">
+        <a:scrgbClr r="0" g="0" b="0"/>
+      </a:fillRef>
+      <a:effectRef idx="0">
+        <a:scrgbClr r="0" g="0" b="0"/>
+      </a:effectRef>
+      <a:fontRef idx="minor"/>
+    </dgm:style>
+  </dgm:styleLbl>
+  <dgm:styleLbl name="alignAcc1">
+    <dgm:scene3d>
+      <a:camera prst="orthographicFront"/>
+      <a:lightRig rig="threePt" dir="t"/>
+    </dgm:scene3d>
+    <dgm:sp3d/>
+    <dgm:txPr/>
+    <dgm:style>
+      <a:lnRef idx="2">
+        <a:scrgbClr r="0" g="0" b="0"/>
+      </a:lnRef>
+      <a:fillRef idx="1">
+        <a:scrgbClr r="0" g="0" b="0"/>
+      </a:fillRef>
+      <a:effectRef idx="0">
+        <a:scrgbClr r="0" g="0" b="0"/>
+      </a:effectRef>
+      <a:fontRef idx="minor"/>
+    </dgm:style>
+  </dgm:styleLbl>
+  <dgm:styleLbl name="trAlignAcc1">
+    <dgm:scene3d>
+      <a:camera prst="orthographicFront"/>
+      <a:lightRig rig="threePt" dir="t"/>
+    </dgm:scene3d>
+    <dgm:sp3d/>
+    <dgm:txPr/>
+    <dgm:style>
+      <a:lnRef idx="1">
+        <a:scrgbClr r="0" g="0" b="0"/>
+      </a:lnRef>
+      <a:fillRef idx="1">
+        <a:scrgbClr r="0" g="0" b="0"/>
+      </a:fillRef>
+      <a:effectRef idx="0">
+        <a:scrgbClr r="0" g="0" b="0"/>
+      </a:effectRef>
+      <a:fontRef idx="minor"/>
+    </dgm:style>
+  </dgm:styleLbl>
+  <dgm:styleLbl name="bgAcc1">
+    <dgm:scene3d>
+      <a:camera prst="orthographicFront"/>
+      <a:lightRig rig="threePt" dir="t"/>
+    </dgm:scene3d>
+    <dgm:sp3d/>
+    <dgm:txPr/>
+    <dgm:style>
+      <a:lnRef idx="2">
+        <a:scrgbClr r="0" g="0" b="0"/>
+      </a:lnRef>
+      <a:fillRef idx="1">
+        <a:scrgbClr r="0" g="0" b="0"/>
+      </a:fillRef>
+      <a:effectRef idx="0">
+        <a:scrgbClr r="0" g="0" b="0"/>
+      </a:effectRef>
+      <a:fontRef idx="minor"/>
+    </dgm:style>
+  </dgm:styleLbl>
+  <dgm:styleLbl name="solidFgAcc1">
+    <dgm:scene3d>
+      <a:camera prst="orthographicFront"/>
+      <a:lightRig rig="threePt" dir="t"/>
+    </dgm:scene3d>
+    <dgm:sp3d/>
+    <dgm:txPr/>
+    <dgm:style>
+      <a:lnRef idx="2">
+        <a:scrgbClr r="0" g="0" b="0"/>
+      </a:lnRef>
+      <a:fillRef idx="1">
+        <a:scrgbClr r="0" g="0" b="0"/>
+      </a:fillRef>
+      <a:effectRef idx="0">
+        <a:scrgbClr r="0" g="0" b="0"/>
+      </a:effectRef>
+      <a:fontRef idx="minor"/>
+    </dgm:style>
+  </dgm:styleLbl>
+  <dgm:styleLbl name="solidAlignAcc1">
+    <dgm:scene3d>
+      <a:camera prst="orthographicFront"/>
+      <a:lightRig rig="threePt" dir="t"/>
+    </dgm:scene3d>
+    <dgm:sp3d/>
+    <dgm:txPr/>
+    <dgm:style>
+      <a:lnRef idx="2">
+        <a:scrgbClr r="0" g="0" b="0"/>
+      </a:lnRef>
+      <a:fillRef idx="1">
+        <a:scrgbClr r="0" g="0" b="0"/>
+      </a:fillRef>
+      <a:effectRef idx="0">
+        <a:scrgbClr r="0" g="0" b="0"/>
+      </a:effectRef>
+      <a:fontRef idx="minor"/>
+    </dgm:style>
+  </dgm:styleLbl>
+  <dgm:styleLbl name="solidBgAcc1">
+    <dgm:scene3d>
+      <a:camera prst="orthographicFront"/>
+      <a:lightRig rig="threePt" dir="t"/>
+    </dgm:scene3d>
+    <dgm:sp3d/>
+    <dgm:txPr/>
+    <dgm:style>
+      <a:lnRef idx="2">
+        <a:scrgbClr r="0" g="0" b="0"/>
+      </a:lnRef>
+      <a:fillRef idx="1">
+        <a:scrgbClr r="0" g="0" b="0"/>
+      </a:fillRef>
+      <a:effectRef idx="0">
+        <a:scrgbClr r="0" g="0" b="0"/>
+      </a:effectRef>
+      <a:fontRef idx="minor"/>
+    </dgm:style>
+  </dgm:styleLbl>
+  <dgm:styleLbl name="fgAccFollowNode1">
+    <dgm:scene3d>
+      <a:camera prst="orthographicFront"/>
+      <a:lightRig rig="threePt" dir="t"/>
+    </dgm:scene3d>
+    <dgm:sp3d/>
+    <dgm:txPr/>
+    <dgm:style>
+      <a:lnRef idx="2">
+        <a:scrgbClr r="0" g="0" b="0"/>
+      </a:lnRef>
+      <a:fillRef idx="1">
+        <a:scrgbClr r="0" g="0" b="0"/>
+      </a:fillRef>
+      <a:effectRef idx="0">
+        <a:scrgbClr r="0" g="0" b="0"/>
+      </a:effectRef>
+      <a:fontRef idx="minor"/>
+    </dgm:style>
+  </dgm:styleLbl>
+  <dgm:styleLbl name="alignAccFollowNode1">
+    <dgm:scene3d>
+      <a:camera prst="orthographicFront"/>
+      <a:lightRig rig="threePt" dir="t"/>
+    </dgm:scene3d>
+    <dgm:sp3d/>
+    <dgm:txPr/>
+    <dgm:style>
+      <a:lnRef idx="2">
+        <a:scrgbClr r="0" g="0" b="0"/>
+      </a:lnRef>
+      <a:fillRef idx="1">
+        <a:scrgbClr r="0" g="0" b="0"/>
+      </a:fillRef>
+      <a:effectRef idx="0">
+        <a:scrgbClr r="0" g="0" b="0"/>
+      </a:effectRef>
+      <a:fontRef idx="minor"/>
+    </dgm:style>
+  </dgm:styleLbl>
+  <dgm:styleLbl name="bgAccFollowNode1">
+    <dgm:scene3d>
+      <a:camera prst="orthographicFront"/>
+      <a:lightRig rig="threePt" dir="t"/>
+    </dgm:scene3d>
+    <dgm:sp3d/>
+    <dgm:txPr/>
+    <dgm:style>
+      <a:lnRef idx="2">
+        <a:scrgbClr r="0" g="0" b="0"/>
+      </a:lnRef>
+      <a:fillRef idx="1">
+        <a:scrgbClr r="0" g="0" b="0"/>
+      </a:fillRef>
+      <a:effectRef idx="0">
+        <a:scrgbClr r="0" g="0" b="0"/>
+      </a:effectRef>
+      <a:fontRef idx="minor"/>
+    </dgm:style>
+  </dgm:styleLbl>
+  <dgm:styleLbl name="fgAcc0">
+    <dgm:scene3d>
+      <a:camera prst="orthographicFront"/>
+      <a:lightRig rig="threePt" dir="t"/>
+    </dgm:scene3d>
+    <dgm:sp3d/>
+    <dgm:txPr/>
+    <dgm:style>
+      <a:lnRef idx="2">
+        <a:scrgbClr r="0" g="0" b="0"/>
+      </a:lnRef>
+      <a:fillRef idx="1">
+        <a:scrgbClr r="0" g="0" b="0"/>
+      </a:fillRef>
+      <a:effectRef idx="0">
+        <a:scrgbClr r="0" g="0" b="0"/>
+      </a:effectRef>
+      <a:fontRef idx="minor"/>
+    </dgm:style>
+  </dgm:styleLbl>
+  <dgm:styleLbl name="fgAcc2">
+    <dgm:scene3d>
+      <a:camera prst="orthographicFront"/>
+      <a:lightRig rig="threePt" dir="t"/>
+    </dgm:scene3d>
+    <dgm:sp3d/>
+    <dgm:txPr/>
+    <dgm:style>
+      <a:lnRef idx="2">
+        <a:scrgbClr r="0" g="0" b="0"/>
+      </a:lnRef>
+      <a:fillRef idx="1">
+        <a:scrgbClr r="0" g="0" b="0"/>
+      </a:fillRef>
+      <a:effectRef idx="0">
+        <a:scrgbClr r="0" g="0" b="0"/>
+      </a:effectRef>
+      <a:fontRef idx="minor"/>
+    </dgm:style>
+  </dgm:styleLbl>
+  <dgm:styleLbl name="fgAcc3">
+    <dgm:scene3d>
+      <a:camera prst="orthographicFront"/>
+      <a:lightRig rig="threePt" dir="t"/>
+    </dgm:scene3d>
+    <dgm:sp3d/>
+    <dgm:txPr/>
+    <dgm:style>
+      <a:lnRef idx="2">
+        <a:scrgbClr r="0" g="0" b="0"/>
+      </a:lnRef>
+      <a:fillRef idx="1">
+        <a:scrgbClr r="0" g="0" b="0"/>
+      </a:fillRef>
+      <a:effectRef idx="0">
+        <a:scrgbClr r="0" g="0" b="0"/>
+      </a:effectRef>
+      <a:fontRef idx="minor"/>
+    </dgm:style>
+  </dgm:styleLbl>
+  <dgm:styleLbl name="fgAcc4">
+    <dgm:scene3d>
+      <a:camera prst="orthographicFront"/>
+      <a:lightRig rig="threePt" dir="t"/>
+    </dgm:scene3d>
+    <dgm:sp3d/>
+    <dgm:txPr/>
+    <dgm:style>
+      <a:lnRef idx="2">
+        <a:scrgbClr r="0" g="0" b="0"/>
+      </a:lnRef>
+      <a:fillRef idx="1">
+        <a:scrgbClr r="0" g="0" b="0"/>
+      </a:fillRef>
+      <a:effectRef idx="0">
+        <a:scrgbClr r="0" g="0" b="0"/>
+      </a:effectRef>
+      <a:fontRef idx="minor"/>
+    </dgm:style>
+  </dgm:styleLbl>
+  <dgm:styleLbl name="bgShp">
+    <dgm:scene3d>
+      <a:camera prst="orthographicFront"/>
+      <a:lightRig rig="threePt" dir="t"/>
+    </dgm:scene3d>
+    <dgm:sp3d/>
+    <dgm:txPr/>
+    <dgm:style>
+      <a:lnRef idx="0">
+        <a:scrgbClr r="0" g="0" b="0"/>
+      </a:lnRef>
+      <a:fillRef idx="1">
+        <a:scrgbClr r="0" g="0" b="0"/>
+      </a:fillRef>
+      <a:effectRef idx="0">
+        <a:scrgbClr r="0" g="0" b="0"/>
+      </a:effectRef>
+      <a:fontRef idx="minor"/>
+    </dgm:style>
+  </dgm:styleLbl>
+  <dgm:styleLbl name="dkBgShp">
+    <dgm:scene3d>
+      <a:camera prst="orthographicFront"/>
+      <a:lightRig rig="threePt" dir="t"/>
+    </dgm:scene3d>
+    <dgm:sp3d/>
+    <dgm:txPr/>
+    <dgm:style>
+      <a:lnRef idx="0">
+        <a:scrgbClr r="0" g="0" b="0"/>
+      </a:lnRef>
+      <a:fillRef idx="1">
+        <a:scrgbClr r="0" g="0" b="0"/>
+      </a:fillRef>
+      <a:effectRef idx="0">
+        <a:scrgbClr r="0" g="0" b="0"/>
+      </a:effectRef>
+      <a:fontRef idx="minor"/>
+    </dgm:style>
+  </dgm:styleLbl>
+  <dgm:styleLbl name="trBgShp">
+    <dgm:scene3d>
+      <a:camera prst="orthographicFront"/>
+      <a:lightRig rig="threePt" dir="t"/>
+    </dgm:scene3d>
+    <dgm:sp3d/>
+    <dgm:txPr/>
+    <dgm:style>
+      <a:lnRef idx="0">
+        <a:scrgbClr r="0" g="0" b="0"/>
+      </a:lnRef>
+      <a:fillRef idx="1">
+        <a:scrgbClr r="0" g="0" b="0"/>
+      </a:fillRef>
+      <a:effectRef idx="0">
+        <a:scrgbClr r="0" g="0" b="0"/>
+      </a:effectRef>
+      <a:fontRef idx="minor"/>
+    </dgm:style>
+  </dgm:styleLbl>
+  <dgm:styleLbl name="fgShp">
+    <dgm:scene3d>
+      <a:camera prst="orthographicFront"/>
+      <a:lightRig rig="threePt" dir="t"/>
+    </dgm:scene3d>
+    <dgm:sp3d/>
+    <dgm:txPr/>
+    <dgm:style>
+      <a:lnRef idx="2">
+        <a:scrgbClr r="0" g="0" b="0"/>
+      </a:lnRef>
+      <a:fillRef idx="1">
+        <a:scrgbClr r="0" g="0" b="0"/>
+      </a:fillRef>
+      <a:effectRef idx="0">
+        <a:scrgbClr r="0" g="0" b="0"/>
+      </a:effectRef>
+      <a:fontRef idx="minor"/>
+    </dgm:style>
+  </dgm:styleLbl>
+  <dgm:styleLbl name="revTx">
+    <dgm:scene3d>
+      <a:camera prst="orthographicFront"/>
+      <a:lightRig rig="threePt" dir="t"/>
+    </dgm:scene3d>
+    <dgm:sp3d/>
+    <dgm:txPr/>
+    <dgm:style>
+      <a:lnRef idx="0">
+        <a:scrgbClr r="0" g="0" b="0"/>
+      </a:lnRef>
+      <a:fillRef idx="0">
+        <a:scrgbClr r="0" g="0" b="0"/>
+      </a:fillRef>
+      <a:effectRef idx="0">
+        <a:scrgbClr r="0" g="0" b="0"/>
+      </a:effectRef>
+      <a:fontRef idx="minor"/>
+    </dgm:style>
+  </dgm:styleLbl>
+</dgm:styleDef>
+</file>
+
 <file path=ppt/diagrams/quickStyle2.xml><?xml version="1.0" encoding="utf-8"?>
 <dgm:styleDef xmlns:dgm="http://schemas.openxmlformats.org/drawingml/2006/diagram" xmlns:a="http://schemas.openxmlformats.org/drawingml/2006/main" uniqueId="urn:microsoft.com/office/officeart/2005/8/quickstyle/simple1">
   <dgm:title val=""/>
@@ -27002,7 +32936,7 @@
           <a:p>
             <a:fld id="{AFD184D5-A560-B647-B2FE-F47CD298516A}" type="datetimeFigureOut">
               <a:rPr lang="en-US" smtClean="0"/>
-              <a:t>3/11/22</a:t>
+              <a:t>3/28/22</a:t>
             </a:fld>
             <a:endParaRPr lang="en-US"/>
           </a:p>
@@ -27344,6 +33278,90 @@
     <p:extLst>
       <p:ext uri="{BB962C8B-B14F-4D97-AF65-F5344CB8AC3E}">
         <p14:creationId xmlns:p14="http://schemas.microsoft.com/office/powerpoint/2010/main" val="1083851571"/>
+      </p:ext>
+    </p:extLst>
+  </p:cSld>
+  <p:clrMapOvr>
+    <a:masterClrMapping/>
+  </p:clrMapOvr>
+</p:notes>
+</file>
+
+<file path=ppt/notesSlides/notesSlide10.xml><?xml version="1.0" encoding="utf-8"?>
+<p:notes xmlns:a="http://schemas.openxmlformats.org/drawingml/2006/main" xmlns:r="http://schemas.openxmlformats.org/officeDocument/2006/relationships" xmlns:p="http://schemas.openxmlformats.org/presentationml/2006/main">
+  <p:cSld>
+    <p:spTree>
+      <p:nvGrpSpPr>
+        <p:cNvPr id="1" name=""/>
+        <p:cNvGrpSpPr/>
+        <p:nvPr/>
+      </p:nvGrpSpPr>
+      <p:grpSpPr>
+        <a:xfrm>
+          <a:off x="0" y="0"/>
+          <a:ext cx="0" cy="0"/>
+          <a:chOff x="0" y="0"/>
+          <a:chExt cx="0" cy="0"/>
+        </a:xfrm>
+      </p:grpSpPr>
+      <p:sp>
+        <p:nvSpPr>
+          <p:cNvPr id="2" name="Slide Image Placeholder 1"/>
+          <p:cNvSpPr>
+            <a:spLocks noGrp="1" noRot="1" noChangeAspect="1"/>
+          </p:cNvSpPr>
+          <p:nvPr>
+            <p:ph type="sldImg"/>
+          </p:nvPr>
+        </p:nvSpPr>
+        <p:spPr/>
+      </p:sp>
+      <p:sp>
+        <p:nvSpPr>
+          <p:cNvPr id="3" name="Notes Placeholder 2"/>
+          <p:cNvSpPr>
+            <a:spLocks noGrp="1"/>
+          </p:cNvSpPr>
+          <p:nvPr>
+            <p:ph type="body" idx="1"/>
+          </p:nvPr>
+        </p:nvSpPr>
+        <p:spPr/>
+        <p:txBody>
+          <a:bodyPr/>
+          <a:lstStyle/>
+          <a:p>
+            <a:endParaRPr lang="en-US" dirty="0"/>
+          </a:p>
+        </p:txBody>
+      </p:sp>
+      <p:sp>
+        <p:nvSpPr>
+          <p:cNvPr id="4" name="Slide Number Placeholder 3"/>
+          <p:cNvSpPr>
+            <a:spLocks noGrp="1"/>
+          </p:cNvSpPr>
+          <p:nvPr>
+            <p:ph type="sldNum" sz="quarter" idx="5"/>
+          </p:nvPr>
+        </p:nvSpPr>
+        <p:spPr/>
+        <p:txBody>
+          <a:bodyPr/>
+          <a:lstStyle/>
+          <a:p>
+            <a:fld id="{0F319B4F-921F-AC41-82DC-B89FA82F2FA6}" type="slidenum">
+              <a:rPr lang="en-US" smtClean="0"/>
+              <a:t>11</a:t>
+            </a:fld>
+            <a:endParaRPr lang="en-US"/>
+          </a:p>
+        </p:txBody>
+      </p:sp>
+    </p:spTree>
+    <p:extLst>
+      <p:ext uri="{BB962C8B-B14F-4D97-AF65-F5344CB8AC3E}">
+        <p14:creationId xmlns:p14="http://schemas.microsoft.com/office/powerpoint/2010/main" val="3839856904"/>
       </p:ext>
     </p:extLst>
   </p:cSld>
@@ -27941,6 +33959,90 @@
 </p:notes>
 </file>
 
+<file path=ppt/notesSlides/notesSlide9.xml><?xml version="1.0" encoding="utf-8"?>
+<p:notes xmlns:a="http://schemas.openxmlformats.org/drawingml/2006/main" xmlns:r="http://schemas.openxmlformats.org/officeDocument/2006/relationships" xmlns:p="http://schemas.openxmlformats.org/presentationml/2006/main">
+  <p:cSld>
+    <p:spTree>
+      <p:nvGrpSpPr>
+        <p:cNvPr id="1" name=""/>
+        <p:cNvGrpSpPr/>
+        <p:nvPr/>
+      </p:nvGrpSpPr>
+      <p:grpSpPr>
+        <a:xfrm>
+          <a:off x="0" y="0"/>
+          <a:ext cx="0" cy="0"/>
+          <a:chOff x="0" y="0"/>
+          <a:chExt cx="0" cy="0"/>
+        </a:xfrm>
+      </p:grpSpPr>
+      <p:sp>
+        <p:nvSpPr>
+          <p:cNvPr id="2" name="Slide Image Placeholder 1"/>
+          <p:cNvSpPr>
+            <a:spLocks noGrp="1" noRot="1" noChangeAspect="1"/>
+          </p:cNvSpPr>
+          <p:nvPr>
+            <p:ph type="sldImg"/>
+          </p:nvPr>
+        </p:nvSpPr>
+        <p:spPr/>
+      </p:sp>
+      <p:sp>
+        <p:nvSpPr>
+          <p:cNvPr id="3" name="Notes Placeholder 2"/>
+          <p:cNvSpPr>
+            <a:spLocks noGrp="1"/>
+          </p:cNvSpPr>
+          <p:nvPr>
+            <p:ph type="body" idx="1"/>
+          </p:nvPr>
+        </p:nvSpPr>
+        <p:spPr/>
+        <p:txBody>
+          <a:bodyPr/>
+          <a:lstStyle/>
+          <a:p>
+            <a:endParaRPr lang="en-US" dirty="0"/>
+          </a:p>
+        </p:txBody>
+      </p:sp>
+      <p:sp>
+        <p:nvSpPr>
+          <p:cNvPr id="4" name="Slide Number Placeholder 3"/>
+          <p:cNvSpPr>
+            <a:spLocks noGrp="1"/>
+          </p:cNvSpPr>
+          <p:nvPr>
+            <p:ph type="sldNum" sz="quarter" idx="5"/>
+          </p:nvPr>
+        </p:nvSpPr>
+        <p:spPr/>
+        <p:txBody>
+          <a:bodyPr/>
+          <a:lstStyle/>
+          <a:p>
+            <a:fld id="{0F319B4F-921F-AC41-82DC-B89FA82F2FA6}" type="slidenum">
+              <a:rPr lang="en-US" smtClean="0"/>
+              <a:t>10</a:t>
+            </a:fld>
+            <a:endParaRPr lang="en-US"/>
+          </a:p>
+        </p:txBody>
+      </p:sp>
+    </p:spTree>
+    <p:extLst>
+      <p:ext uri="{BB962C8B-B14F-4D97-AF65-F5344CB8AC3E}">
+        <p14:creationId xmlns:p14="http://schemas.microsoft.com/office/powerpoint/2010/main" val="2768999223"/>
+      </p:ext>
+    </p:extLst>
+  </p:cSld>
+  <p:clrMapOvr>
+    <a:masterClrMapping/>
+  </p:clrMapOvr>
+</p:notes>
+</file>
+
 <file path=ppt/slideLayouts/slideLayout1.xml><?xml version="1.0" encoding="utf-8"?>
 <p:sldLayout xmlns:a="http://schemas.openxmlformats.org/drawingml/2006/main" xmlns:r="http://schemas.openxmlformats.org/officeDocument/2006/relationships" xmlns:p="http://schemas.openxmlformats.org/presentationml/2006/main" type="title" preserve="1">
   <p:cSld name="Title Slide">
@@ -28088,7 +34190,7 @@
           <a:p>
             <a:fld id="{0B201FFA-8DAC-5943-9932-6BFC72B1E870}" type="datetimeFigureOut">
               <a:rPr lang="en-US" smtClean="0"/>
-              <a:t>3/11/22</a:t>
+              <a:t>3/28/22</a:t>
             </a:fld>
             <a:endParaRPr lang="en-US"/>
           </a:p>
@@ -28286,7 +34388,7 @@
           <a:p>
             <a:fld id="{0B201FFA-8DAC-5943-9932-6BFC72B1E870}" type="datetimeFigureOut">
               <a:rPr lang="en-US" smtClean="0"/>
-              <a:t>3/11/22</a:t>
+              <a:t>3/28/22</a:t>
             </a:fld>
             <a:endParaRPr lang="en-US"/>
           </a:p>
@@ -28494,7 +34596,7 @@
           <a:p>
             <a:fld id="{0B201FFA-8DAC-5943-9932-6BFC72B1E870}" type="datetimeFigureOut">
               <a:rPr lang="en-US" smtClean="0"/>
-              <a:t>3/11/22</a:t>
+              <a:t>3/28/22</a:t>
             </a:fld>
             <a:endParaRPr lang="en-US"/>
           </a:p>
@@ -28692,7 +34794,7 @@
           <a:p>
             <a:fld id="{0B201FFA-8DAC-5943-9932-6BFC72B1E870}" type="datetimeFigureOut">
               <a:rPr lang="en-US" smtClean="0"/>
-              <a:t>3/11/22</a:t>
+              <a:t>3/28/22</a:t>
             </a:fld>
             <a:endParaRPr lang="en-US"/>
           </a:p>
@@ -28967,7 +35069,7 @@
           <a:p>
             <a:fld id="{0B201FFA-8DAC-5943-9932-6BFC72B1E870}" type="datetimeFigureOut">
               <a:rPr lang="en-US" smtClean="0"/>
-              <a:t>3/11/22</a:t>
+              <a:t>3/28/22</a:t>
             </a:fld>
             <a:endParaRPr lang="en-US"/>
           </a:p>
@@ -29232,7 +35334,7 @@
           <a:p>
             <a:fld id="{0B201FFA-8DAC-5943-9932-6BFC72B1E870}" type="datetimeFigureOut">
               <a:rPr lang="en-US" smtClean="0"/>
-              <a:t>3/11/22</a:t>
+              <a:t>3/28/22</a:t>
             </a:fld>
             <a:endParaRPr lang="en-US"/>
           </a:p>
@@ -29644,7 +35746,7 @@
           <a:p>
             <a:fld id="{0B201FFA-8DAC-5943-9932-6BFC72B1E870}" type="datetimeFigureOut">
               <a:rPr lang="en-US" smtClean="0"/>
-              <a:t>3/11/22</a:t>
+              <a:t>3/28/22</a:t>
             </a:fld>
             <a:endParaRPr lang="en-US"/>
           </a:p>
@@ -29785,7 +35887,7 @@
           <a:p>
             <a:fld id="{0B201FFA-8DAC-5943-9932-6BFC72B1E870}" type="datetimeFigureOut">
               <a:rPr lang="en-US" smtClean="0"/>
-              <a:t>3/11/22</a:t>
+              <a:t>3/28/22</a:t>
             </a:fld>
             <a:endParaRPr lang="en-US"/>
           </a:p>
@@ -29898,7 +36000,7 @@
           <a:p>
             <a:fld id="{0B201FFA-8DAC-5943-9932-6BFC72B1E870}" type="datetimeFigureOut">
               <a:rPr lang="en-US" smtClean="0"/>
-              <a:t>3/11/22</a:t>
+              <a:t>3/28/22</a:t>
             </a:fld>
             <a:endParaRPr lang="en-US"/>
           </a:p>
@@ -30209,7 +36311,7 @@
           <a:p>
             <a:fld id="{0B201FFA-8DAC-5943-9932-6BFC72B1E870}" type="datetimeFigureOut">
               <a:rPr lang="en-US" smtClean="0"/>
-              <a:t>3/11/22</a:t>
+              <a:t>3/28/22</a:t>
             </a:fld>
             <a:endParaRPr lang="en-US"/>
           </a:p>
@@ -30497,7 +36599,7 @@
           <a:p>
             <a:fld id="{0B201FFA-8DAC-5943-9932-6BFC72B1E870}" type="datetimeFigureOut">
               <a:rPr lang="en-US" smtClean="0"/>
-              <a:t>3/11/22</a:t>
+              <a:t>3/28/22</a:t>
             </a:fld>
             <a:endParaRPr lang="en-US"/>
           </a:p>
@@ -30738,7 +36840,7 @@
           <a:p>
             <a:fld id="{0B201FFA-8DAC-5943-9932-6BFC72B1E870}" type="datetimeFigureOut">
               <a:rPr lang="en-US" smtClean="0"/>
-              <a:t>3/11/22</a:t>
+              <a:t>3/28/22</a:t>
             </a:fld>
             <a:endParaRPr lang="en-US"/>
           </a:p>
@@ -31187,6 +37289,1055 @@
     <p:extLst>
       <p:ext uri="{BB962C8B-B14F-4D97-AF65-F5344CB8AC3E}">
         <p14:creationId xmlns:p14="http://schemas.microsoft.com/office/powerpoint/2010/main" val="2656025728"/>
+      </p:ext>
+    </p:extLst>
+  </p:cSld>
+  <p:clrMapOvr>
+    <a:masterClrMapping/>
+  </p:clrMapOvr>
+</p:sld>
+</file>
+
+<file path=ppt/slides/slide10.xml><?xml version="1.0" encoding="utf-8"?>
+<p:sld xmlns:a="http://schemas.openxmlformats.org/drawingml/2006/main" xmlns:r="http://schemas.openxmlformats.org/officeDocument/2006/relationships" xmlns:p="http://schemas.openxmlformats.org/presentationml/2006/main">
+  <p:cSld>
+    <p:spTree>
+      <p:nvGrpSpPr>
+        <p:cNvPr id="1" name=""/>
+        <p:cNvGrpSpPr/>
+        <p:nvPr/>
+      </p:nvGrpSpPr>
+      <p:grpSpPr>
+        <a:xfrm>
+          <a:off x="0" y="0"/>
+          <a:ext cx="0" cy="0"/>
+          <a:chOff x="0" y="0"/>
+          <a:chExt cx="0" cy="0"/>
+        </a:xfrm>
+      </p:grpSpPr>
+      <p:graphicFrame>
+        <p:nvGraphicFramePr>
+          <p:cNvPr id="5" name="Diagram 4">
+            <a:extLst>
+              <a:ext uri="{FF2B5EF4-FFF2-40B4-BE49-F238E27FC236}">
+                <a16:creationId xmlns:a16="http://schemas.microsoft.com/office/drawing/2014/main" id="{E87B922A-541C-3545-9E19-620039FE357B}"/>
+              </a:ext>
+            </a:extLst>
+          </p:cNvPr>
+          <p:cNvGraphicFramePr/>
+          <p:nvPr>
+            <p:extLst>
+              <p:ext uri="{D42A27DB-BD31-4B8C-83A1-F6EECF244321}">
+                <p14:modId xmlns:p14="http://schemas.microsoft.com/office/powerpoint/2010/main" val="3828599833"/>
+              </p:ext>
+            </p:extLst>
+          </p:nvPr>
+        </p:nvGraphicFramePr>
+        <p:xfrm>
+          <a:off x="910896" y="2057109"/>
+          <a:ext cx="10370207" cy="2454457"/>
+        </p:xfrm>
+        <a:graphic>
+          <a:graphicData uri="http://schemas.openxmlformats.org/drawingml/2006/diagram">
+            <dgm:relIds xmlns:dgm="http://schemas.openxmlformats.org/drawingml/2006/diagram" xmlns:r="http://schemas.openxmlformats.org/officeDocument/2006/relationships" r:dm="rId3" r:lo="rId4" r:qs="rId5" r:cs="rId6"/>
+          </a:graphicData>
+        </a:graphic>
+      </p:graphicFrame>
+      <p:sp>
+        <p:nvSpPr>
+          <p:cNvPr id="6" name="TextBox 5">
+            <a:extLst>
+              <a:ext uri="{FF2B5EF4-FFF2-40B4-BE49-F238E27FC236}">
+                <a16:creationId xmlns:a16="http://schemas.microsoft.com/office/drawing/2014/main" id="{689F90AE-4A3F-2044-89F7-C1A6618277CE}"/>
+              </a:ext>
+            </a:extLst>
+          </p:cNvPr>
+          <p:cNvSpPr txBox="1"/>
+          <p:nvPr/>
+        </p:nvSpPr>
+        <p:spPr>
+          <a:xfrm>
+            <a:off x="2577567" y="3781524"/>
+            <a:ext cx="1800493" cy="323165"/>
+          </a:xfrm>
+          <a:prstGeom prst="rect">
+            <a:avLst/>
+          </a:prstGeom>
+          <a:noFill/>
+        </p:spPr>
+        <p:txBody>
+          <a:bodyPr wrap="none" rtlCol="0">
+            <a:spAutoFit/>
+          </a:bodyPr>
+          <a:lstStyle/>
+          <a:p>
+            <a:r>
+              <a:rPr lang="en-US" sz="1500" dirty="0" err="1">
+                <a:latin typeface="Roboto Mono" pitchFamily="2" charset="0"/>
+                <a:ea typeface="Roboto Mono" pitchFamily="2" charset="0"/>
+              </a:rPr>
+              <a:t>cbc_profiles</a:t>
+            </a:r>
+            <a:r>
+              <a:rPr lang="en-US" sz="1500" dirty="0">
+                <a:latin typeface="Roboto Mono" pitchFamily="2" charset="0"/>
+                <a:ea typeface="Roboto Mono" pitchFamily="2" charset="0"/>
+              </a:rPr>
+              <a:t>()</a:t>
+            </a:r>
+          </a:p>
+        </p:txBody>
+      </p:sp>
+      <p:sp>
+        <p:nvSpPr>
+          <p:cNvPr id="7" name="TextBox 6">
+            <a:extLst>
+              <a:ext uri="{FF2B5EF4-FFF2-40B4-BE49-F238E27FC236}">
+                <a16:creationId xmlns:a16="http://schemas.microsoft.com/office/drawing/2014/main" id="{E8A77415-2E32-2245-86A8-7543E4E79331}"/>
+              </a:ext>
+            </a:extLst>
+          </p:cNvPr>
+          <p:cNvSpPr txBox="1"/>
+          <p:nvPr/>
+        </p:nvSpPr>
+        <p:spPr>
+          <a:xfrm>
+            <a:off x="4456230" y="3781524"/>
+            <a:ext cx="1569660" cy="323165"/>
+          </a:xfrm>
+          <a:prstGeom prst="rect">
+            <a:avLst/>
+          </a:prstGeom>
+          <a:noFill/>
+        </p:spPr>
+        <p:txBody>
+          <a:bodyPr wrap="none" rtlCol="0">
+            <a:spAutoFit/>
+          </a:bodyPr>
+          <a:lstStyle/>
+          <a:p>
+            <a:r>
+              <a:rPr lang="en-US" sz="1500" dirty="0" err="1">
+                <a:latin typeface="Roboto Mono" pitchFamily="2" charset="0"/>
+                <a:ea typeface="Roboto Mono" pitchFamily="2" charset="0"/>
+              </a:rPr>
+              <a:t>cbc_design</a:t>
+            </a:r>
+            <a:r>
+              <a:rPr lang="en-US" sz="1500" dirty="0">
+                <a:latin typeface="Roboto Mono" pitchFamily="2" charset="0"/>
+                <a:ea typeface="Roboto Mono" pitchFamily="2" charset="0"/>
+              </a:rPr>
+              <a:t>()</a:t>
+            </a:r>
+          </a:p>
+        </p:txBody>
+      </p:sp>
+      <p:sp>
+        <p:nvSpPr>
+          <p:cNvPr id="8" name="TextBox 7">
+            <a:extLst>
+              <a:ext uri="{FF2B5EF4-FFF2-40B4-BE49-F238E27FC236}">
+                <a16:creationId xmlns:a16="http://schemas.microsoft.com/office/drawing/2014/main" id="{274D3CCB-DE23-7848-B7A6-BE793820DD36}"/>
+              </a:ext>
+            </a:extLst>
+          </p:cNvPr>
+          <p:cNvSpPr txBox="1"/>
+          <p:nvPr/>
+        </p:nvSpPr>
+        <p:spPr>
+          <a:xfrm>
+            <a:off x="6104060" y="3781524"/>
+            <a:ext cx="1685077" cy="323165"/>
+          </a:xfrm>
+          <a:prstGeom prst="rect">
+            <a:avLst/>
+          </a:prstGeom>
+          <a:noFill/>
+        </p:spPr>
+        <p:txBody>
+          <a:bodyPr wrap="none" rtlCol="0">
+            <a:spAutoFit/>
+          </a:bodyPr>
+          <a:lstStyle/>
+          <a:p>
+            <a:r>
+              <a:rPr lang="en-US" sz="1500" dirty="0" err="1">
+                <a:latin typeface="Roboto Mono" pitchFamily="2" charset="0"/>
+                <a:ea typeface="Roboto Mono" pitchFamily="2" charset="0"/>
+              </a:rPr>
+              <a:t>cbc_balance</a:t>
+            </a:r>
+            <a:r>
+              <a:rPr lang="en-US" sz="1500" dirty="0">
+                <a:latin typeface="Roboto Mono" pitchFamily="2" charset="0"/>
+                <a:ea typeface="Roboto Mono" pitchFamily="2" charset="0"/>
+              </a:rPr>
+              <a:t>()</a:t>
+            </a:r>
+          </a:p>
+        </p:txBody>
+      </p:sp>
+      <p:sp>
+        <p:nvSpPr>
+          <p:cNvPr id="9" name="TextBox 8">
+            <a:extLst>
+              <a:ext uri="{FF2B5EF4-FFF2-40B4-BE49-F238E27FC236}">
+                <a16:creationId xmlns:a16="http://schemas.microsoft.com/office/drawing/2014/main" id="{09631C1D-AD5B-804F-9B6C-D753E0D3A20D}"/>
+              </a:ext>
+            </a:extLst>
+          </p:cNvPr>
+          <p:cNvSpPr txBox="1"/>
+          <p:nvPr/>
+        </p:nvSpPr>
+        <p:spPr>
+          <a:xfrm>
+            <a:off x="6104060" y="4201354"/>
+            <a:ext cx="1685077" cy="323165"/>
+          </a:xfrm>
+          <a:prstGeom prst="rect">
+            <a:avLst/>
+          </a:prstGeom>
+          <a:noFill/>
+        </p:spPr>
+        <p:txBody>
+          <a:bodyPr wrap="none" rtlCol="0">
+            <a:spAutoFit/>
+          </a:bodyPr>
+          <a:lstStyle/>
+          <a:p>
+            <a:r>
+              <a:rPr lang="en-US" sz="1500" dirty="0" err="1">
+                <a:latin typeface="Roboto Mono" pitchFamily="2" charset="0"/>
+                <a:ea typeface="Roboto Mono" pitchFamily="2" charset="0"/>
+              </a:rPr>
+              <a:t>cbc_overlap</a:t>
+            </a:r>
+            <a:r>
+              <a:rPr lang="en-US" sz="1500" dirty="0">
+                <a:latin typeface="Roboto Mono" pitchFamily="2" charset="0"/>
+                <a:ea typeface="Roboto Mono" pitchFamily="2" charset="0"/>
+              </a:rPr>
+              <a:t>()</a:t>
+            </a:r>
+          </a:p>
+        </p:txBody>
+      </p:sp>
+      <p:sp>
+        <p:nvSpPr>
+          <p:cNvPr id="10" name="TextBox 9">
+            <a:extLst>
+              <a:ext uri="{FF2B5EF4-FFF2-40B4-BE49-F238E27FC236}">
+                <a16:creationId xmlns:a16="http://schemas.microsoft.com/office/drawing/2014/main" id="{D89FA989-C236-DB42-BDF2-18BA23A2E9E9}"/>
+              </a:ext>
+            </a:extLst>
+          </p:cNvPr>
+          <p:cNvSpPr txBox="1"/>
+          <p:nvPr/>
+        </p:nvSpPr>
+        <p:spPr>
+          <a:xfrm>
+            <a:off x="7867307" y="3781524"/>
+            <a:ext cx="1685077" cy="323165"/>
+          </a:xfrm>
+          <a:prstGeom prst="rect">
+            <a:avLst/>
+          </a:prstGeom>
+          <a:noFill/>
+        </p:spPr>
+        <p:txBody>
+          <a:bodyPr wrap="none" rtlCol="0">
+            <a:spAutoFit/>
+          </a:bodyPr>
+          <a:lstStyle/>
+          <a:p>
+            <a:r>
+              <a:rPr lang="en-US" sz="1500" dirty="0" err="1">
+                <a:latin typeface="Roboto Mono" pitchFamily="2" charset="0"/>
+                <a:ea typeface="Roboto Mono" pitchFamily="2" charset="0"/>
+              </a:rPr>
+              <a:t>cbc_choices</a:t>
+            </a:r>
+            <a:r>
+              <a:rPr lang="en-US" sz="1500" dirty="0">
+                <a:latin typeface="Roboto Mono" pitchFamily="2" charset="0"/>
+                <a:ea typeface="Roboto Mono" pitchFamily="2" charset="0"/>
+              </a:rPr>
+              <a:t>()</a:t>
+            </a:r>
+          </a:p>
+        </p:txBody>
+      </p:sp>
+      <p:sp>
+        <p:nvSpPr>
+          <p:cNvPr id="11" name="TextBox 10">
+            <a:extLst>
+              <a:ext uri="{FF2B5EF4-FFF2-40B4-BE49-F238E27FC236}">
+                <a16:creationId xmlns:a16="http://schemas.microsoft.com/office/drawing/2014/main" id="{26B558CF-0111-A949-8227-73299D754265}"/>
+              </a:ext>
+            </a:extLst>
+          </p:cNvPr>
+          <p:cNvSpPr txBox="1"/>
+          <p:nvPr/>
+        </p:nvSpPr>
+        <p:spPr>
+          <a:xfrm>
+            <a:off x="9630553" y="3781524"/>
+            <a:ext cx="1454244" cy="323165"/>
+          </a:xfrm>
+          <a:prstGeom prst="rect">
+            <a:avLst/>
+          </a:prstGeom>
+          <a:noFill/>
+        </p:spPr>
+        <p:txBody>
+          <a:bodyPr wrap="none" rtlCol="0">
+            <a:spAutoFit/>
+          </a:bodyPr>
+          <a:lstStyle/>
+          <a:p>
+            <a:r>
+              <a:rPr lang="en-US" sz="1500" dirty="0" err="1">
+                <a:latin typeface="Roboto Mono" pitchFamily="2" charset="0"/>
+                <a:ea typeface="Roboto Mono" pitchFamily="2" charset="0"/>
+              </a:rPr>
+              <a:t>cbc_power</a:t>
+            </a:r>
+            <a:r>
+              <a:rPr lang="en-US" sz="1500" dirty="0">
+                <a:latin typeface="Roboto Mono" pitchFamily="2" charset="0"/>
+                <a:ea typeface="Roboto Mono" pitchFamily="2" charset="0"/>
+              </a:rPr>
+              <a:t>()</a:t>
+            </a:r>
+          </a:p>
+        </p:txBody>
+      </p:sp>
+      <p:pic>
+        <p:nvPicPr>
+          <p:cNvPr id="3" name="Picture 2" descr="Logo, company name&#10;&#10;Description automatically generated">
+            <a:extLst>
+              <a:ext uri="{FF2B5EF4-FFF2-40B4-BE49-F238E27FC236}">
+                <a16:creationId xmlns:a16="http://schemas.microsoft.com/office/drawing/2014/main" id="{E33D6217-19EB-7E42-8BFB-E39A9A80F228}"/>
+              </a:ext>
+            </a:extLst>
+          </p:cNvPr>
+          <p:cNvPicPr>
+            <a:picLocks noChangeAspect="1"/>
+          </p:cNvPicPr>
+          <p:nvPr/>
+        </p:nvPicPr>
+        <p:blipFill>
+          <a:blip r:embed="rId8"/>
+          <a:stretch>
+            <a:fillRect/>
+          </a:stretch>
+        </p:blipFill>
+        <p:spPr>
+          <a:xfrm>
+            <a:off x="2314143" y="446421"/>
+            <a:ext cx="2327340" cy="1939450"/>
+          </a:xfrm>
+          <a:prstGeom prst="rect">
+            <a:avLst/>
+          </a:prstGeom>
+        </p:spPr>
+      </p:pic>
+      <p:pic>
+        <p:nvPicPr>
+          <p:cNvPr id="12" name="Picture 11" descr="A picture containing shape&#10;&#10;Description automatically generated">
+            <a:extLst>
+              <a:ext uri="{FF2B5EF4-FFF2-40B4-BE49-F238E27FC236}">
+                <a16:creationId xmlns:a16="http://schemas.microsoft.com/office/drawing/2014/main" id="{04AECFDF-ECF5-2A41-92EE-2F5E3C297FF1}"/>
+              </a:ext>
+            </a:extLst>
+          </p:cNvPr>
+          <p:cNvPicPr>
+            <a:picLocks noChangeAspect="1"/>
+          </p:cNvPicPr>
+          <p:nvPr/>
+        </p:nvPicPr>
+        <p:blipFill>
+          <a:blip r:embed="rId9"/>
+          <a:stretch>
+            <a:fillRect/>
+          </a:stretch>
+        </p:blipFill>
+        <p:spPr>
+          <a:xfrm>
+            <a:off x="7550519" y="269701"/>
+            <a:ext cx="2070460" cy="2386945"/>
+          </a:xfrm>
+          <a:prstGeom prst="rect">
+            <a:avLst/>
+          </a:prstGeom>
+        </p:spPr>
+      </p:pic>
+      <p:pic>
+        <p:nvPicPr>
+          <p:cNvPr id="14" name="Picture 13" descr="Icon&#10;&#10;Description automatically generated">
+            <a:extLst>
+              <a:ext uri="{FF2B5EF4-FFF2-40B4-BE49-F238E27FC236}">
+                <a16:creationId xmlns:a16="http://schemas.microsoft.com/office/drawing/2014/main" id="{8D227933-0DB9-C74F-8E77-FE00DED3B0DC}"/>
+              </a:ext>
+            </a:extLst>
+          </p:cNvPr>
+          <p:cNvPicPr>
+            <a:picLocks noChangeAspect="1"/>
+          </p:cNvPicPr>
+          <p:nvPr/>
+        </p:nvPicPr>
+        <p:blipFill>
+          <a:blip r:embed="rId10"/>
+          <a:stretch>
+            <a:fillRect/>
+          </a:stretch>
+        </p:blipFill>
+        <p:spPr>
+          <a:xfrm>
+            <a:off x="5396737" y="910175"/>
+            <a:ext cx="987315" cy="987315"/>
+          </a:xfrm>
+          <a:prstGeom prst="rect">
+            <a:avLst/>
+          </a:prstGeom>
+        </p:spPr>
+      </p:pic>
+      <p:sp>
+        <p:nvSpPr>
+          <p:cNvPr id="15" name="Right Arrow 14">
+            <a:extLst>
+              <a:ext uri="{FF2B5EF4-FFF2-40B4-BE49-F238E27FC236}">
+                <a16:creationId xmlns:a16="http://schemas.microsoft.com/office/drawing/2014/main" id="{D263C3E8-9D97-6140-8209-D9069473236B}"/>
+              </a:ext>
+            </a:extLst>
+          </p:cNvPr>
+          <p:cNvSpPr/>
+          <p:nvPr/>
+        </p:nvSpPr>
+        <p:spPr>
+          <a:xfrm>
+            <a:off x="6564290" y="1300533"/>
+            <a:ext cx="756744" cy="323165"/>
+          </a:xfrm>
+          <a:prstGeom prst="rightArrow">
+            <a:avLst>
+              <a:gd name="adj1" fmla="val 36991"/>
+              <a:gd name="adj2" fmla="val 85775"/>
+            </a:avLst>
+          </a:prstGeom>
+        </p:spPr>
+        <p:style>
+          <a:lnRef idx="2">
+            <a:schemeClr val="accent1">
+              <a:shade val="50000"/>
+            </a:schemeClr>
+          </a:lnRef>
+          <a:fillRef idx="1">
+            <a:schemeClr val="accent1"/>
+          </a:fillRef>
+          <a:effectRef idx="0">
+            <a:schemeClr val="accent1"/>
+          </a:effectRef>
+          <a:fontRef idx="minor">
+            <a:schemeClr val="lt1"/>
+          </a:fontRef>
+        </p:style>
+        <p:txBody>
+          <a:bodyPr rtlCol="0" anchor="ctr"/>
+          <a:lstStyle/>
+          <a:p>
+            <a:pPr algn="ctr"/>
+            <a:endParaRPr lang="en-US"/>
+          </a:p>
+        </p:txBody>
+      </p:sp>
+      <p:sp>
+        <p:nvSpPr>
+          <p:cNvPr id="16" name="Right Arrow 15">
+            <a:extLst>
+              <a:ext uri="{FF2B5EF4-FFF2-40B4-BE49-F238E27FC236}">
+                <a16:creationId xmlns:a16="http://schemas.microsoft.com/office/drawing/2014/main" id="{A3DFF1AF-E6C6-B643-86A8-92CBB1004A3C}"/>
+              </a:ext>
+            </a:extLst>
+          </p:cNvPr>
+          <p:cNvSpPr/>
+          <p:nvPr/>
+        </p:nvSpPr>
+        <p:spPr>
+          <a:xfrm>
+            <a:off x="4616139" y="1300534"/>
+            <a:ext cx="756744" cy="323165"/>
+          </a:xfrm>
+          <a:prstGeom prst="rightArrow">
+            <a:avLst>
+              <a:gd name="adj1" fmla="val 36991"/>
+              <a:gd name="adj2" fmla="val 85775"/>
+            </a:avLst>
+          </a:prstGeom>
+          <a:solidFill>
+            <a:schemeClr val="accent6"/>
+          </a:solidFill>
+          <a:ln>
+            <a:solidFill>
+              <a:schemeClr val="accent6"/>
+            </a:solidFill>
+          </a:ln>
+        </p:spPr>
+        <p:style>
+          <a:lnRef idx="2">
+            <a:schemeClr val="accent1">
+              <a:shade val="50000"/>
+            </a:schemeClr>
+          </a:lnRef>
+          <a:fillRef idx="1">
+            <a:schemeClr val="accent1"/>
+          </a:fillRef>
+          <a:effectRef idx="0">
+            <a:schemeClr val="accent1"/>
+          </a:effectRef>
+          <a:fontRef idx="minor">
+            <a:schemeClr val="lt1"/>
+          </a:fontRef>
+        </p:style>
+        <p:txBody>
+          <a:bodyPr rtlCol="0" anchor="ctr"/>
+          <a:lstStyle/>
+          <a:p>
+            <a:pPr algn="ctr"/>
+            <a:endParaRPr lang="en-US"/>
+          </a:p>
+        </p:txBody>
+      </p:sp>
+    </p:spTree>
+    <p:extLst>
+      <p:ext uri="{BB962C8B-B14F-4D97-AF65-F5344CB8AC3E}">
+        <p14:creationId xmlns:p14="http://schemas.microsoft.com/office/powerpoint/2010/main" val="806404232"/>
+      </p:ext>
+    </p:extLst>
+  </p:cSld>
+  <p:clrMapOvr>
+    <a:masterClrMapping/>
+  </p:clrMapOvr>
+</p:sld>
+</file>
+
+<file path=ppt/slides/slide11.xml><?xml version="1.0" encoding="utf-8"?>
+<p:sld xmlns:a="http://schemas.openxmlformats.org/drawingml/2006/main" xmlns:r="http://schemas.openxmlformats.org/officeDocument/2006/relationships" xmlns:p="http://schemas.openxmlformats.org/presentationml/2006/main">
+  <p:cSld>
+    <p:spTree>
+      <p:nvGrpSpPr>
+        <p:cNvPr id="1" name=""/>
+        <p:cNvGrpSpPr/>
+        <p:nvPr/>
+      </p:nvGrpSpPr>
+      <p:grpSpPr>
+        <a:xfrm>
+          <a:off x="0" y="0"/>
+          <a:ext cx="0" cy="0"/>
+          <a:chOff x="0" y="0"/>
+          <a:chExt cx="0" cy="0"/>
+        </a:xfrm>
+      </p:grpSpPr>
+      <p:graphicFrame>
+        <p:nvGraphicFramePr>
+          <p:cNvPr id="5" name="Diagram 4">
+            <a:extLst>
+              <a:ext uri="{FF2B5EF4-FFF2-40B4-BE49-F238E27FC236}">
+                <a16:creationId xmlns:a16="http://schemas.microsoft.com/office/drawing/2014/main" id="{E87B922A-541C-3545-9E19-620039FE357B}"/>
+              </a:ext>
+            </a:extLst>
+          </p:cNvPr>
+          <p:cNvGraphicFramePr/>
+          <p:nvPr/>
+        </p:nvGraphicFramePr>
+        <p:xfrm>
+          <a:off x="910896" y="2057109"/>
+          <a:ext cx="10370207" cy="2454457"/>
+        </p:xfrm>
+        <a:graphic>
+          <a:graphicData uri="http://schemas.openxmlformats.org/drawingml/2006/diagram">
+            <dgm:relIds xmlns:dgm="http://schemas.openxmlformats.org/drawingml/2006/diagram" xmlns:r="http://schemas.openxmlformats.org/officeDocument/2006/relationships" r:dm="rId3" r:lo="rId4" r:qs="rId5" r:cs="rId6"/>
+          </a:graphicData>
+        </a:graphic>
+      </p:graphicFrame>
+      <p:sp>
+        <p:nvSpPr>
+          <p:cNvPr id="6" name="TextBox 5">
+            <a:extLst>
+              <a:ext uri="{FF2B5EF4-FFF2-40B4-BE49-F238E27FC236}">
+                <a16:creationId xmlns:a16="http://schemas.microsoft.com/office/drawing/2014/main" id="{689F90AE-4A3F-2044-89F7-C1A6618277CE}"/>
+              </a:ext>
+            </a:extLst>
+          </p:cNvPr>
+          <p:cNvSpPr txBox="1"/>
+          <p:nvPr/>
+        </p:nvSpPr>
+        <p:spPr>
+          <a:xfrm>
+            <a:off x="2577567" y="3781524"/>
+            <a:ext cx="1800493" cy="323165"/>
+          </a:xfrm>
+          <a:prstGeom prst="rect">
+            <a:avLst/>
+          </a:prstGeom>
+          <a:noFill/>
+        </p:spPr>
+        <p:txBody>
+          <a:bodyPr wrap="none" rtlCol="0">
+            <a:spAutoFit/>
+          </a:bodyPr>
+          <a:lstStyle/>
+          <a:p>
+            <a:r>
+              <a:rPr lang="en-US" sz="1500" dirty="0" err="1">
+                <a:latin typeface="Roboto Mono" pitchFamily="2" charset="0"/>
+                <a:ea typeface="Roboto Mono" pitchFamily="2" charset="0"/>
+              </a:rPr>
+              <a:t>cbc_profiles</a:t>
+            </a:r>
+            <a:r>
+              <a:rPr lang="en-US" sz="1500" dirty="0">
+                <a:latin typeface="Roboto Mono" pitchFamily="2" charset="0"/>
+                <a:ea typeface="Roboto Mono" pitchFamily="2" charset="0"/>
+              </a:rPr>
+              <a:t>()</a:t>
+            </a:r>
+          </a:p>
+        </p:txBody>
+      </p:sp>
+      <p:sp>
+        <p:nvSpPr>
+          <p:cNvPr id="7" name="TextBox 6">
+            <a:extLst>
+              <a:ext uri="{FF2B5EF4-FFF2-40B4-BE49-F238E27FC236}">
+                <a16:creationId xmlns:a16="http://schemas.microsoft.com/office/drawing/2014/main" id="{E8A77415-2E32-2245-86A8-7543E4E79331}"/>
+              </a:ext>
+            </a:extLst>
+          </p:cNvPr>
+          <p:cNvSpPr txBox="1"/>
+          <p:nvPr/>
+        </p:nvSpPr>
+        <p:spPr>
+          <a:xfrm>
+            <a:off x="4456230" y="3781524"/>
+            <a:ext cx="1569660" cy="323165"/>
+          </a:xfrm>
+          <a:prstGeom prst="rect">
+            <a:avLst/>
+          </a:prstGeom>
+          <a:noFill/>
+        </p:spPr>
+        <p:txBody>
+          <a:bodyPr wrap="none" rtlCol="0">
+            <a:spAutoFit/>
+          </a:bodyPr>
+          <a:lstStyle/>
+          <a:p>
+            <a:r>
+              <a:rPr lang="en-US" sz="1500" dirty="0" err="1">
+                <a:latin typeface="Roboto Mono" pitchFamily="2" charset="0"/>
+                <a:ea typeface="Roboto Mono" pitchFamily="2" charset="0"/>
+              </a:rPr>
+              <a:t>cbc_design</a:t>
+            </a:r>
+            <a:r>
+              <a:rPr lang="en-US" sz="1500" dirty="0">
+                <a:latin typeface="Roboto Mono" pitchFamily="2" charset="0"/>
+                <a:ea typeface="Roboto Mono" pitchFamily="2" charset="0"/>
+              </a:rPr>
+              <a:t>()</a:t>
+            </a:r>
+          </a:p>
+        </p:txBody>
+      </p:sp>
+      <p:sp>
+        <p:nvSpPr>
+          <p:cNvPr id="8" name="TextBox 7">
+            <a:extLst>
+              <a:ext uri="{FF2B5EF4-FFF2-40B4-BE49-F238E27FC236}">
+                <a16:creationId xmlns:a16="http://schemas.microsoft.com/office/drawing/2014/main" id="{274D3CCB-DE23-7848-B7A6-BE793820DD36}"/>
+              </a:ext>
+            </a:extLst>
+          </p:cNvPr>
+          <p:cNvSpPr txBox="1"/>
+          <p:nvPr/>
+        </p:nvSpPr>
+        <p:spPr>
+          <a:xfrm>
+            <a:off x="6104060" y="3781524"/>
+            <a:ext cx="1685077" cy="323165"/>
+          </a:xfrm>
+          <a:prstGeom prst="rect">
+            <a:avLst/>
+          </a:prstGeom>
+          <a:noFill/>
+        </p:spPr>
+        <p:txBody>
+          <a:bodyPr wrap="none" rtlCol="0">
+            <a:spAutoFit/>
+          </a:bodyPr>
+          <a:lstStyle/>
+          <a:p>
+            <a:r>
+              <a:rPr lang="en-US" sz="1500" dirty="0" err="1">
+                <a:latin typeface="Roboto Mono" pitchFamily="2" charset="0"/>
+                <a:ea typeface="Roboto Mono" pitchFamily="2" charset="0"/>
+              </a:rPr>
+              <a:t>cbc_balance</a:t>
+            </a:r>
+            <a:r>
+              <a:rPr lang="en-US" sz="1500" dirty="0">
+                <a:latin typeface="Roboto Mono" pitchFamily="2" charset="0"/>
+                <a:ea typeface="Roboto Mono" pitchFamily="2" charset="0"/>
+              </a:rPr>
+              <a:t>()</a:t>
+            </a:r>
+          </a:p>
+        </p:txBody>
+      </p:sp>
+      <p:sp>
+        <p:nvSpPr>
+          <p:cNvPr id="9" name="TextBox 8">
+            <a:extLst>
+              <a:ext uri="{FF2B5EF4-FFF2-40B4-BE49-F238E27FC236}">
+                <a16:creationId xmlns:a16="http://schemas.microsoft.com/office/drawing/2014/main" id="{09631C1D-AD5B-804F-9B6C-D753E0D3A20D}"/>
+              </a:ext>
+            </a:extLst>
+          </p:cNvPr>
+          <p:cNvSpPr txBox="1"/>
+          <p:nvPr/>
+        </p:nvSpPr>
+        <p:spPr>
+          <a:xfrm>
+            <a:off x="6104060" y="4201354"/>
+            <a:ext cx="1685077" cy="323165"/>
+          </a:xfrm>
+          <a:prstGeom prst="rect">
+            <a:avLst/>
+          </a:prstGeom>
+          <a:noFill/>
+        </p:spPr>
+        <p:txBody>
+          <a:bodyPr wrap="none" rtlCol="0">
+            <a:spAutoFit/>
+          </a:bodyPr>
+          <a:lstStyle/>
+          <a:p>
+            <a:r>
+              <a:rPr lang="en-US" sz="1500" dirty="0" err="1">
+                <a:latin typeface="Roboto Mono" pitchFamily="2" charset="0"/>
+                <a:ea typeface="Roboto Mono" pitchFamily="2" charset="0"/>
+              </a:rPr>
+              <a:t>cbc_overlap</a:t>
+            </a:r>
+            <a:r>
+              <a:rPr lang="en-US" sz="1500" dirty="0">
+                <a:latin typeface="Roboto Mono" pitchFamily="2" charset="0"/>
+                <a:ea typeface="Roboto Mono" pitchFamily="2" charset="0"/>
+              </a:rPr>
+              <a:t>()</a:t>
+            </a:r>
+          </a:p>
+        </p:txBody>
+      </p:sp>
+      <p:sp>
+        <p:nvSpPr>
+          <p:cNvPr id="10" name="TextBox 9">
+            <a:extLst>
+              <a:ext uri="{FF2B5EF4-FFF2-40B4-BE49-F238E27FC236}">
+                <a16:creationId xmlns:a16="http://schemas.microsoft.com/office/drawing/2014/main" id="{D89FA989-C236-DB42-BDF2-18BA23A2E9E9}"/>
+              </a:ext>
+            </a:extLst>
+          </p:cNvPr>
+          <p:cNvSpPr txBox="1"/>
+          <p:nvPr/>
+        </p:nvSpPr>
+        <p:spPr>
+          <a:xfrm>
+            <a:off x="7867307" y="3781524"/>
+            <a:ext cx="1685077" cy="323165"/>
+          </a:xfrm>
+          <a:prstGeom prst="rect">
+            <a:avLst/>
+          </a:prstGeom>
+          <a:noFill/>
+        </p:spPr>
+        <p:txBody>
+          <a:bodyPr wrap="none" rtlCol="0">
+            <a:spAutoFit/>
+          </a:bodyPr>
+          <a:lstStyle/>
+          <a:p>
+            <a:r>
+              <a:rPr lang="en-US" sz="1500" dirty="0" err="1">
+                <a:latin typeface="Roboto Mono" pitchFamily="2" charset="0"/>
+                <a:ea typeface="Roboto Mono" pitchFamily="2" charset="0"/>
+              </a:rPr>
+              <a:t>cbc_choices</a:t>
+            </a:r>
+            <a:r>
+              <a:rPr lang="en-US" sz="1500" dirty="0">
+                <a:latin typeface="Roboto Mono" pitchFamily="2" charset="0"/>
+                <a:ea typeface="Roboto Mono" pitchFamily="2" charset="0"/>
+              </a:rPr>
+              <a:t>()</a:t>
+            </a:r>
+          </a:p>
+        </p:txBody>
+      </p:sp>
+      <p:sp>
+        <p:nvSpPr>
+          <p:cNvPr id="11" name="TextBox 10">
+            <a:extLst>
+              <a:ext uri="{FF2B5EF4-FFF2-40B4-BE49-F238E27FC236}">
+                <a16:creationId xmlns:a16="http://schemas.microsoft.com/office/drawing/2014/main" id="{26B558CF-0111-A949-8227-73299D754265}"/>
+              </a:ext>
+            </a:extLst>
+          </p:cNvPr>
+          <p:cNvSpPr txBox="1"/>
+          <p:nvPr/>
+        </p:nvSpPr>
+        <p:spPr>
+          <a:xfrm>
+            <a:off x="9630553" y="3781524"/>
+            <a:ext cx="1454244" cy="323165"/>
+          </a:xfrm>
+          <a:prstGeom prst="rect">
+            <a:avLst/>
+          </a:prstGeom>
+          <a:noFill/>
+        </p:spPr>
+        <p:txBody>
+          <a:bodyPr wrap="none" rtlCol="0">
+            <a:spAutoFit/>
+          </a:bodyPr>
+          <a:lstStyle/>
+          <a:p>
+            <a:r>
+              <a:rPr lang="en-US" sz="1500" dirty="0" err="1">
+                <a:latin typeface="Roboto Mono" pitchFamily="2" charset="0"/>
+                <a:ea typeface="Roboto Mono" pitchFamily="2" charset="0"/>
+              </a:rPr>
+              <a:t>cbc_power</a:t>
+            </a:r>
+            <a:r>
+              <a:rPr lang="en-US" sz="1500" dirty="0">
+                <a:latin typeface="Roboto Mono" pitchFamily="2" charset="0"/>
+                <a:ea typeface="Roboto Mono" pitchFamily="2" charset="0"/>
+              </a:rPr>
+              <a:t>()</a:t>
+            </a:r>
+          </a:p>
+        </p:txBody>
+      </p:sp>
+      <p:pic>
+        <p:nvPicPr>
+          <p:cNvPr id="12" name="Picture 11" descr="Logo, company name&#10;&#10;Description automatically generated">
+            <a:extLst>
+              <a:ext uri="{FF2B5EF4-FFF2-40B4-BE49-F238E27FC236}">
+                <a16:creationId xmlns:a16="http://schemas.microsoft.com/office/drawing/2014/main" id="{90DD9D79-99F2-C443-BAFB-176EFFC52A22}"/>
+              </a:ext>
+            </a:extLst>
+          </p:cNvPr>
+          <p:cNvPicPr>
+            <a:picLocks noChangeAspect="1"/>
+          </p:cNvPicPr>
+          <p:nvPr/>
+        </p:nvPicPr>
+        <p:blipFill>
+          <a:blip r:embed="rId8"/>
+          <a:stretch>
+            <a:fillRect/>
+          </a:stretch>
+        </p:blipFill>
+        <p:spPr>
+          <a:xfrm>
+            <a:off x="7303213" y="4480588"/>
+            <a:ext cx="2327340" cy="1939450"/>
+          </a:xfrm>
+          <a:prstGeom prst="rect">
+            <a:avLst/>
+          </a:prstGeom>
+        </p:spPr>
+      </p:pic>
+      <p:pic>
+        <p:nvPicPr>
+          <p:cNvPr id="13" name="Picture 12" descr="A picture containing shape&#10;&#10;Description automatically generated">
+            <a:extLst>
+              <a:ext uri="{FF2B5EF4-FFF2-40B4-BE49-F238E27FC236}">
+                <a16:creationId xmlns:a16="http://schemas.microsoft.com/office/drawing/2014/main" id="{CB6B4653-BBE3-3E4A-AAAB-5559C5565626}"/>
+              </a:ext>
+            </a:extLst>
+          </p:cNvPr>
+          <p:cNvPicPr>
+            <a:picLocks noChangeAspect="1"/>
+          </p:cNvPicPr>
+          <p:nvPr/>
+        </p:nvPicPr>
+        <p:blipFill>
+          <a:blip r:embed="rId9"/>
+          <a:stretch>
+            <a:fillRect/>
+          </a:stretch>
+        </p:blipFill>
+        <p:spPr>
+          <a:xfrm>
+            <a:off x="4990660" y="148637"/>
+            <a:ext cx="2070460" cy="2386945"/>
+          </a:xfrm>
+          <a:prstGeom prst="rect">
+            <a:avLst/>
+          </a:prstGeom>
+        </p:spPr>
+      </p:pic>
+      <p:pic>
+        <p:nvPicPr>
+          <p:cNvPr id="14" name="Picture 13" descr="Icon&#10;&#10;Description automatically generated">
+            <a:extLst>
+              <a:ext uri="{FF2B5EF4-FFF2-40B4-BE49-F238E27FC236}">
+                <a16:creationId xmlns:a16="http://schemas.microsoft.com/office/drawing/2014/main" id="{D15F035C-034D-1C4B-AAAF-022A2C05DE25}"/>
+              </a:ext>
+            </a:extLst>
+          </p:cNvPr>
+          <p:cNvPicPr>
+            <a:picLocks noChangeAspect="1"/>
+          </p:cNvPicPr>
+          <p:nvPr/>
+        </p:nvPicPr>
+        <p:blipFill>
+          <a:blip r:embed="rId10"/>
+          <a:stretch>
+            <a:fillRect/>
+          </a:stretch>
+        </p:blipFill>
+        <p:spPr>
+          <a:xfrm>
+            <a:off x="10504764" y="4925127"/>
+            <a:ext cx="987315" cy="987315"/>
+          </a:xfrm>
+          <a:prstGeom prst="rect">
+            <a:avLst/>
+          </a:prstGeom>
+        </p:spPr>
+      </p:pic>
+      <p:sp>
+        <p:nvSpPr>
+          <p:cNvPr id="2" name="U-Turn Arrow 1">
+            <a:extLst>
+              <a:ext uri="{FF2B5EF4-FFF2-40B4-BE49-F238E27FC236}">
+                <a16:creationId xmlns:a16="http://schemas.microsoft.com/office/drawing/2014/main" id="{7A0E9A7A-A8E4-D64C-A613-CEACCF596625}"/>
+              </a:ext>
+            </a:extLst>
+          </p:cNvPr>
+          <p:cNvSpPr/>
+          <p:nvPr/>
+        </p:nvSpPr>
+        <p:spPr>
+          <a:xfrm rot="5400000">
+            <a:off x="10533388" y="4092243"/>
+            <a:ext cx="2386944" cy="630073"/>
+          </a:xfrm>
+          <a:prstGeom prst="uturnArrow">
+            <a:avLst>
+              <a:gd name="adj1" fmla="val 18085"/>
+              <a:gd name="adj2" fmla="val 25000"/>
+              <a:gd name="adj3" fmla="val 25000"/>
+              <a:gd name="adj4" fmla="val 42021"/>
+              <a:gd name="adj5" fmla="val 75000"/>
+            </a:avLst>
+          </a:prstGeom>
+        </p:spPr>
+        <p:style>
+          <a:lnRef idx="2">
+            <a:schemeClr val="accent1">
+              <a:shade val="50000"/>
+            </a:schemeClr>
+          </a:lnRef>
+          <a:fillRef idx="1">
+            <a:schemeClr val="accent1"/>
+          </a:fillRef>
+          <a:effectRef idx="0">
+            <a:schemeClr val="accent1"/>
+          </a:effectRef>
+          <a:fontRef idx="minor">
+            <a:schemeClr val="lt1"/>
+          </a:fontRef>
+        </p:style>
+        <p:txBody>
+          <a:bodyPr rtlCol="0" anchor="ctr"/>
+          <a:lstStyle/>
+          <a:p>
+            <a:pPr algn="ctr"/>
+            <a:endParaRPr lang="en-US">
+              <a:solidFill>
+                <a:schemeClr val="tx1"/>
+              </a:solidFill>
+            </a:endParaRPr>
+          </a:p>
+        </p:txBody>
+      </p:sp>
+      <p:sp>
+        <p:nvSpPr>
+          <p:cNvPr id="19" name="Right Arrow 18">
+            <a:extLst>
+              <a:ext uri="{FF2B5EF4-FFF2-40B4-BE49-F238E27FC236}">
+                <a16:creationId xmlns:a16="http://schemas.microsoft.com/office/drawing/2014/main" id="{A88FBECD-83F9-7C45-B158-9BFEA2DDD46B}"/>
+              </a:ext>
+            </a:extLst>
+          </p:cNvPr>
+          <p:cNvSpPr/>
+          <p:nvPr/>
+        </p:nvSpPr>
+        <p:spPr>
+          <a:xfrm flipH="1">
+            <a:off x="9616020" y="5288731"/>
+            <a:ext cx="756744" cy="323165"/>
+          </a:xfrm>
+          <a:prstGeom prst="rightArrow">
+            <a:avLst>
+              <a:gd name="adj1" fmla="val 36991"/>
+              <a:gd name="adj2" fmla="val 85775"/>
+            </a:avLst>
+          </a:prstGeom>
+          <a:solidFill>
+            <a:schemeClr val="accent6"/>
+          </a:solidFill>
+          <a:ln>
+            <a:solidFill>
+              <a:schemeClr val="accent6"/>
+            </a:solidFill>
+          </a:ln>
+        </p:spPr>
+        <p:style>
+          <a:lnRef idx="2">
+            <a:schemeClr val="accent1">
+              <a:shade val="50000"/>
+            </a:schemeClr>
+          </a:lnRef>
+          <a:fillRef idx="1">
+            <a:schemeClr val="accent1"/>
+          </a:fillRef>
+          <a:effectRef idx="0">
+            <a:schemeClr val="accent1"/>
+          </a:effectRef>
+          <a:fontRef idx="minor">
+            <a:schemeClr val="lt1"/>
+          </a:fontRef>
+        </p:style>
+        <p:txBody>
+          <a:bodyPr rtlCol="0" anchor="ctr"/>
+          <a:lstStyle/>
+          <a:p>
+            <a:pPr algn="ctr"/>
+            <a:endParaRPr lang="en-US"/>
+          </a:p>
+        </p:txBody>
+      </p:sp>
+    </p:spTree>
+    <p:extLst>
+      <p:ext uri="{BB962C8B-B14F-4D97-AF65-F5344CB8AC3E}">
+        <p14:creationId xmlns:p14="http://schemas.microsoft.com/office/powerpoint/2010/main" val="3410665272"/>
       </p:ext>
     </p:extLst>
   </p:cSld>
